--- a/concurrency.pptx
+++ b/concurrency.pptx
@@ -5,7 +5,7 @@
     <p:sldMasterId id="2147483660" r:id="rId1"/>
   </p:sldMasterIdLst>
   <p:notesMasterIdLst>
-    <p:notesMasterId r:id="rId48"/>
+    <p:notesMasterId r:id="rId49"/>
   </p:notesMasterIdLst>
   <p:sldIdLst>
     <p:sldId id="256" r:id="rId2"/>
@@ -39,21 +39,22 @@
     <p:sldId id="297" r:id="rId30"/>
     <p:sldId id="283" r:id="rId31"/>
     <p:sldId id="284" r:id="rId32"/>
-    <p:sldId id="285" r:id="rId33"/>
-    <p:sldId id="286" r:id="rId34"/>
-    <p:sldId id="289" r:id="rId35"/>
-    <p:sldId id="290" r:id="rId36"/>
-    <p:sldId id="291" r:id="rId37"/>
-    <p:sldId id="298" r:id="rId38"/>
-    <p:sldId id="293" r:id="rId39"/>
-    <p:sldId id="294" r:id="rId40"/>
-    <p:sldId id="295" r:id="rId41"/>
-    <p:sldId id="272" r:id="rId42"/>
-    <p:sldId id="301" r:id="rId43"/>
-    <p:sldId id="299" r:id="rId44"/>
-    <p:sldId id="300" r:id="rId45"/>
-    <p:sldId id="302" r:id="rId46"/>
-    <p:sldId id="273" r:id="rId47"/>
+    <p:sldId id="303" r:id="rId33"/>
+    <p:sldId id="285" r:id="rId34"/>
+    <p:sldId id="286" r:id="rId35"/>
+    <p:sldId id="289" r:id="rId36"/>
+    <p:sldId id="290" r:id="rId37"/>
+    <p:sldId id="291" r:id="rId38"/>
+    <p:sldId id="298" r:id="rId39"/>
+    <p:sldId id="293" r:id="rId40"/>
+    <p:sldId id="294" r:id="rId41"/>
+    <p:sldId id="295" r:id="rId42"/>
+    <p:sldId id="272" r:id="rId43"/>
+    <p:sldId id="301" r:id="rId44"/>
+    <p:sldId id="299" r:id="rId45"/>
+    <p:sldId id="300" r:id="rId46"/>
+    <p:sldId id="302" r:id="rId47"/>
+    <p:sldId id="273" r:id="rId48"/>
   </p:sldIdLst>
   <p:sldSz cx="9144000" cy="6858000" type="screen4x3"/>
   <p:notesSz cx="6858000" cy="9144000"/>
@@ -1165,358 +1166,6 @@
       <dsp:cNvGrpSpPr/>
     </dsp:nvGrpSpPr>
     <dsp:grpSpPr/>
-    <dsp:sp modelId="{40D63576-4844-9346-B2E8-A45227B17882}">
-      <dsp:nvSpPr>
-        <dsp:cNvPr id="0" name=""/>
-        <dsp:cNvSpPr/>
-      </dsp:nvSpPr>
-      <dsp:spPr>
-        <a:xfrm>
-          <a:off x="0" y="1689704"/>
-          <a:ext cx="5679996" cy="1035418"/>
-        </a:xfrm>
-        <a:prstGeom prst="notchedRightArrow">
-          <a:avLst/>
-        </a:prstGeom>
-        <a:solidFill>
-          <a:schemeClr val="accent3">
-            <a:lumMod val="40000"/>
-            <a:lumOff val="60000"/>
-          </a:schemeClr>
-        </a:solidFill>
-        <a:ln>
-          <a:noFill/>
-        </a:ln>
-        <a:effectLst/>
-      </dsp:spPr>
-      <dsp:style>
-        <a:lnRef idx="0">
-          <a:scrgbClr r="0" g="0" b="0"/>
-        </a:lnRef>
-        <a:fillRef idx="1">
-          <a:scrgbClr r="0" g="0" b="0"/>
-        </a:fillRef>
-        <a:effectRef idx="0">
-          <a:scrgbClr r="0" g="0" b="0"/>
-        </a:effectRef>
-        <a:fontRef idx="minor"/>
-      </dsp:style>
-    </dsp:sp>
-    <dsp:sp modelId="{31A5D50B-F1FC-F141-9619-0574A00A81C5}">
-      <dsp:nvSpPr>
-        <dsp:cNvPr id="0" name=""/>
-        <dsp:cNvSpPr/>
-      </dsp:nvSpPr>
-      <dsp:spPr>
-        <a:xfrm>
-          <a:off x="2970" y="0"/>
-          <a:ext cx="1655842" cy="1765930"/>
-        </a:xfrm>
-        <a:prstGeom prst="rect">
-          <a:avLst/>
-        </a:prstGeom>
-        <a:noFill/>
-        <a:ln>
-          <a:noFill/>
-        </a:ln>
-        <a:effectLst/>
-      </dsp:spPr>
-      <dsp:style>
-        <a:lnRef idx="0">
-          <a:scrgbClr r="0" g="0" b="0"/>
-        </a:lnRef>
-        <a:fillRef idx="0">
-          <a:scrgbClr r="0" g="0" b="0"/>
-        </a:fillRef>
-        <a:effectRef idx="0">
-          <a:scrgbClr r="0" g="0" b="0"/>
-        </a:effectRef>
-        <a:fontRef idx="minor"/>
-      </dsp:style>
-      <dsp:txBody>
-        <a:bodyPr spcFirstLastPara="0" vert="horz" wrap="square" lIns="170688" tIns="170688" rIns="170688" bIns="170688" numCol="1" spcCol="1270" anchor="b" anchorCtr="0">
-          <a:noAutofit/>
-        </a:bodyPr>
-        <a:lstStyle/>
-        <a:p>
-          <a:pPr lvl="0" algn="ctr" defTabSz="1066800">
-            <a:lnSpc>
-              <a:spcPct val="90000"/>
-            </a:lnSpc>
-            <a:spcBef>
-              <a:spcPct val="0"/>
-            </a:spcBef>
-            <a:spcAft>
-              <a:spcPct val="35000"/>
-            </a:spcAft>
-          </a:pPr>
-          <a:endParaRPr lang="en-US" sz="2400" kern="1200" dirty="0"/>
-        </a:p>
-      </dsp:txBody>
-      <dsp:txXfrm>
-        <a:off x="2970" y="0"/>
-        <a:ext cx="1655842" cy="1765930"/>
-      </dsp:txXfrm>
-    </dsp:sp>
-    <dsp:sp modelId="{469F6ABC-9D72-9140-8273-D443EAF2416E}">
-      <dsp:nvSpPr>
-        <dsp:cNvPr id="0" name=""/>
-        <dsp:cNvSpPr/>
-      </dsp:nvSpPr>
-      <dsp:spPr>
-        <a:xfrm>
-          <a:off x="610150" y="1986672"/>
-          <a:ext cx="441482" cy="441482"/>
-        </a:xfrm>
-        <a:prstGeom prst="ellipse">
-          <a:avLst/>
-        </a:prstGeom>
-        <a:solidFill>
-          <a:schemeClr val="accent1">
-            <a:hueOff val="0"/>
-            <a:satOff val="0"/>
-            <a:lumOff val="0"/>
-            <a:alphaOff val="0"/>
-          </a:schemeClr>
-        </a:solidFill>
-        <a:ln w="38100" cap="flat" cmpd="sng" algn="ctr">
-          <a:solidFill>
-            <a:schemeClr val="lt1">
-              <a:hueOff val="0"/>
-              <a:satOff val="0"/>
-              <a:lumOff val="0"/>
-              <a:alphaOff val="0"/>
-            </a:schemeClr>
-          </a:solidFill>
-          <a:prstDash val="solid"/>
-        </a:ln>
-        <a:effectLst/>
-      </dsp:spPr>
-      <dsp:style>
-        <a:lnRef idx="3">
-          <a:scrgbClr r="0" g="0" b="0"/>
-        </a:lnRef>
-        <a:fillRef idx="1">
-          <a:scrgbClr r="0" g="0" b="0"/>
-        </a:fillRef>
-        <a:effectRef idx="1">
-          <a:scrgbClr r="0" g="0" b="0"/>
-        </a:effectRef>
-        <a:fontRef idx="minor">
-          <a:schemeClr val="lt1"/>
-        </a:fontRef>
-      </dsp:style>
-    </dsp:sp>
-    <dsp:sp modelId="{530183C5-7A64-0E4C-99BC-E1A4DC47493A}">
-      <dsp:nvSpPr>
-        <dsp:cNvPr id="0" name=""/>
-        <dsp:cNvSpPr/>
-      </dsp:nvSpPr>
-      <dsp:spPr>
-        <a:xfrm>
-          <a:off x="1724709" y="2648896"/>
-          <a:ext cx="1634425" cy="1765930"/>
-        </a:xfrm>
-        <a:prstGeom prst="rect">
-          <a:avLst/>
-        </a:prstGeom>
-        <a:noFill/>
-        <a:ln>
-          <a:noFill/>
-        </a:ln>
-        <a:effectLst/>
-      </dsp:spPr>
-      <dsp:style>
-        <a:lnRef idx="0">
-          <a:scrgbClr r="0" g="0" b="0"/>
-        </a:lnRef>
-        <a:fillRef idx="0">
-          <a:scrgbClr r="0" g="0" b="0"/>
-        </a:fillRef>
-        <a:effectRef idx="0">
-          <a:scrgbClr r="0" g="0" b="0"/>
-        </a:effectRef>
-        <a:fontRef idx="minor"/>
-      </dsp:style>
-      <dsp:txBody>
-        <a:bodyPr spcFirstLastPara="0" vert="horz" wrap="square" lIns="199136" tIns="199136" rIns="199136" bIns="199136" numCol="1" spcCol="1270" anchor="t" anchorCtr="0">
-          <a:noAutofit/>
-        </a:bodyPr>
-        <a:lstStyle/>
-        <a:p>
-          <a:pPr lvl="0" algn="ctr" defTabSz="1244600">
-            <a:lnSpc>
-              <a:spcPct val="90000"/>
-            </a:lnSpc>
-            <a:spcBef>
-              <a:spcPct val="0"/>
-            </a:spcBef>
-            <a:spcAft>
-              <a:spcPct val="35000"/>
-            </a:spcAft>
-          </a:pPr>
-          <a:endParaRPr lang="en-US" sz="2800" kern="1200" dirty="0"/>
-        </a:p>
-      </dsp:txBody>
-      <dsp:txXfrm>
-        <a:off x="1724709" y="2648896"/>
-        <a:ext cx="1634425" cy="1765930"/>
-      </dsp:txXfrm>
-    </dsp:sp>
-    <dsp:sp modelId="{A5772602-E1A3-B646-A206-E2404CD8D410}">
-      <dsp:nvSpPr>
-        <dsp:cNvPr id="0" name=""/>
-        <dsp:cNvSpPr/>
-      </dsp:nvSpPr>
-      <dsp:spPr>
-        <a:xfrm>
-          <a:off x="2321181" y="1986672"/>
-          <a:ext cx="441482" cy="441482"/>
-        </a:xfrm>
-        <a:prstGeom prst="ellipse">
-          <a:avLst/>
-        </a:prstGeom>
-        <a:solidFill>
-          <a:schemeClr val="accent1">
-            <a:hueOff val="0"/>
-            <a:satOff val="0"/>
-            <a:lumOff val="0"/>
-            <a:alphaOff val="0"/>
-          </a:schemeClr>
-        </a:solidFill>
-        <a:ln w="38100" cap="flat" cmpd="sng" algn="ctr">
-          <a:solidFill>
-            <a:schemeClr val="lt1">
-              <a:hueOff val="0"/>
-              <a:satOff val="0"/>
-              <a:lumOff val="0"/>
-              <a:alphaOff val="0"/>
-            </a:schemeClr>
-          </a:solidFill>
-          <a:prstDash val="solid"/>
-        </a:ln>
-        <a:effectLst/>
-      </dsp:spPr>
-      <dsp:style>
-        <a:lnRef idx="3">
-          <a:scrgbClr r="0" g="0" b="0"/>
-        </a:lnRef>
-        <a:fillRef idx="1">
-          <a:scrgbClr r="0" g="0" b="0"/>
-        </a:fillRef>
-        <a:effectRef idx="1">
-          <a:scrgbClr r="0" g="0" b="0"/>
-        </a:effectRef>
-        <a:fontRef idx="minor">
-          <a:schemeClr val="lt1"/>
-        </a:fontRef>
-      </dsp:style>
-    </dsp:sp>
-    <dsp:sp modelId="{F60B3121-FF3E-6F4F-8103-123DE6D4049F}">
-      <dsp:nvSpPr>
-        <dsp:cNvPr id="0" name=""/>
-        <dsp:cNvSpPr/>
-      </dsp:nvSpPr>
-      <dsp:spPr>
-        <a:xfrm>
-          <a:off x="3425032" y="0"/>
-          <a:ext cx="1683993" cy="1765930"/>
-        </a:xfrm>
-        <a:prstGeom prst="rect">
-          <a:avLst/>
-        </a:prstGeom>
-        <a:noFill/>
-        <a:ln>
-          <a:noFill/>
-        </a:ln>
-        <a:effectLst/>
-      </dsp:spPr>
-      <dsp:style>
-        <a:lnRef idx="0">
-          <a:scrgbClr r="0" g="0" b="0"/>
-        </a:lnRef>
-        <a:fillRef idx="0">
-          <a:scrgbClr r="0" g="0" b="0"/>
-        </a:fillRef>
-        <a:effectRef idx="0">
-          <a:scrgbClr r="0" g="0" b="0"/>
-        </a:effectRef>
-        <a:fontRef idx="minor"/>
-      </dsp:style>
-      <dsp:txBody>
-        <a:bodyPr spcFirstLastPara="0" vert="horz" wrap="square" lIns="227584" tIns="227584" rIns="227584" bIns="227584" numCol="1" spcCol="1270" anchor="b" anchorCtr="0">
-          <a:noAutofit/>
-        </a:bodyPr>
-        <a:lstStyle/>
-        <a:p>
-          <a:pPr lvl="0" algn="ctr" defTabSz="1422400">
-            <a:lnSpc>
-              <a:spcPct val="90000"/>
-            </a:lnSpc>
-            <a:spcBef>
-              <a:spcPct val="0"/>
-            </a:spcBef>
-            <a:spcAft>
-              <a:spcPct val="35000"/>
-            </a:spcAft>
-          </a:pPr>
-          <a:endParaRPr lang="en-US" sz="3200" kern="1200" dirty="0"/>
-        </a:p>
-      </dsp:txBody>
-      <dsp:txXfrm>
-        <a:off x="3425032" y="0"/>
-        <a:ext cx="1683993" cy="1765930"/>
-      </dsp:txXfrm>
-    </dsp:sp>
-    <dsp:sp modelId="{E990F876-20F1-A947-BCC2-9FEE03E4BD79}">
-      <dsp:nvSpPr>
-        <dsp:cNvPr id="0" name=""/>
-        <dsp:cNvSpPr/>
-      </dsp:nvSpPr>
-      <dsp:spPr>
-        <a:xfrm>
-          <a:off x="4046287" y="1986672"/>
-          <a:ext cx="441482" cy="441482"/>
-        </a:xfrm>
-        <a:prstGeom prst="ellipse">
-          <a:avLst/>
-        </a:prstGeom>
-        <a:solidFill>
-          <a:schemeClr val="accent1">
-            <a:hueOff val="0"/>
-            <a:satOff val="0"/>
-            <a:lumOff val="0"/>
-            <a:alphaOff val="0"/>
-          </a:schemeClr>
-        </a:solidFill>
-        <a:ln w="38100" cap="flat" cmpd="sng" algn="ctr">
-          <a:solidFill>
-            <a:schemeClr val="lt1">
-              <a:hueOff val="0"/>
-              <a:satOff val="0"/>
-              <a:lumOff val="0"/>
-              <a:alphaOff val="0"/>
-            </a:schemeClr>
-          </a:solidFill>
-          <a:prstDash val="solid"/>
-        </a:ln>
-        <a:effectLst/>
-      </dsp:spPr>
-      <dsp:style>
-        <a:lnRef idx="3">
-          <a:scrgbClr r="0" g="0" b="0"/>
-        </a:lnRef>
-        <a:fillRef idx="1">
-          <a:scrgbClr r="0" g="0" b="0"/>
-        </a:fillRef>
-        <a:effectRef idx="1">
-          <a:scrgbClr r="0" g="0" b="0"/>
-        </a:effectRef>
-        <a:fontRef idx="minor">
-          <a:schemeClr val="lt1"/>
-        </a:fontRef>
-      </dsp:style>
-    </dsp:sp>
   </dsp:spTree>
 </dsp:drawing>
 </file>
@@ -2909,7 +2558,7 @@
           <a:p>
             <a:fld id="{7D852554-04C3-A246-A798-4F424EF9A0A2}" type="datetimeFigureOut">
               <a:rPr lang="en-US" smtClean="0"/>
-              <a:t>01.02.14</a:t>
+              <a:t>02.02.14</a:t>
             </a:fld>
             <a:endParaRPr lang="en-US"/>
           </a:p>
@@ -3494,7 +3143,7 @@
           <a:p>
             <a:fld id="{2DF66AD8-BC4A-4004-9882-414398D930CA}" type="datetimeFigureOut">
               <a:rPr lang="en-US" smtClean="0"/>
-              <a:t>01.02.14</a:t>
+              <a:t>02.02.14</a:t>
             </a:fld>
             <a:endParaRPr lang="en-US"/>
           </a:p>
@@ -3639,7 +3288,7 @@
           <a:p>
             <a:fld id="{2DF66AD8-BC4A-4004-9882-414398D930CA}" type="datetimeFigureOut">
               <a:rPr lang="en-US" smtClean="0"/>
-              <a:t>01.02.14</a:t>
+              <a:t>02.02.14</a:t>
             </a:fld>
             <a:endParaRPr lang="en-US"/>
           </a:p>
@@ -4096,7 +3745,7 @@
           <a:p>
             <a:fld id="{2DF66AD8-BC4A-4004-9882-414398D930CA}" type="datetimeFigureOut">
               <a:rPr lang="en-US" smtClean="0"/>
-              <a:t>01.02.14</a:t>
+              <a:t>02.02.14</a:t>
             </a:fld>
             <a:endParaRPr lang="en-US"/>
           </a:p>
@@ -4464,7 +4113,7 @@
           <a:p>
             <a:fld id="{2DF66AD8-BC4A-4004-9882-414398D930CA}" type="datetimeFigureOut">
               <a:rPr lang="en-US" smtClean="0"/>
-              <a:t>01.02.14</a:t>
+              <a:t>02.02.14</a:t>
             </a:fld>
             <a:endParaRPr lang="en-US"/>
           </a:p>
@@ -4554,7 +4203,7 @@
           <a:p>
             <a:fld id="{2DF66AD8-BC4A-4004-9882-414398D930CA}" type="datetimeFigureOut">
               <a:rPr lang="en-US" smtClean="0"/>
-              <a:t>01.02.14</a:t>
+              <a:t>02.02.14</a:t>
             </a:fld>
             <a:endParaRPr lang="en-US"/>
           </a:p>
@@ -4832,7 +4481,7 @@
           <a:p>
             <a:fld id="{2DF66AD8-BC4A-4004-9882-414398D930CA}" type="datetimeFigureOut">
               <a:rPr lang="en-US" smtClean="0"/>
-              <a:t>01.02.14</a:t>
+              <a:t>02.02.14</a:t>
             </a:fld>
             <a:endParaRPr lang="en-US"/>
           </a:p>
@@ -5025,7 +4674,7 @@
           <a:p>
             <a:fld id="{2DF66AD8-BC4A-4004-9882-414398D930CA}" type="datetimeFigureOut">
               <a:rPr lang="en-US" smtClean="0"/>
-              <a:t>01.02.14</a:t>
+              <a:t>02.02.14</a:t>
             </a:fld>
             <a:endParaRPr lang="en-US"/>
           </a:p>
@@ -5767,7 +5416,7 @@
           <a:p>
             <a:fld id="{2DF66AD8-BC4A-4004-9882-414398D930CA}" type="datetimeFigureOut">
               <a:rPr lang="en-US" smtClean="0"/>
-              <a:t>01.02.14</a:t>
+              <a:t>02.02.14</a:t>
             </a:fld>
             <a:endParaRPr lang="en-US"/>
           </a:p>
@@ -6105,7 +5754,7 @@
           <a:p>
             <a:fld id="{2DF66AD8-BC4A-4004-9882-414398D930CA}" type="datetimeFigureOut">
               <a:rPr lang="en-US" smtClean="0"/>
-              <a:t>01.02.14</a:t>
+              <a:t>02.02.14</a:t>
             </a:fld>
             <a:endParaRPr lang="en-US"/>
           </a:p>
@@ -6702,7 +6351,7 @@
           <a:p>
             <a:fld id="{2DF66AD8-BC4A-4004-9882-414398D930CA}" type="datetimeFigureOut">
               <a:rPr lang="en-US" smtClean="0"/>
-              <a:t>01.02.14</a:t>
+              <a:t>02.02.14</a:t>
             </a:fld>
             <a:endParaRPr lang="en-US"/>
           </a:p>
@@ -6885,7 +6534,7 @@
           <a:p>
             <a:fld id="{2DF66AD8-BC4A-4004-9882-414398D930CA}" type="datetimeFigureOut">
               <a:rPr lang="en-US" smtClean="0"/>
-              <a:t>01.02.14</a:t>
+              <a:t>02.02.14</a:t>
             </a:fld>
             <a:endParaRPr lang="en-US"/>
           </a:p>
@@ -7054,7 +6703,7 @@
           <a:p>
             <a:fld id="{2DF66AD8-BC4A-4004-9882-414398D930CA}" type="datetimeFigureOut">
               <a:rPr lang="en-US" smtClean="0"/>
-              <a:t>01.02.14</a:t>
+              <a:t>02.02.14</a:t>
             </a:fld>
             <a:endParaRPr lang="en-US"/>
           </a:p>
@@ -7247,7 +6896,7 @@
           <a:p>
             <a:fld id="{2DF66AD8-BC4A-4004-9882-414398D930CA}" type="datetimeFigureOut">
               <a:rPr lang="en-US" smtClean="0"/>
-              <a:t>01.02.14</a:t>
+              <a:t>02.02.14</a:t>
             </a:fld>
             <a:endParaRPr lang="en-US"/>
           </a:p>
@@ -7666,7 +7315,7 @@
           <a:p>
             <a:fld id="{2DF66AD8-BC4A-4004-9882-414398D930CA}" type="datetimeFigureOut">
               <a:rPr lang="en-US" smtClean="0"/>
-              <a:t>01.02.14</a:t>
+              <a:t>02.02.14</a:t>
             </a:fld>
             <a:endParaRPr lang="en-US"/>
           </a:p>
@@ -7964,7 +7613,7 @@
           <a:p>
             <a:fld id="{2DF66AD8-BC4A-4004-9882-414398D930CA}" type="datetimeFigureOut">
               <a:rPr lang="en-US" smtClean="0"/>
-              <a:t>01.02.14</a:t>
+              <a:t>02.02.14</a:t>
             </a:fld>
             <a:endParaRPr lang="en-US"/>
           </a:p>
@@ -8365,7 +8014,7 @@
           <a:p>
             <a:fld id="{2DF66AD8-BC4A-4004-9882-414398D930CA}" type="datetimeFigureOut">
               <a:rPr lang="en-US" smtClean="0"/>
-              <a:t>01.02.14</a:t>
+              <a:t>02.02.14</a:t>
             </a:fld>
             <a:endParaRPr lang="en-US"/>
           </a:p>
@@ -8755,7 +8404,7 @@
           <a:p>
             <a:fld id="{2DF66AD8-BC4A-4004-9882-414398D930CA}" type="datetimeFigureOut">
               <a:rPr lang="en-US" smtClean="0"/>
-              <a:t>01.02.14</a:t>
+              <a:t>02.02.14</a:t>
             </a:fld>
             <a:endParaRPr lang="en-US"/>
           </a:p>
@@ -9038,7 +8687,7 @@
           <a:p>
             <a:fld id="{2DF66AD8-BC4A-4004-9882-414398D930CA}" type="datetimeFigureOut">
               <a:rPr lang="en-US" smtClean="0"/>
-              <a:t>01.02.14</a:t>
+              <a:t>02.02.14</a:t>
             </a:fld>
             <a:endParaRPr lang="en-US"/>
           </a:p>
@@ -9477,7 +9126,7 @@
           <a:p>
             <a:fld id="{2DF66AD8-BC4A-4004-9882-414398D930CA}" type="datetimeFigureOut">
               <a:rPr lang="en-US" smtClean="0"/>
-              <a:t>01.02.14</a:t>
+              <a:t>02.02.14</a:t>
             </a:fld>
             <a:endParaRPr lang="en-US"/>
           </a:p>
@@ -9771,7 +9420,7 @@
           <a:p>
             <a:fld id="{2DF66AD8-BC4A-4004-9882-414398D930CA}" type="datetimeFigureOut">
               <a:rPr lang="en-US" smtClean="0"/>
-              <a:t>01.02.14</a:t>
+              <a:t>02.02.14</a:t>
             </a:fld>
             <a:endParaRPr lang="en-US"/>
           </a:p>
@@ -10063,7 +9712,7 @@
           <a:p>
             <a:fld id="{2DF66AD8-BC4A-4004-9882-414398D930CA}" type="datetimeFigureOut">
               <a:rPr lang="en-US" smtClean="0"/>
-              <a:t>01.02.14</a:t>
+              <a:t>02.02.14</a:t>
             </a:fld>
             <a:endParaRPr lang="en-US"/>
           </a:p>
@@ -26380,8 +26029,8 @@
         </p:nvSpPr>
         <p:spPr>
           <a:xfrm>
-            <a:off x="2680743" y="2972592"/>
-            <a:ext cx="865341" cy="338554"/>
+            <a:off x="2496023" y="2972592"/>
+            <a:ext cx="1265691" cy="338554"/>
           </a:xfrm>
           <a:prstGeom prst="rect">
             <a:avLst/>
@@ -26399,7 +26048,7 @@
                 <a:latin typeface="Arial"/>
                 <a:cs typeface="Arial"/>
               </a:rPr>
-              <a:t>Value 1</a:t>
+              <a:t>Значение 1</a:t>
             </a:r>
             <a:endParaRPr lang="en-US" sz="1600" dirty="0">
               <a:latin typeface="Arial"/>
@@ -26416,8 +26065,8 @@
         </p:nvSpPr>
         <p:spPr>
           <a:xfrm>
-            <a:off x="4382979" y="3927535"/>
-            <a:ext cx="865341" cy="338554"/>
+            <a:off x="4272913" y="3926537"/>
+            <a:ext cx="1265691" cy="338554"/>
           </a:xfrm>
           <a:prstGeom prst="rect">
             <a:avLst/>
@@ -26435,7 +26084,7 @@
                 <a:latin typeface="Arial"/>
                 <a:cs typeface="Arial"/>
               </a:rPr>
-              <a:t>Value 2</a:t>
+              <a:t>Значение 2</a:t>
             </a:r>
             <a:endParaRPr lang="en-US" sz="1600" dirty="0">
               <a:latin typeface="Arial"/>
@@ -26452,8 +26101,8 @@
         </p:nvSpPr>
         <p:spPr>
           <a:xfrm>
-            <a:off x="6097489" y="2972592"/>
-            <a:ext cx="865341" cy="338554"/>
+            <a:off x="5962022" y="2981851"/>
+            <a:ext cx="1265691" cy="338554"/>
           </a:xfrm>
           <a:prstGeom prst="rect">
             <a:avLst/>
@@ -26471,7 +26120,7 @@
                 <a:latin typeface="Arial"/>
                 <a:cs typeface="Arial"/>
               </a:rPr>
-              <a:t>Value 3</a:t>
+              <a:t>Значение 3</a:t>
             </a:r>
             <a:endParaRPr lang="en-US" sz="1600" dirty="0">
               <a:latin typeface="Arial"/>
@@ -26655,83 +26304,6 @@
             <a:endParaRPr lang="ru-RU" dirty="0" smtClean="0"/>
           </a:p>
           <a:p>
-            <a:r>
-              <a:rPr lang="ru-RU" dirty="0" smtClean="0">
-                <a:latin typeface="Arial"/>
-                <a:cs typeface="Arial"/>
-              </a:rPr>
-              <a:t>Futures</a:t>
-            </a:r>
-          </a:p>
-          <a:p>
-            <a:pPr lvl="1"/>
-            <a:r>
-              <a:rPr lang="ru-RU" dirty="0" smtClean="0"/>
-              <a:t>Вычисляются в отдельном потоке</a:t>
-            </a:r>
-          </a:p>
-          <a:p>
-            <a:pPr lvl="1"/>
-            <a:r>
-              <a:rPr lang="ru-RU" dirty="0" smtClean="0"/>
-              <a:t>Результат </a:t>
-            </a:r>
-            <a:r>
-              <a:rPr lang="ru-RU" dirty="0" err="1" smtClean="0"/>
-              <a:t>кешируется</a:t>
-            </a:r>
-            <a:endParaRPr lang="ru-RU" dirty="0" smtClean="0"/>
-          </a:p>
-          <a:p>
-            <a:pPr lvl="1"/>
-            <a:r>
-              <a:rPr lang="ru-RU" dirty="0" smtClean="0"/>
-              <a:t>Доступ через </a:t>
-            </a:r>
-            <a:r>
-              <a:rPr lang="ru-RU" dirty="0" err="1" smtClean="0">
-                <a:latin typeface="Consolas"/>
-                <a:cs typeface="Consolas"/>
-              </a:rPr>
-              <a:t>deref</a:t>
-            </a:r>
-            <a:r>
-              <a:rPr lang="ru-RU" dirty="0" smtClean="0"/>
-              <a:t> или </a:t>
-            </a:r>
-            <a:r>
-              <a:rPr lang="ru-RU" dirty="0" smtClean="0">
-                <a:latin typeface="Consolas"/>
-                <a:cs typeface="Consolas"/>
-              </a:rPr>
-              <a:t>@</a:t>
-            </a:r>
-          </a:p>
-          <a:p>
-            <a:pPr lvl="1"/>
-            <a:r>
-              <a:rPr lang="ru-RU" dirty="0" smtClean="0">
-                <a:latin typeface="Arial"/>
-                <a:cs typeface="Arial"/>
-              </a:rPr>
-              <a:t>Блокировка если результата еще нет</a:t>
-            </a:r>
-          </a:p>
-          <a:p>
-            <a:pPr lvl="1"/>
-            <a:r>
-              <a:rPr lang="ru-RU" dirty="0" smtClean="0">
-                <a:latin typeface="Arial"/>
-                <a:cs typeface="Arial"/>
-              </a:rPr>
-              <a:t>Возможность отмены выполнения</a:t>
-            </a:r>
-            <a:endParaRPr lang="en-US" dirty="0" smtClean="0">
-              <a:latin typeface="Arial"/>
-              <a:cs typeface="Arial"/>
-            </a:endParaRPr>
-          </a:p>
-          <a:p>
             <a:endParaRPr lang="en-US" dirty="0" smtClean="0">
               <a:latin typeface="Arial"/>
               <a:cs typeface="Arial"/>
@@ -27884,24 +27456,22 @@
             <p:ph type="title"/>
           </p:nvPr>
         </p:nvSpPr>
-        <p:spPr/>
+        <p:spPr>
+          <a:xfrm>
+            <a:off x="635000" y="503238"/>
+            <a:ext cx="8026400" cy="868362"/>
+          </a:xfrm>
+        </p:spPr>
         <p:txBody>
           <a:bodyPr/>
           <a:lstStyle/>
           <a:p>
             <a:r>
-              <a:rPr lang="en-US" sz="4000" dirty="0" smtClean="0">
+              <a:rPr lang="ru-RU" sz="4000" dirty="0" err="1" smtClean="0">
                 <a:latin typeface="Arial"/>
                 <a:cs typeface="Arial"/>
               </a:rPr>
-              <a:t>Futures: </a:t>
-            </a:r>
-            <a:r>
-              <a:rPr lang="ru-RU" sz="4000" dirty="0" smtClean="0">
-                <a:latin typeface="Arial"/>
-                <a:cs typeface="Arial"/>
-              </a:rPr>
-              <a:t>пример</a:t>
+              <a:t>Futures</a:t>
             </a:r>
             <a:endParaRPr lang="en-US" sz="4000" dirty="0">
               <a:latin typeface="Arial"/>
@@ -27920,446 +27490,80 @@
             <p:ph idx="1"/>
           </p:nvPr>
         </p:nvSpPr>
-        <p:spPr/>
+        <p:spPr>
+          <a:xfrm>
+            <a:off x="914400" y="1735137"/>
+            <a:ext cx="7313613" cy="4547129"/>
+          </a:xfrm>
+        </p:spPr>
         <p:txBody>
-          <a:bodyPr>
-            <a:normAutofit/>
-          </a:bodyPr>
+          <a:bodyPr/>
           <a:lstStyle/>
           <a:p>
-            <a:pPr marL="0" indent="0">
-              <a:spcBef>
-                <a:spcPts val="200"/>
-              </a:spcBef>
-              <a:buNone/>
-            </a:pPr>
-            <a:r>
-              <a:rPr lang="en-US" dirty="0" smtClean="0">
-                <a:solidFill>
-                  <a:srgbClr val="000000"/>
-                </a:solidFill>
-                <a:latin typeface="Consolas"/>
-                <a:ea typeface="Courier"/>
-                <a:cs typeface="Consolas"/>
-              </a:rPr>
-              <a:t>user</a:t>
-            </a:r>
-            <a:r>
-              <a:rPr lang="en-US" dirty="0">
-                <a:solidFill>
-                  <a:srgbClr val="000000"/>
-                </a:solidFill>
-                <a:latin typeface="Consolas"/>
-                <a:ea typeface="Courier"/>
-                <a:cs typeface="Consolas"/>
-              </a:rPr>
-              <a:t>=&gt; (</a:t>
-            </a:r>
-            <a:r>
-              <a:rPr lang="en-US" dirty="0" err="1">
-                <a:solidFill>
-                  <a:srgbClr val="A034F1"/>
-                </a:solidFill>
-                <a:latin typeface="Consolas"/>
-                <a:ea typeface="Courier"/>
-                <a:cs typeface="Consolas"/>
-              </a:rPr>
-              <a:t>def</a:t>
-            </a:r>
-            <a:r>
-              <a:rPr lang="en-US" dirty="0">
-                <a:solidFill>
-                  <a:srgbClr val="000000"/>
-                </a:solidFill>
-                <a:latin typeface="Consolas"/>
-                <a:ea typeface="Courier"/>
-                <a:cs typeface="Consolas"/>
-              </a:rPr>
-              <a:t> </a:t>
-            </a:r>
-            <a:r>
-              <a:rPr lang="en-US" dirty="0">
-                <a:solidFill>
-                  <a:srgbClr val="0432FF"/>
-                </a:solidFill>
-                <a:latin typeface="Consolas"/>
-                <a:ea typeface="Courier"/>
-                <a:cs typeface="Consolas"/>
-              </a:rPr>
-              <a:t>future-test</a:t>
-            </a:r>
-            <a:r>
-              <a:rPr lang="en-US" dirty="0">
-                <a:solidFill>
-                  <a:srgbClr val="000000"/>
-                </a:solidFill>
-                <a:latin typeface="Consolas"/>
-                <a:ea typeface="Courier"/>
-                <a:cs typeface="Consolas"/>
-              </a:rPr>
-              <a:t> </a:t>
-            </a:r>
-          </a:p>
-          <a:p>
-            <a:pPr marL="0" indent="0">
-              <a:spcBef>
-                <a:spcPts val="200"/>
-              </a:spcBef>
-              <a:buNone/>
-            </a:pPr>
-            <a:r>
-              <a:rPr lang="en-US" dirty="0">
-                <a:solidFill>
-                  <a:srgbClr val="000000"/>
-                </a:solidFill>
-                <a:latin typeface="Consolas"/>
-                <a:ea typeface="Courier"/>
-                <a:cs typeface="Consolas"/>
-              </a:rPr>
-              <a:t>            (</a:t>
-            </a:r>
-            <a:r>
-              <a:rPr lang="en-US" dirty="0">
-                <a:solidFill>
-                  <a:srgbClr val="473D8B"/>
-                </a:solidFill>
-                <a:latin typeface="Consolas"/>
-                <a:ea typeface="Courier"/>
-                <a:cs typeface="Consolas"/>
-              </a:rPr>
-              <a:t>future</a:t>
-            </a:r>
-            <a:r>
-              <a:rPr lang="en-US" dirty="0">
-                <a:solidFill>
-                  <a:srgbClr val="000000"/>
-                </a:solidFill>
-                <a:latin typeface="Consolas"/>
-                <a:ea typeface="Courier"/>
-                <a:cs typeface="Consolas"/>
-              </a:rPr>
-              <a:t> (</a:t>
-            </a:r>
-            <a:r>
-              <a:rPr lang="en-US" dirty="0">
-                <a:solidFill>
-                  <a:srgbClr val="A034F1"/>
-                </a:solidFill>
-                <a:latin typeface="Consolas"/>
-                <a:ea typeface="Courier"/>
-                <a:cs typeface="Consolas"/>
-              </a:rPr>
-              <a:t>do</a:t>
-            </a:r>
-            <a:r>
-              <a:rPr lang="en-US" dirty="0">
-                <a:solidFill>
-                  <a:srgbClr val="000000"/>
-                </a:solidFill>
-                <a:latin typeface="Consolas"/>
-                <a:ea typeface="Courier"/>
-                <a:cs typeface="Consolas"/>
-              </a:rPr>
-              <a:t> (</a:t>
-            </a:r>
-            <a:r>
-              <a:rPr lang="en-US" dirty="0">
-                <a:solidFill>
-                  <a:srgbClr val="473D8B"/>
-                </a:solidFill>
-                <a:latin typeface="Consolas"/>
-                <a:ea typeface="Courier"/>
-                <a:cs typeface="Consolas"/>
-              </a:rPr>
-              <a:t>Thread/sleep</a:t>
-            </a:r>
-            <a:r>
-              <a:rPr lang="en-US" dirty="0">
-                <a:solidFill>
-                  <a:srgbClr val="000000"/>
-                </a:solidFill>
-                <a:latin typeface="Consolas"/>
-                <a:ea typeface="Courier"/>
-                <a:cs typeface="Consolas"/>
-              </a:rPr>
-              <a:t> 10000) </a:t>
-            </a:r>
-          </a:p>
-          <a:p>
-            <a:pPr marL="0" indent="0">
-              <a:spcBef>
-                <a:spcPts val="200"/>
-              </a:spcBef>
-              <a:buNone/>
-            </a:pPr>
-            <a:r>
-              <a:rPr lang="en-US" dirty="0">
-                <a:solidFill>
-                  <a:srgbClr val="000000"/>
-                </a:solidFill>
-                <a:latin typeface="Consolas"/>
-                <a:ea typeface="Courier"/>
-                <a:cs typeface="Consolas"/>
-              </a:rPr>
-              <a:t>                    </a:t>
-            </a:r>
-            <a:r>
-              <a:rPr lang="en-US" dirty="0">
-                <a:solidFill>
-                  <a:srgbClr val="018B8B"/>
-                </a:solidFill>
-                <a:latin typeface="Consolas"/>
-                <a:ea typeface="Courier"/>
-                <a:cs typeface="Consolas"/>
-              </a:rPr>
-              <a:t>:finished</a:t>
-            </a:r>
-            <a:r>
-              <a:rPr lang="en-US" dirty="0">
-                <a:solidFill>
-                  <a:srgbClr val="000000"/>
-                </a:solidFill>
-                <a:latin typeface="Consolas"/>
-                <a:ea typeface="Courier"/>
-                <a:cs typeface="Consolas"/>
-              </a:rPr>
-              <a:t>)))</a:t>
-            </a:r>
-          </a:p>
-          <a:p>
-            <a:pPr marL="0" indent="0">
-              <a:spcBef>
-                <a:spcPts val="200"/>
-              </a:spcBef>
-              <a:buNone/>
-            </a:pPr>
-            <a:r>
-              <a:rPr lang="en-US" dirty="0">
-                <a:solidFill>
-                  <a:srgbClr val="000000"/>
-                </a:solidFill>
-                <a:latin typeface="Consolas"/>
-                <a:ea typeface="Courier"/>
-                <a:cs typeface="Consolas"/>
-              </a:rPr>
-              <a:t>user=&gt; @future-test </a:t>
-            </a:r>
-            <a:r>
-              <a:rPr lang="en-US" dirty="0">
-                <a:solidFill>
-                  <a:srgbClr val="7F7F7F"/>
-                </a:solidFill>
-                <a:latin typeface="Consolas"/>
-                <a:ea typeface="Courier"/>
-                <a:cs typeface="Consolas"/>
-              </a:rPr>
-              <a:t>;; </a:t>
-            </a:r>
-            <a:r>
-              <a:rPr lang="en-US" dirty="0" err="1">
-                <a:solidFill>
-                  <a:srgbClr val="7F7F7F"/>
-                </a:solidFill>
-                <a:latin typeface="Consolas"/>
-                <a:ea typeface="Courier"/>
-                <a:cs typeface="Consolas"/>
-              </a:rPr>
-              <a:t>будет</a:t>
-            </a:r>
-            <a:r>
-              <a:rPr lang="en-US" dirty="0">
-                <a:solidFill>
-                  <a:srgbClr val="7F7F7F"/>
-                </a:solidFill>
-                <a:latin typeface="Consolas"/>
-                <a:ea typeface="Courier"/>
-                <a:cs typeface="Consolas"/>
-              </a:rPr>
-              <a:t> </a:t>
-            </a:r>
-            <a:r>
-              <a:rPr lang="en-US" dirty="0" err="1" smtClean="0">
-                <a:solidFill>
-                  <a:srgbClr val="7F7F7F"/>
-                </a:solidFill>
-                <a:latin typeface="Consolas"/>
-                <a:ea typeface="Courier"/>
-                <a:cs typeface="Consolas"/>
-              </a:rPr>
-              <a:t>ждать</a:t>
-            </a:r>
-            <a:r>
-              <a:rPr lang="en-US" dirty="0" smtClean="0">
-                <a:solidFill>
-                  <a:srgbClr val="7F7F7F"/>
-                </a:solidFill>
-                <a:latin typeface="Consolas"/>
-                <a:ea typeface="Courier"/>
-                <a:cs typeface="Consolas"/>
-              </a:rPr>
-              <a:t> </a:t>
+            <a:r>
+              <a:rPr lang="ru-RU" dirty="0" smtClean="0"/>
+              <a:t>Вычисляются </a:t>
+            </a:r>
+            <a:r>
+              <a:rPr lang="ru-RU" dirty="0" smtClean="0"/>
+              <a:t>в отдельном потоке</a:t>
+            </a:r>
+          </a:p>
+          <a:p>
+            <a:r>
+              <a:rPr lang="ru-RU" dirty="0" smtClean="0"/>
+              <a:t>Результат </a:t>
+            </a:r>
+            <a:r>
+              <a:rPr lang="ru-RU" dirty="0" err="1" smtClean="0"/>
+              <a:t>кешируется</a:t>
+            </a:r>
+            <a:endParaRPr lang="ru-RU" dirty="0" smtClean="0"/>
+          </a:p>
+          <a:p>
+            <a:r>
+              <a:rPr lang="ru-RU" dirty="0" smtClean="0"/>
+              <a:t>Доступ через </a:t>
+            </a:r>
+            <a:r>
+              <a:rPr lang="ru-RU" dirty="0" err="1" smtClean="0">
+                <a:latin typeface="Consolas"/>
+                <a:cs typeface="Consolas"/>
+              </a:rPr>
+              <a:t>deref</a:t>
+            </a:r>
+            <a:r>
+              <a:rPr lang="ru-RU" dirty="0" smtClean="0"/>
+              <a:t> или </a:t>
             </a:r>
             <a:r>
               <a:rPr lang="ru-RU" dirty="0" smtClean="0">
-                <a:solidFill>
-                  <a:srgbClr val="7F7F7F"/>
-                </a:solidFill>
-                <a:latin typeface="Consolas"/>
-                <a:ea typeface="Courier"/>
-                <a:cs typeface="Consolas"/>
-              </a:rPr>
-              <a:t>результата</a:t>
-            </a:r>
-            <a:endParaRPr lang="en-US" dirty="0">
-              <a:solidFill>
-                <a:srgbClr val="000000"/>
-              </a:solidFill>
-              <a:latin typeface="Consolas"/>
-              <a:ea typeface="Courier"/>
-              <a:cs typeface="Consolas"/>
-            </a:endParaRPr>
-          </a:p>
-          <a:p>
-            <a:pPr marL="0" indent="0">
-              <a:spcBef>
-                <a:spcPts val="200"/>
-              </a:spcBef>
-              <a:buNone/>
-            </a:pPr>
-            <a:r>
-              <a:rPr lang="en-US" dirty="0">
-                <a:solidFill>
-                  <a:srgbClr val="018B8B"/>
-                </a:solidFill>
-                <a:latin typeface="Consolas"/>
-                <a:ea typeface="Courier"/>
-                <a:cs typeface="Consolas"/>
-              </a:rPr>
-              <a:t>:finished</a:t>
-            </a:r>
-            <a:endParaRPr lang="en-US" dirty="0">
-              <a:solidFill>
-                <a:srgbClr val="000000"/>
-              </a:solidFill>
-              <a:latin typeface="Consolas"/>
-              <a:ea typeface="Courier"/>
-              <a:cs typeface="Consolas"/>
-            </a:endParaRPr>
-          </a:p>
-          <a:p>
-            <a:pPr marL="0" indent="0">
-              <a:spcBef>
-                <a:spcPts val="200"/>
-              </a:spcBef>
-              <a:buNone/>
-            </a:pPr>
-            <a:r>
-              <a:rPr lang="en-US" dirty="0">
-                <a:solidFill>
-                  <a:srgbClr val="000000"/>
-                </a:solidFill>
-                <a:latin typeface="Consolas"/>
-                <a:ea typeface="Courier"/>
-                <a:cs typeface="Consolas"/>
-              </a:rPr>
-              <a:t>user=&gt; @future-test </a:t>
-            </a:r>
-            <a:r>
-              <a:rPr lang="en-US" dirty="0">
-                <a:solidFill>
-                  <a:srgbClr val="7F7F7F"/>
-                </a:solidFill>
-                <a:latin typeface="Consolas"/>
-                <a:ea typeface="Courier"/>
-                <a:cs typeface="Consolas"/>
-              </a:rPr>
-              <a:t>;; </a:t>
-            </a:r>
-            <a:r>
-              <a:rPr lang="en-US" dirty="0" err="1">
-                <a:solidFill>
-                  <a:srgbClr val="7F7F7F"/>
-                </a:solidFill>
-                <a:latin typeface="Consolas"/>
-                <a:ea typeface="Courier"/>
-                <a:cs typeface="Consolas"/>
-              </a:rPr>
-              <a:t>сразу</a:t>
-            </a:r>
-            <a:r>
-              <a:rPr lang="en-US" dirty="0">
-                <a:solidFill>
-                  <a:srgbClr val="7F7F7F"/>
-                </a:solidFill>
-                <a:latin typeface="Consolas"/>
-                <a:ea typeface="Courier"/>
-                <a:cs typeface="Consolas"/>
-              </a:rPr>
-              <a:t> </a:t>
-            </a:r>
-            <a:r>
-              <a:rPr lang="en-US" dirty="0" err="1">
-                <a:solidFill>
-                  <a:srgbClr val="7F7F7F"/>
-                </a:solidFill>
-                <a:latin typeface="Consolas"/>
-                <a:ea typeface="Courier"/>
-                <a:cs typeface="Consolas"/>
-              </a:rPr>
-              <a:t>вернет</a:t>
-            </a:r>
-            <a:r>
-              <a:rPr lang="en-US" dirty="0">
-                <a:solidFill>
-                  <a:srgbClr val="7F7F7F"/>
-                </a:solidFill>
-                <a:latin typeface="Consolas"/>
-                <a:ea typeface="Courier"/>
-                <a:cs typeface="Consolas"/>
-              </a:rPr>
-              <a:t> </a:t>
-            </a:r>
-            <a:r>
-              <a:rPr lang="en-US" dirty="0" err="1">
-                <a:solidFill>
-                  <a:srgbClr val="7F7F7F"/>
-                </a:solidFill>
-                <a:latin typeface="Consolas"/>
-                <a:ea typeface="Courier"/>
-                <a:cs typeface="Consolas"/>
-              </a:rPr>
-              <a:t>значение</a:t>
-            </a:r>
-            <a:endParaRPr lang="en-US" dirty="0">
-              <a:solidFill>
-                <a:srgbClr val="000000"/>
-              </a:solidFill>
-              <a:latin typeface="Consolas"/>
-              <a:ea typeface="Courier"/>
-              <a:cs typeface="Consolas"/>
-            </a:endParaRPr>
-          </a:p>
-          <a:p>
-            <a:pPr marL="0" indent="0">
-              <a:spcBef>
-                <a:spcPts val="200"/>
-              </a:spcBef>
-              <a:buNone/>
-            </a:pPr>
-            <a:r>
-              <a:rPr lang="en-US" dirty="0">
-                <a:solidFill>
-                  <a:srgbClr val="018B8B"/>
-                </a:solidFill>
-                <a:latin typeface="Consolas"/>
-                <a:ea typeface="Courier"/>
-                <a:cs typeface="Consolas"/>
-              </a:rPr>
-              <a:t>:finished</a:t>
+                <a:latin typeface="Consolas"/>
+                <a:cs typeface="Consolas"/>
+              </a:rPr>
+              <a:t>@</a:t>
+            </a:r>
+          </a:p>
+          <a:p>
+            <a:r>
+              <a:rPr lang="ru-RU" dirty="0" smtClean="0">
+                <a:latin typeface="Arial"/>
+                <a:cs typeface="Arial"/>
+              </a:rPr>
+              <a:t>Блокировка если результата еще нет</a:t>
+            </a:r>
+          </a:p>
+          <a:p>
+            <a:r>
+              <a:rPr lang="ru-RU" dirty="0" smtClean="0">
+                <a:latin typeface="Arial"/>
+                <a:cs typeface="Arial"/>
+              </a:rPr>
+              <a:t>Возможность отмены выполнения</a:t>
             </a:r>
             <a:endParaRPr lang="en-US" dirty="0" smtClean="0">
-              <a:latin typeface="Consolas"/>
-              <a:cs typeface="Consolas"/>
+              <a:latin typeface="Arial"/>
+              <a:cs typeface="Arial"/>
             </a:endParaRPr>
           </a:p>
           <a:p>
@@ -28373,7 +27577,7 @@
     </p:spTree>
     <p:extLst>
       <p:ext uri="{BB962C8B-B14F-4D97-AF65-F5344CB8AC3E}">
-        <p14:creationId xmlns:p14="http://schemas.microsoft.com/office/powerpoint/2010/main" val="3799953072"/>
+        <p14:creationId xmlns:p14="http://schemas.microsoft.com/office/powerpoint/2010/main" val="1154603581"/>
       </p:ext>
     </p:extLst>
   </p:cSld>
@@ -28420,7 +27624,14 @@
                 <a:latin typeface="Arial"/>
                 <a:cs typeface="Arial"/>
               </a:rPr>
-              <a:t>Delays</a:t>
+              <a:t>Futures: </a:t>
+            </a:r>
+            <a:r>
+              <a:rPr lang="ru-RU" sz="4000" dirty="0" smtClean="0">
+                <a:latin typeface="Arial"/>
+                <a:cs typeface="Arial"/>
+              </a:rPr>
+              <a:t>пример</a:t>
             </a:r>
             <a:endParaRPr lang="en-US" sz="4000" dirty="0">
               <a:latin typeface="Arial"/>
@@ -28439,28 +27650,12 @@
             <p:ph idx="1"/>
           </p:nvPr>
         </p:nvSpPr>
-        <p:spPr>
-          <a:xfrm>
-            <a:off x="914400" y="1430867"/>
-            <a:ext cx="7313613" cy="4961466"/>
-          </a:xfrm>
-        </p:spPr>
+        <p:spPr/>
         <p:txBody>
           <a:bodyPr>
-            <a:normAutofit fontScale="92500" lnSpcReduction="20000"/>
+            <a:normAutofit/>
           </a:bodyPr>
           <a:lstStyle/>
-          <a:p>
-            <a:pPr>
-              <a:spcAft>
-                <a:spcPts val="2400"/>
-              </a:spcAft>
-            </a:pPr>
-            <a:r>
-              <a:rPr lang="ru-RU" dirty="0" smtClean="0"/>
-              <a:t>Откладывает выполнение кода до доступа к результату</a:t>
-            </a:r>
-          </a:p>
           <a:p>
             <a:pPr marL="0" indent="0">
               <a:spcBef>
@@ -28499,7 +27694,7 @@
                 <a:ea typeface="Courier"/>
                 <a:cs typeface="Consolas"/>
               </a:rPr>
-              <a:t>defn</a:t>
+              <a:t>def</a:t>
             </a:r>
             <a:r>
               <a:rPr lang="en-US" dirty="0">
@@ -28521,18 +27716,18 @@
                 <a:ea typeface="Courier"/>
                 <a:cs typeface="Consolas"/>
               </a:rPr>
-              <a:t>use-delays</a:t>
-            </a:r>
-            <a:r>
-              <a:rPr lang="en-US" dirty="0">
-                <a:solidFill>
-                  <a:srgbClr val="000000"/>
-                </a:solidFill>
-                <a:latin typeface="Consolas"/>
-                <a:ea typeface="Courier"/>
-                <a:cs typeface="Consolas"/>
-              </a:rPr>
-              <a:t> [x]</a:t>
+              <a:t>future-test</a:t>
+            </a:r>
+            <a:r>
+              <a:rPr lang="en-US" dirty="0">
+                <a:solidFill>
+                  <a:srgbClr val="000000"/>
+                </a:solidFill>
+                <a:latin typeface="Consolas"/>
+                <a:ea typeface="Courier"/>
+                <a:cs typeface="Consolas"/>
+              </a:rPr>
+              <a:t> </a:t>
             </a:r>
           </a:p>
           <a:p>
@@ -28551,40 +27746,18 @@
                 <a:ea typeface="Courier"/>
                 <a:cs typeface="Consolas"/>
               </a:rPr>
-              <a:t>    </a:t>
-            </a:r>
-            <a:r>
-              <a:rPr lang="en-US" dirty="0" smtClean="0">
-                <a:solidFill>
-                  <a:srgbClr val="000000"/>
-                </a:solidFill>
-                <a:latin typeface="Consolas"/>
-                <a:ea typeface="Courier"/>
-                <a:cs typeface="Consolas"/>
-              </a:rPr>
-              <a:t>   </a:t>
-            </a:r>
-            <a:r>
-              <a:rPr lang="en-US" dirty="0">
-                <a:solidFill>
-                  <a:srgbClr val="000000"/>
-                </a:solidFill>
-                <a:latin typeface="Consolas"/>
-                <a:ea typeface="Courier"/>
-                <a:cs typeface="Consolas"/>
-              </a:rPr>
-              <a:t>{</a:t>
-            </a:r>
-            <a:r>
-              <a:rPr lang="en-US" dirty="0">
-                <a:solidFill>
-                  <a:srgbClr val="018B8B"/>
-                </a:solidFill>
-                <a:latin typeface="Consolas"/>
-                <a:ea typeface="Courier"/>
-                <a:cs typeface="Consolas"/>
-              </a:rPr>
-              <a:t>:result</a:t>
+              <a:t>            (</a:t>
+            </a:r>
+            <a:r>
+              <a:rPr lang="en-US" dirty="0">
+                <a:solidFill>
+                  <a:srgbClr val="473D8B"/>
+                </a:solidFill>
+                <a:latin typeface="Consolas"/>
+                <a:ea typeface="Courier"/>
+                <a:cs typeface="Consolas"/>
+              </a:rPr>
+              <a:t>future</a:t>
             </a:r>
             <a:r>
               <a:rPr lang="en-US" dirty="0">
@@ -28600,68 +27773,46 @@
             <a:r>
               <a:rPr lang="en-US" dirty="0">
                 <a:solidFill>
+                  <a:srgbClr val="A034F1"/>
+                </a:solidFill>
+                <a:latin typeface="Consolas"/>
+                <a:ea typeface="Courier"/>
+                <a:cs typeface="Consolas"/>
+              </a:rPr>
+              <a:t>do</a:t>
+            </a:r>
+            <a:r>
+              <a:rPr lang="en-US" dirty="0">
+                <a:solidFill>
+                  <a:srgbClr val="000000"/>
+                </a:solidFill>
+                <a:latin typeface="Consolas"/>
+                <a:ea typeface="Courier"/>
+                <a:cs typeface="Consolas"/>
+              </a:rPr>
+              <a:t> (</a:t>
+            </a:r>
+            <a:r>
+              <a:rPr lang="en-US" dirty="0">
+                <a:solidFill>
                   <a:srgbClr val="473D8B"/>
                 </a:solidFill>
                 <a:latin typeface="Consolas"/>
                 <a:ea typeface="Courier"/>
                 <a:cs typeface="Consolas"/>
               </a:rPr>
-              <a:t>delay</a:t>
-            </a:r>
-            <a:r>
-              <a:rPr lang="en-US" dirty="0">
-                <a:solidFill>
-                  <a:srgbClr val="000000"/>
-                </a:solidFill>
-                <a:latin typeface="Consolas"/>
-                <a:ea typeface="Courier"/>
-                <a:cs typeface="Consolas"/>
-              </a:rPr>
-              <a:t> (</a:t>
-            </a:r>
-            <a:r>
-              <a:rPr lang="en-US" dirty="0" err="1">
-                <a:solidFill>
-                  <a:srgbClr val="473D8B"/>
-                </a:solidFill>
-                <a:latin typeface="Consolas"/>
-                <a:ea typeface="Courier"/>
-                <a:cs typeface="Consolas"/>
-              </a:rPr>
-              <a:t>println</a:t>
-            </a:r>
-            <a:r>
-              <a:rPr lang="en-US" dirty="0">
-                <a:solidFill>
-                  <a:srgbClr val="000000"/>
-                </a:solidFill>
-                <a:latin typeface="Consolas"/>
-                <a:ea typeface="Courier"/>
-                <a:cs typeface="Consolas"/>
-              </a:rPr>
-              <a:t> </a:t>
-            </a:r>
-            <a:r>
-              <a:rPr lang="en-US" dirty="0">
-                <a:solidFill>
-                  <a:srgbClr val="8B2152"/>
-                </a:solidFill>
-                <a:latin typeface="Consolas"/>
-                <a:ea typeface="Courier"/>
-                <a:cs typeface="Consolas"/>
-              </a:rPr>
-              <a:t>"Evaluating result..."</a:t>
-            </a:r>
-            <a:r>
-              <a:rPr lang="en-US" dirty="0">
-                <a:solidFill>
-                  <a:srgbClr val="000000"/>
-                </a:solidFill>
-                <a:latin typeface="Consolas"/>
-                <a:ea typeface="Courier"/>
-                <a:cs typeface="Consolas"/>
-              </a:rPr>
-              <a:t> x) x)</a:t>
+              <a:t>Thread/sleep</a:t>
+            </a:r>
+            <a:r>
+              <a:rPr lang="en-US" dirty="0">
+                <a:solidFill>
+                  <a:srgbClr val="000000"/>
+                </a:solidFill>
+                <a:latin typeface="Consolas"/>
+                <a:ea typeface="Courier"/>
+                <a:cs typeface="Consolas"/>
+              </a:rPr>
+              <a:t> 10000) </a:t>
             </a:r>
           </a:p>
           <a:p>
@@ -28680,18 +27831,7 @@
                 <a:ea typeface="Courier"/>
                 <a:cs typeface="Consolas"/>
               </a:rPr>
-              <a:t>    </a:t>
-            </a:r>
-            <a:r>
-              <a:rPr lang="en-US" dirty="0" smtClean="0">
-                <a:solidFill>
-                  <a:srgbClr val="000000"/>
-                </a:solidFill>
-                <a:latin typeface="Consolas"/>
-                <a:ea typeface="Courier"/>
-                <a:cs typeface="Consolas"/>
-              </a:rPr>
-              <a:t>    </a:t>
+              <a:t>                    </a:t>
             </a:r>
             <a:r>
               <a:rPr lang="en-US" dirty="0">
@@ -28702,26 +27842,104 @@
                 <a:ea typeface="Courier"/>
                 <a:cs typeface="Consolas"/>
               </a:rPr>
-              <a:t>:some-info</a:t>
-            </a:r>
-            <a:r>
-              <a:rPr lang="en-US" dirty="0">
-                <a:solidFill>
-                  <a:srgbClr val="000000"/>
-                </a:solidFill>
-                <a:latin typeface="Consolas"/>
-                <a:ea typeface="Courier"/>
-                <a:cs typeface="Consolas"/>
-              </a:rPr>
-              <a:t> true})</a:t>
-            </a:r>
-          </a:p>
-          <a:p>
-            <a:pPr>
+              <a:t>:finished</a:t>
+            </a:r>
+            <a:r>
+              <a:rPr lang="en-US" dirty="0">
+                <a:solidFill>
+                  <a:srgbClr val="000000"/>
+                </a:solidFill>
+                <a:latin typeface="Consolas"/>
+                <a:ea typeface="Courier"/>
+                <a:cs typeface="Consolas"/>
+              </a:rPr>
+              <a:t>)))</a:t>
+            </a:r>
+          </a:p>
+          <a:p>
+            <a:pPr marL="0" indent="0">
               <a:spcBef>
                 <a:spcPts val="200"/>
               </a:spcBef>
+              <a:buNone/>
             </a:pPr>
+            <a:r>
+              <a:rPr lang="en-US" dirty="0">
+                <a:solidFill>
+                  <a:srgbClr val="000000"/>
+                </a:solidFill>
+                <a:latin typeface="Consolas"/>
+                <a:ea typeface="Courier"/>
+                <a:cs typeface="Consolas"/>
+              </a:rPr>
+              <a:t>user=&gt; @future-test </a:t>
+            </a:r>
+            <a:r>
+              <a:rPr lang="en-US" dirty="0">
+                <a:solidFill>
+                  <a:srgbClr val="7F7F7F"/>
+                </a:solidFill>
+                <a:latin typeface="Consolas"/>
+                <a:ea typeface="Courier"/>
+                <a:cs typeface="Consolas"/>
+              </a:rPr>
+              <a:t>;; </a:t>
+            </a:r>
+            <a:r>
+              <a:rPr lang="en-US" dirty="0" err="1">
+                <a:solidFill>
+                  <a:srgbClr val="7F7F7F"/>
+                </a:solidFill>
+                <a:latin typeface="Consolas"/>
+                <a:ea typeface="Courier"/>
+                <a:cs typeface="Consolas"/>
+              </a:rPr>
+              <a:t>будет</a:t>
+            </a:r>
+            <a:r>
+              <a:rPr lang="en-US" dirty="0">
+                <a:solidFill>
+                  <a:srgbClr val="7F7F7F"/>
+                </a:solidFill>
+                <a:latin typeface="Consolas"/>
+                <a:ea typeface="Courier"/>
+                <a:cs typeface="Consolas"/>
+              </a:rPr>
+              <a:t> </a:t>
+            </a:r>
+            <a:r>
+              <a:rPr lang="en-US" dirty="0" err="1" smtClean="0">
+                <a:solidFill>
+                  <a:srgbClr val="7F7F7F"/>
+                </a:solidFill>
+                <a:latin typeface="Consolas"/>
+                <a:ea typeface="Courier"/>
+                <a:cs typeface="Consolas"/>
+              </a:rPr>
+              <a:t>ждать</a:t>
+            </a:r>
+            <a:r>
+              <a:rPr lang="en-US" dirty="0" smtClean="0">
+                <a:solidFill>
+                  <a:srgbClr val="7F7F7F"/>
+                </a:solidFill>
+                <a:latin typeface="Consolas"/>
+                <a:ea typeface="Courier"/>
+                <a:cs typeface="Consolas"/>
+              </a:rPr>
+              <a:t> </a:t>
+            </a:r>
+            <a:r>
+              <a:rPr lang="ru-RU" dirty="0" smtClean="0">
+                <a:solidFill>
+                  <a:srgbClr val="7F7F7F"/>
+                </a:solidFill>
+                <a:latin typeface="Consolas"/>
+                <a:ea typeface="Courier"/>
+                <a:cs typeface="Consolas"/>
+              </a:rPr>
+              <a:t>результата</a:t>
+            </a:r>
             <a:endParaRPr lang="en-US" dirty="0">
               <a:solidFill>
                 <a:srgbClr val="000000"/>
@@ -28741,279 +27959,13 @@
             <a:r>
               <a:rPr lang="en-US" dirty="0">
                 <a:solidFill>
-                  <a:srgbClr val="000000"/>
-                </a:solidFill>
-                <a:latin typeface="Consolas"/>
-                <a:ea typeface="Courier"/>
-                <a:cs typeface="Consolas"/>
-              </a:rPr>
-              <a:t>user=&gt; (</a:t>
-            </a:r>
-            <a:r>
-              <a:rPr lang="en-US" dirty="0" err="1">
-                <a:solidFill>
-                  <a:srgbClr val="A034F1"/>
-                </a:solidFill>
-                <a:latin typeface="Consolas"/>
-                <a:ea typeface="Courier"/>
-                <a:cs typeface="Consolas"/>
-              </a:rPr>
-              <a:t>def</a:t>
-            </a:r>
-            <a:r>
-              <a:rPr lang="en-US" dirty="0">
-                <a:solidFill>
-                  <a:srgbClr val="000000"/>
-                </a:solidFill>
-                <a:latin typeface="Consolas"/>
-                <a:ea typeface="Courier"/>
-                <a:cs typeface="Consolas"/>
-              </a:rPr>
-              <a:t> </a:t>
-            </a:r>
-            <a:r>
-              <a:rPr lang="en-US" dirty="0">
-                <a:solidFill>
-                  <a:srgbClr val="0432FF"/>
-                </a:solidFill>
-                <a:latin typeface="Consolas"/>
-                <a:ea typeface="Courier"/>
-                <a:cs typeface="Consolas"/>
-              </a:rPr>
-              <a:t>a</a:t>
-            </a:r>
-            <a:r>
-              <a:rPr lang="en-US" dirty="0">
-                <a:solidFill>
-                  <a:srgbClr val="000000"/>
-                </a:solidFill>
-                <a:latin typeface="Consolas"/>
-                <a:ea typeface="Courier"/>
-                <a:cs typeface="Consolas"/>
-              </a:rPr>
-              <a:t> (use-delays 10))</a:t>
-            </a:r>
-          </a:p>
-          <a:p>
-            <a:pPr marL="0" indent="0">
-              <a:spcBef>
-                <a:spcPts val="200"/>
-              </a:spcBef>
-              <a:buNone/>
-            </a:pPr>
-            <a:r>
-              <a:rPr lang="en-US" dirty="0">
-                <a:solidFill>
-                  <a:srgbClr val="000000"/>
-                </a:solidFill>
-                <a:latin typeface="Consolas"/>
-                <a:ea typeface="Courier"/>
-                <a:cs typeface="Consolas"/>
-              </a:rPr>
-              <a:t>user=&gt; a</a:t>
-            </a:r>
-          </a:p>
-          <a:p>
-            <a:pPr marL="0" indent="0">
-              <a:spcBef>
-                <a:spcPts val="200"/>
-              </a:spcBef>
-              <a:buNone/>
-            </a:pPr>
-            <a:r>
-              <a:rPr lang="en-US" dirty="0">
-                <a:solidFill>
-                  <a:srgbClr val="000000"/>
-                </a:solidFill>
-                <a:latin typeface="Consolas"/>
-                <a:ea typeface="Courier"/>
-                <a:cs typeface="Consolas"/>
-              </a:rPr>
-              <a:t>{</a:t>
-            </a:r>
-            <a:r>
-              <a:rPr lang="en-US" dirty="0">
-                <a:solidFill>
                   <a:srgbClr val="018B8B"/>
                 </a:solidFill>
                 <a:latin typeface="Consolas"/>
                 <a:ea typeface="Courier"/>
                 <a:cs typeface="Consolas"/>
               </a:rPr>
-              <a:t>:result</a:t>
-            </a:r>
-            <a:r>
-              <a:rPr lang="en-US" dirty="0">
-                <a:solidFill>
-                  <a:srgbClr val="000000"/>
-                </a:solidFill>
-                <a:latin typeface="Consolas"/>
-                <a:ea typeface="Courier"/>
-                <a:cs typeface="Consolas"/>
-              </a:rPr>
-              <a:t> #&lt;Delay@259c3236: </a:t>
-            </a:r>
-            <a:r>
-              <a:rPr lang="en-US" dirty="0">
-                <a:solidFill>
-                  <a:srgbClr val="018B8B"/>
-                </a:solidFill>
-                <a:latin typeface="Consolas"/>
-                <a:ea typeface="Courier"/>
-                <a:cs typeface="Consolas"/>
-              </a:rPr>
-              <a:t>:pending&gt;</a:t>
-            </a:r>
-            <a:r>
-              <a:rPr lang="en-US" dirty="0">
-                <a:solidFill>
-                  <a:srgbClr val="000000"/>
-                </a:solidFill>
-                <a:latin typeface="Consolas"/>
-                <a:ea typeface="Courier"/>
-                <a:cs typeface="Consolas"/>
-              </a:rPr>
-              <a:t>, </a:t>
-            </a:r>
-            <a:r>
-              <a:rPr lang="en-US" dirty="0">
-                <a:solidFill>
-                  <a:srgbClr val="018B8B"/>
-                </a:solidFill>
-                <a:latin typeface="Consolas"/>
-                <a:ea typeface="Courier"/>
-                <a:cs typeface="Consolas"/>
-              </a:rPr>
-              <a:t>:some-info</a:t>
-            </a:r>
-            <a:r>
-              <a:rPr lang="en-US" dirty="0">
-                <a:solidFill>
-                  <a:srgbClr val="000000"/>
-                </a:solidFill>
-                <a:latin typeface="Consolas"/>
-                <a:ea typeface="Courier"/>
-                <a:cs typeface="Consolas"/>
-              </a:rPr>
-              <a:t> true}</a:t>
-            </a:r>
-          </a:p>
-          <a:p>
-            <a:pPr marL="0" indent="0">
-              <a:spcBef>
-                <a:spcPts val="200"/>
-              </a:spcBef>
-              <a:buNone/>
-            </a:pPr>
-            <a:r>
-              <a:rPr lang="en-US" dirty="0">
-                <a:solidFill>
-                  <a:srgbClr val="000000"/>
-                </a:solidFill>
-                <a:latin typeface="Consolas"/>
-                <a:ea typeface="Courier"/>
-                <a:cs typeface="Consolas"/>
-              </a:rPr>
-              <a:t>user=&gt; @(</a:t>
-            </a:r>
-            <a:r>
-              <a:rPr lang="en-US" dirty="0">
-                <a:solidFill>
-                  <a:srgbClr val="018B8B"/>
-                </a:solidFill>
-                <a:latin typeface="Consolas"/>
-                <a:ea typeface="Courier"/>
-                <a:cs typeface="Consolas"/>
-              </a:rPr>
-              <a:t>:result</a:t>
-            </a:r>
-            <a:r>
-              <a:rPr lang="en-US" dirty="0">
-                <a:solidFill>
-                  <a:srgbClr val="000000"/>
-                </a:solidFill>
-                <a:latin typeface="Consolas"/>
-                <a:ea typeface="Courier"/>
-                <a:cs typeface="Consolas"/>
-              </a:rPr>
-              <a:t> a) </a:t>
-            </a:r>
-            <a:r>
-              <a:rPr lang="en-US" dirty="0">
-                <a:solidFill>
-                  <a:srgbClr val="7F7F7F"/>
-                </a:solidFill>
-                <a:latin typeface="Consolas"/>
-                <a:ea typeface="Courier"/>
-                <a:cs typeface="Consolas"/>
-              </a:rPr>
-              <a:t>;; </a:t>
-            </a:r>
-            <a:r>
-              <a:rPr lang="en-US" dirty="0" err="1">
-                <a:solidFill>
-                  <a:srgbClr val="7F7F7F"/>
-                </a:solidFill>
-                <a:latin typeface="Consolas"/>
-                <a:ea typeface="Courier"/>
-                <a:cs typeface="Consolas"/>
-              </a:rPr>
-              <a:t>выполняется</a:t>
-            </a:r>
-            <a:r>
-              <a:rPr lang="en-US" dirty="0">
-                <a:solidFill>
-                  <a:srgbClr val="7F7F7F"/>
-                </a:solidFill>
-                <a:latin typeface="Consolas"/>
-                <a:ea typeface="Courier"/>
-                <a:cs typeface="Consolas"/>
-              </a:rPr>
-              <a:t> </a:t>
-            </a:r>
-            <a:r>
-              <a:rPr lang="en-US" dirty="0" err="1">
-                <a:solidFill>
-                  <a:srgbClr val="7F7F7F"/>
-                </a:solidFill>
-                <a:latin typeface="Consolas"/>
-                <a:ea typeface="Courier"/>
-                <a:cs typeface="Consolas"/>
-              </a:rPr>
-              <a:t>весь</a:t>
-            </a:r>
-            <a:r>
-              <a:rPr lang="en-US" dirty="0">
-                <a:solidFill>
-                  <a:srgbClr val="7F7F7F"/>
-                </a:solidFill>
-                <a:latin typeface="Consolas"/>
-                <a:ea typeface="Courier"/>
-                <a:cs typeface="Consolas"/>
-              </a:rPr>
-              <a:t> </a:t>
-            </a:r>
-            <a:r>
-              <a:rPr lang="en-US" dirty="0" err="1">
-                <a:solidFill>
-                  <a:srgbClr val="7F7F7F"/>
-                </a:solidFill>
-                <a:latin typeface="Consolas"/>
-                <a:ea typeface="Courier"/>
-                <a:cs typeface="Consolas"/>
-              </a:rPr>
-              <a:t>код</a:t>
-            </a:r>
-            <a:r>
-              <a:rPr lang="en-US" dirty="0">
-                <a:solidFill>
-                  <a:srgbClr val="7F7F7F"/>
-                </a:solidFill>
-                <a:latin typeface="Consolas"/>
-                <a:ea typeface="Courier"/>
-                <a:cs typeface="Consolas"/>
-              </a:rPr>
-              <a:t> delay</a:t>
+              <a:t>:finished</a:t>
             </a:r>
             <a:endParaRPr lang="en-US" dirty="0">
               <a:solidFill>
@@ -29034,84 +27986,13 @@
             <a:r>
               <a:rPr lang="en-US" dirty="0">
                 <a:solidFill>
-                  <a:srgbClr val="473D8B"/>
-                </a:solidFill>
-                <a:latin typeface="Consolas"/>
-                <a:ea typeface="Courier"/>
-                <a:cs typeface="Consolas"/>
-              </a:rPr>
-              <a:t>Evaluating</a:t>
-            </a:r>
-            <a:r>
-              <a:rPr lang="en-US" dirty="0">
-                <a:solidFill>
-                  <a:srgbClr val="000000"/>
-                </a:solidFill>
-                <a:latin typeface="Consolas"/>
-                <a:ea typeface="Courier"/>
-                <a:cs typeface="Consolas"/>
-              </a:rPr>
-              <a:t> result... 10</a:t>
-            </a:r>
-          </a:p>
-          <a:p>
-            <a:pPr marL="0" indent="0">
-              <a:spcBef>
-                <a:spcPts val="200"/>
-              </a:spcBef>
-              <a:buNone/>
-            </a:pPr>
-            <a:r>
-              <a:rPr lang="en-US" dirty="0">
-                <a:solidFill>
-                  <a:srgbClr val="000000"/>
-                </a:solidFill>
-                <a:latin typeface="Consolas"/>
-                <a:ea typeface="Courier"/>
-                <a:cs typeface="Consolas"/>
-              </a:rPr>
-              <a:t>10</a:t>
-            </a:r>
-          </a:p>
-          <a:p>
-            <a:pPr marL="0" indent="0">
-              <a:spcBef>
-                <a:spcPts val="200"/>
-              </a:spcBef>
-              <a:buNone/>
-            </a:pPr>
-            <a:r>
-              <a:rPr lang="en-US" dirty="0">
-                <a:solidFill>
-                  <a:srgbClr val="000000"/>
-                </a:solidFill>
-                <a:latin typeface="Consolas"/>
-                <a:ea typeface="Courier"/>
-                <a:cs typeface="Consolas"/>
-              </a:rPr>
-              <a:t>user=&gt; @(</a:t>
-            </a:r>
-            <a:r>
-              <a:rPr lang="en-US" dirty="0">
-                <a:solidFill>
-                  <a:srgbClr val="018B8B"/>
-                </a:solidFill>
-                <a:latin typeface="Consolas"/>
-                <a:ea typeface="Courier"/>
-                <a:cs typeface="Consolas"/>
-              </a:rPr>
-              <a:t>:result</a:t>
-            </a:r>
-            <a:r>
-              <a:rPr lang="en-US" dirty="0">
-                <a:solidFill>
-                  <a:srgbClr val="000000"/>
-                </a:solidFill>
-                <a:latin typeface="Consolas"/>
-                <a:ea typeface="Courier"/>
-                <a:cs typeface="Consolas"/>
-              </a:rPr>
-              <a:t> a) </a:t>
+                  <a:srgbClr val="000000"/>
+                </a:solidFill>
+                <a:latin typeface="Consolas"/>
+                <a:ea typeface="Courier"/>
+                <a:cs typeface="Consolas"/>
+              </a:rPr>
+              <a:t>user=&gt; @future-test </a:t>
             </a:r>
             <a:r>
               <a:rPr lang="en-US" dirty="0">
@@ -29133,7 +28014,7 @@
                 <a:ea typeface="Courier"/>
                 <a:cs typeface="Consolas"/>
               </a:rPr>
-              <a:t>возвращается</a:t>
+              <a:t>сразу</a:t>
             </a:r>
             <a:r>
               <a:rPr lang="en-US" dirty="0">
@@ -29155,7 +28036,7 @@
                 <a:ea typeface="Courier"/>
                 <a:cs typeface="Consolas"/>
               </a:rPr>
-              <a:t>только</a:t>
+              <a:t>вернет</a:t>
             </a:r>
             <a:r>
               <a:rPr lang="en-US" dirty="0">
@@ -29177,7 +28058,7 @@
                 <a:ea typeface="Courier"/>
                 <a:cs typeface="Consolas"/>
               </a:rPr>
-              <a:t>результат</a:t>
+              <a:t>значение</a:t>
             </a:r>
             <a:endParaRPr lang="en-US" dirty="0">
               <a:solidFill>
@@ -29198,73 +28079,13 @@
             <a:r>
               <a:rPr lang="en-US" dirty="0">
                 <a:solidFill>
-                  <a:srgbClr val="000000"/>
-                </a:solidFill>
-                <a:latin typeface="Consolas"/>
-                <a:ea typeface="Courier"/>
-                <a:cs typeface="Consolas"/>
-              </a:rPr>
-              <a:t>10</a:t>
-            </a:r>
-          </a:p>
-          <a:p>
-            <a:pPr marL="0" indent="0">
-              <a:spcBef>
-                <a:spcPts val="200"/>
-              </a:spcBef>
-              <a:buNone/>
-            </a:pPr>
-            <a:r>
-              <a:rPr lang="en-US" dirty="0">
-                <a:solidFill>
-                  <a:srgbClr val="000000"/>
-                </a:solidFill>
-                <a:latin typeface="Consolas"/>
-                <a:ea typeface="Courier"/>
-                <a:cs typeface="Consolas"/>
-              </a:rPr>
-              <a:t>user=&gt; (</a:t>
-            </a:r>
-            <a:r>
-              <a:rPr lang="en-US" dirty="0">
-                <a:solidFill>
                   <a:srgbClr val="018B8B"/>
                 </a:solidFill>
                 <a:latin typeface="Consolas"/>
                 <a:ea typeface="Courier"/>
                 <a:cs typeface="Consolas"/>
               </a:rPr>
-              <a:t>:result</a:t>
-            </a:r>
-            <a:r>
-              <a:rPr lang="en-US" dirty="0">
-                <a:solidFill>
-                  <a:srgbClr val="000000"/>
-                </a:solidFill>
-                <a:latin typeface="Consolas"/>
-                <a:ea typeface="Courier"/>
-                <a:cs typeface="Consolas"/>
-              </a:rPr>
-              <a:t> a)</a:t>
-            </a:r>
-          </a:p>
-          <a:p>
-            <a:pPr marL="0" indent="0">
-              <a:spcBef>
-                <a:spcPts val="200"/>
-              </a:spcBef>
-              <a:buNone/>
-            </a:pPr>
-            <a:r>
-              <a:rPr lang="en-US" dirty="0">
-                <a:solidFill>
-                  <a:srgbClr val="000000"/>
-                </a:solidFill>
-                <a:latin typeface="Consolas"/>
-                <a:ea typeface="Courier"/>
-                <a:cs typeface="Consolas"/>
-              </a:rPr>
-              <a:t>&lt;Delay@259c3236: 10&gt;</a:t>
+              <a:t>:finished</a:t>
             </a:r>
             <a:endParaRPr lang="en-US" dirty="0" smtClean="0">
               <a:latin typeface="Consolas"/>
@@ -29272,14 +28093,9 @@
             </a:endParaRPr>
           </a:p>
           <a:p>
-            <a:pPr>
-              <a:spcBef>
-                <a:spcPts val="200"/>
-              </a:spcBef>
-            </a:pPr>
             <a:endParaRPr lang="en-US" dirty="0" smtClean="0">
-              <a:latin typeface="Consolas"/>
-              <a:cs typeface="Consolas"/>
+              <a:latin typeface="Arial"/>
+              <a:cs typeface="Arial"/>
             </a:endParaRPr>
           </a:p>
         </p:txBody>
@@ -29287,7 +28103,7 @@
     </p:spTree>
     <p:extLst>
       <p:ext uri="{BB962C8B-B14F-4D97-AF65-F5344CB8AC3E}">
-        <p14:creationId xmlns:p14="http://schemas.microsoft.com/office/powerpoint/2010/main" val="475409415"/>
+        <p14:creationId xmlns:p14="http://schemas.microsoft.com/office/powerpoint/2010/main" val="3799953072"/>
       </p:ext>
     </p:extLst>
   </p:cSld>
@@ -29334,7 +28150,7 @@
                 <a:latin typeface="Arial"/>
                 <a:cs typeface="Arial"/>
               </a:rPr>
-              <a:t>Promises</a:t>
+              <a:t>Delays</a:t>
             </a:r>
             <a:endParaRPr lang="en-US" sz="4000" dirty="0">
               <a:latin typeface="Arial"/>
@@ -29355,46 +28171,25 @@
         </p:nvSpPr>
         <p:spPr>
           <a:xfrm>
-            <a:off x="702734" y="1735138"/>
-            <a:ext cx="7525280" cy="4335462"/>
+            <a:off x="914400" y="1430867"/>
+            <a:ext cx="7313613" cy="4961466"/>
           </a:xfrm>
         </p:spPr>
         <p:txBody>
           <a:bodyPr>
-            <a:normAutofit/>
+            <a:normAutofit fontScale="92500" lnSpcReduction="20000"/>
           </a:bodyPr>
           <a:lstStyle/>
           <a:p>
+            <a:pPr>
+              <a:spcAft>
+                <a:spcPts val="2400"/>
+              </a:spcAft>
+            </a:pPr>
             <a:r>
               <a:rPr lang="ru-RU" dirty="0" smtClean="0"/>
-              <a:t>Координация между потоками выполнения</a:t>
-            </a:r>
-          </a:p>
-          <a:p>
-            <a:r>
-              <a:rPr lang="ru-RU" dirty="0" smtClean="0">
-                <a:latin typeface="Arial"/>
-                <a:cs typeface="Arial"/>
-              </a:rPr>
-              <a:t>Блокируется при доступе к еще не отправленным данным</a:t>
-            </a:r>
-          </a:p>
-          <a:p>
-            <a:r>
-              <a:rPr lang="ru-RU" dirty="0"/>
-              <a:t>Результат </a:t>
-            </a:r>
-            <a:r>
-              <a:rPr lang="ru-RU" dirty="0" err="1" smtClean="0"/>
-              <a:t>кешируется</a:t>
-            </a:r>
-            <a:endParaRPr lang="en-US" dirty="0" smtClean="0">
-              <a:latin typeface="Arial"/>
-              <a:cs typeface="Arial"/>
-            </a:endParaRPr>
-          </a:p>
-          <a:p>
-            <a:endParaRPr lang="en-US" dirty="0"/>
+              <a:t>Откладывает выполнение кода до доступа к результату</a:t>
+            </a:r>
           </a:p>
           <a:p>
             <a:pPr marL="0" indent="0">
@@ -29412,7 +28207,18 @@
                 <a:ea typeface="Courier"/>
                 <a:cs typeface="Consolas"/>
               </a:rPr>
-              <a:t>user=&gt; (</a:t>
+              <a:t>user</a:t>
+            </a:r>
+            <a:r>
+              <a:rPr lang="en-US" dirty="0">
+                <a:solidFill>
+                  <a:srgbClr val="000000"/>
+                </a:solidFill>
+                <a:latin typeface="Consolas"/>
+                <a:ea typeface="Courier"/>
+                <a:cs typeface="Consolas"/>
+              </a:rPr>
+              <a:t>=&gt; (</a:t>
             </a:r>
             <a:r>
               <a:rPr lang="en-US" dirty="0" err="1">
@@ -29423,7 +28229,7 @@
                 <a:ea typeface="Courier"/>
                 <a:cs typeface="Consolas"/>
               </a:rPr>
-              <a:t>def</a:t>
+              <a:t>defn</a:t>
             </a:r>
             <a:r>
               <a:rPr lang="en-US" dirty="0">
@@ -29445,40 +28251,18 @@
                 <a:ea typeface="Courier"/>
                 <a:cs typeface="Consolas"/>
               </a:rPr>
-              <a:t>p</a:t>
-            </a:r>
-            <a:r>
-              <a:rPr lang="en-US" dirty="0">
-                <a:solidFill>
-                  <a:srgbClr val="000000"/>
-                </a:solidFill>
-                <a:latin typeface="Consolas"/>
-                <a:ea typeface="Courier"/>
-                <a:cs typeface="Consolas"/>
-              </a:rPr>
-              <a:t> (</a:t>
-            </a:r>
-            <a:r>
-              <a:rPr lang="en-US" dirty="0">
-                <a:solidFill>
-                  <a:srgbClr val="473D8B"/>
-                </a:solidFill>
-                <a:latin typeface="Consolas"/>
-                <a:ea typeface="Courier"/>
-                <a:cs typeface="Consolas"/>
-              </a:rPr>
-              <a:t>promise</a:t>
-            </a:r>
-            <a:r>
-              <a:rPr lang="en-US" dirty="0">
-                <a:solidFill>
-                  <a:srgbClr val="000000"/>
-                </a:solidFill>
-                <a:latin typeface="Consolas"/>
-                <a:ea typeface="Courier"/>
-                <a:cs typeface="Consolas"/>
-              </a:rPr>
-              <a:t>))</a:t>
+              <a:t>use-delays</a:t>
+            </a:r>
+            <a:r>
+              <a:rPr lang="en-US" dirty="0">
+                <a:solidFill>
+                  <a:srgbClr val="000000"/>
+                </a:solidFill>
+                <a:latin typeface="Consolas"/>
+                <a:ea typeface="Courier"/>
+                <a:cs typeface="Consolas"/>
+              </a:rPr>
+              <a:t> [x]</a:t>
             </a:r>
           </a:p>
           <a:p>
@@ -29497,7 +28281,7 @@
                 <a:ea typeface="Courier"/>
                 <a:cs typeface="Consolas"/>
               </a:rPr>
-              <a:t>user=&gt; </a:t>
+              <a:t>    </a:t>
             </a:r>
             <a:r>
               <a:rPr lang="en-US" dirty="0" smtClean="0">
@@ -29508,18 +28292,29 @@
                 <a:ea typeface="Courier"/>
                 <a:cs typeface="Consolas"/>
               </a:rPr>
-              <a:t>(</a:t>
-            </a:r>
-            <a:r>
-              <a:rPr lang="en-US" dirty="0">
-                <a:solidFill>
-                  <a:srgbClr val="A034F1"/>
-                </a:solidFill>
-                <a:latin typeface="Consolas"/>
-                <a:ea typeface="Courier"/>
-                <a:cs typeface="Consolas"/>
-              </a:rPr>
-              <a:t>do</a:t>
+              <a:t>   </a:t>
+            </a:r>
+            <a:r>
+              <a:rPr lang="en-US" dirty="0">
+                <a:solidFill>
+                  <a:srgbClr val="000000"/>
+                </a:solidFill>
+                <a:latin typeface="Consolas"/>
+                <a:ea typeface="Courier"/>
+                <a:cs typeface="Consolas"/>
+              </a:rPr>
+              <a:t>{</a:t>
+            </a:r>
+            <a:r>
+              <a:rPr lang="en-US" dirty="0">
+                <a:solidFill>
+                  <a:srgbClr val="018B8B"/>
+                </a:solidFill>
+                <a:latin typeface="Consolas"/>
+                <a:ea typeface="Courier"/>
+                <a:cs typeface="Consolas"/>
+              </a:rPr>
+              <a:t>:result</a:t>
             </a:r>
             <a:r>
               <a:rPr lang="en-US" dirty="0">
@@ -29541,8 +28336,122 @@
                 <a:ea typeface="Courier"/>
                 <a:cs typeface="Consolas"/>
               </a:rPr>
-              <a:t>future</a:t>
-            </a:r>
+              <a:t>delay</a:t>
+            </a:r>
+            <a:r>
+              <a:rPr lang="en-US" dirty="0">
+                <a:solidFill>
+                  <a:srgbClr val="000000"/>
+                </a:solidFill>
+                <a:latin typeface="Consolas"/>
+                <a:ea typeface="Courier"/>
+                <a:cs typeface="Consolas"/>
+              </a:rPr>
+              <a:t> (</a:t>
+            </a:r>
+            <a:r>
+              <a:rPr lang="en-US" dirty="0" err="1">
+                <a:solidFill>
+                  <a:srgbClr val="473D8B"/>
+                </a:solidFill>
+                <a:latin typeface="Consolas"/>
+                <a:ea typeface="Courier"/>
+                <a:cs typeface="Consolas"/>
+              </a:rPr>
+              <a:t>println</a:t>
+            </a:r>
+            <a:r>
+              <a:rPr lang="en-US" dirty="0">
+                <a:solidFill>
+                  <a:srgbClr val="000000"/>
+                </a:solidFill>
+                <a:latin typeface="Consolas"/>
+                <a:ea typeface="Courier"/>
+                <a:cs typeface="Consolas"/>
+              </a:rPr>
+              <a:t> </a:t>
+            </a:r>
+            <a:r>
+              <a:rPr lang="en-US" dirty="0">
+                <a:solidFill>
+                  <a:srgbClr val="8B2152"/>
+                </a:solidFill>
+                <a:latin typeface="Consolas"/>
+                <a:ea typeface="Courier"/>
+                <a:cs typeface="Consolas"/>
+              </a:rPr>
+              <a:t>"Evaluating result..."</a:t>
+            </a:r>
+            <a:r>
+              <a:rPr lang="en-US" dirty="0">
+                <a:solidFill>
+                  <a:srgbClr val="000000"/>
+                </a:solidFill>
+                <a:latin typeface="Consolas"/>
+                <a:ea typeface="Courier"/>
+                <a:cs typeface="Consolas"/>
+              </a:rPr>
+              <a:t> x) x)</a:t>
+            </a:r>
+          </a:p>
+          <a:p>
+            <a:pPr marL="0" indent="0">
+              <a:spcBef>
+                <a:spcPts val="200"/>
+              </a:spcBef>
+              <a:buNone/>
+            </a:pPr>
+            <a:r>
+              <a:rPr lang="en-US" dirty="0">
+                <a:solidFill>
+                  <a:srgbClr val="000000"/>
+                </a:solidFill>
+                <a:latin typeface="Consolas"/>
+                <a:ea typeface="Courier"/>
+                <a:cs typeface="Consolas"/>
+              </a:rPr>
+              <a:t>    </a:t>
+            </a:r>
+            <a:r>
+              <a:rPr lang="en-US" dirty="0" smtClean="0">
+                <a:solidFill>
+                  <a:srgbClr val="000000"/>
+                </a:solidFill>
+                <a:latin typeface="Consolas"/>
+                <a:ea typeface="Courier"/>
+                <a:cs typeface="Consolas"/>
+              </a:rPr>
+              <a:t>    </a:t>
+            </a:r>
+            <a:r>
+              <a:rPr lang="en-US" dirty="0">
+                <a:solidFill>
+                  <a:srgbClr val="018B8B"/>
+                </a:solidFill>
+                <a:latin typeface="Consolas"/>
+                <a:ea typeface="Courier"/>
+                <a:cs typeface="Consolas"/>
+              </a:rPr>
+              <a:t>:some-info</a:t>
+            </a:r>
+            <a:r>
+              <a:rPr lang="en-US" dirty="0">
+                <a:solidFill>
+                  <a:srgbClr val="000000"/>
+                </a:solidFill>
+                <a:latin typeface="Consolas"/>
+                <a:ea typeface="Courier"/>
+                <a:cs typeface="Consolas"/>
+              </a:rPr>
+              <a:t> true})</a:t>
+            </a:r>
+          </a:p>
+          <a:p>
+            <a:pPr>
+              <a:spcBef>
+                <a:spcPts val="200"/>
+              </a:spcBef>
+            </a:pPr>
             <a:endParaRPr lang="en-US" dirty="0">
               <a:solidFill>
                 <a:srgbClr val="000000"/>
@@ -29568,51 +28477,51 @@
                 <a:ea typeface="Courier"/>
                 <a:cs typeface="Consolas"/>
               </a:rPr>
-              <a:t>    </a:t>
-            </a:r>
-            <a:r>
-              <a:rPr lang="en-US" dirty="0" smtClean="0">
-                <a:solidFill>
-                  <a:srgbClr val="000000"/>
-                </a:solidFill>
-                <a:latin typeface="Consolas"/>
-                <a:ea typeface="Courier"/>
-                <a:cs typeface="Consolas"/>
-              </a:rPr>
-              <a:t>       </a:t>
-            </a:r>
-            <a:r>
-              <a:rPr lang="en-US" dirty="0">
-                <a:solidFill>
-                  <a:srgbClr val="000000"/>
-                </a:solidFill>
-                <a:latin typeface="Consolas"/>
-                <a:ea typeface="Courier"/>
-                <a:cs typeface="Consolas"/>
-              </a:rPr>
-              <a:t>(</a:t>
-            </a:r>
-            <a:r>
-              <a:rPr lang="en-US" dirty="0">
-                <a:solidFill>
-                  <a:srgbClr val="473D8B"/>
-                </a:solidFill>
-                <a:latin typeface="Consolas"/>
-                <a:ea typeface="Courier"/>
-                <a:cs typeface="Consolas"/>
-              </a:rPr>
-              <a:t>Thread/sleep</a:t>
-            </a:r>
-            <a:r>
-              <a:rPr lang="en-US" dirty="0">
-                <a:solidFill>
-                  <a:srgbClr val="000000"/>
-                </a:solidFill>
-                <a:latin typeface="Consolas"/>
-                <a:ea typeface="Courier"/>
-                <a:cs typeface="Consolas"/>
-              </a:rPr>
-              <a:t> 5000)</a:t>
+              <a:t>user=&gt; (</a:t>
+            </a:r>
+            <a:r>
+              <a:rPr lang="en-US" dirty="0" err="1">
+                <a:solidFill>
+                  <a:srgbClr val="A034F1"/>
+                </a:solidFill>
+                <a:latin typeface="Consolas"/>
+                <a:ea typeface="Courier"/>
+                <a:cs typeface="Consolas"/>
+              </a:rPr>
+              <a:t>def</a:t>
+            </a:r>
+            <a:r>
+              <a:rPr lang="en-US" dirty="0">
+                <a:solidFill>
+                  <a:srgbClr val="000000"/>
+                </a:solidFill>
+                <a:latin typeface="Consolas"/>
+                <a:ea typeface="Courier"/>
+                <a:cs typeface="Consolas"/>
+              </a:rPr>
+              <a:t> </a:t>
+            </a:r>
+            <a:r>
+              <a:rPr lang="en-US" dirty="0">
+                <a:solidFill>
+                  <a:srgbClr val="0432FF"/>
+                </a:solidFill>
+                <a:latin typeface="Consolas"/>
+                <a:ea typeface="Courier"/>
+                <a:cs typeface="Consolas"/>
+              </a:rPr>
+              <a:t>a</a:t>
+            </a:r>
+            <a:r>
+              <a:rPr lang="en-US" dirty="0">
+                <a:solidFill>
+                  <a:srgbClr val="000000"/>
+                </a:solidFill>
+                <a:latin typeface="Consolas"/>
+                <a:ea typeface="Courier"/>
+                <a:cs typeface="Consolas"/>
+              </a:rPr>
+              <a:t> (use-delays 10))</a:t>
             </a:r>
           </a:p>
           <a:p>
@@ -29631,73 +28540,7 @@
                 <a:ea typeface="Courier"/>
                 <a:cs typeface="Consolas"/>
               </a:rPr>
-              <a:t>     </a:t>
-            </a:r>
-            <a:r>
-              <a:rPr lang="en-US" dirty="0" smtClean="0">
-                <a:solidFill>
-                  <a:srgbClr val="000000"/>
-                </a:solidFill>
-                <a:latin typeface="Consolas"/>
-                <a:ea typeface="Courier"/>
-                <a:cs typeface="Consolas"/>
-              </a:rPr>
-              <a:t>      (</a:t>
-            </a:r>
-            <a:r>
-              <a:rPr lang="en-US" dirty="0">
-                <a:solidFill>
-                  <a:srgbClr val="473D8B"/>
-                </a:solidFill>
-                <a:latin typeface="Consolas"/>
-                <a:ea typeface="Courier"/>
-                <a:cs typeface="Consolas"/>
-              </a:rPr>
-              <a:t>deliver</a:t>
-            </a:r>
-            <a:r>
-              <a:rPr lang="en-US" dirty="0">
-                <a:solidFill>
-                  <a:srgbClr val="000000"/>
-                </a:solidFill>
-                <a:latin typeface="Consolas"/>
-                <a:ea typeface="Courier"/>
-                <a:cs typeface="Consolas"/>
-              </a:rPr>
-              <a:t> p </a:t>
-            </a:r>
-            <a:r>
-              <a:rPr lang="en-US" dirty="0">
-                <a:solidFill>
-                  <a:srgbClr val="018B8B"/>
-                </a:solidFill>
-                <a:latin typeface="Consolas"/>
-                <a:ea typeface="Courier"/>
-                <a:cs typeface="Consolas"/>
-              </a:rPr>
-              <a:t>:</a:t>
-            </a:r>
-            <a:r>
-              <a:rPr lang="en-US" dirty="0" err="1">
-                <a:solidFill>
-                  <a:srgbClr val="018B8B"/>
-                </a:solidFill>
-                <a:latin typeface="Consolas"/>
-                <a:ea typeface="Courier"/>
-                <a:cs typeface="Consolas"/>
-              </a:rPr>
-              <a:t>fred</a:t>
-            </a:r>
-            <a:r>
-              <a:rPr lang="en-US" dirty="0">
-                <a:solidFill>
-                  <a:srgbClr val="000000"/>
-                </a:solidFill>
-                <a:latin typeface="Consolas"/>
-                <a:ea typeface="Courier"/>
-                <a:cs typeface="Consolas"/>
-              </a:rPr>
-              <a:t>))</a:t>
+              <a:t>user=&gt; a</a:t>
             </a:r>
           </a:p>
           <a:p>
@@ -29716,29 +28559,442 @@
                 <a:ea typeface="Courier"/>
                 <a:cs typeface="Consolas"/>
               </a:rPr>
+              <a:t>{</a:t>
+            </a:r>
+            <a:r>
+              <a:rPr lang="en-US" dirty="0">
+                <a:solidFill>
+                  <a:srgbClr val="018B8B"/>
+                </a:solidFill>
+                <a:latin typeface="Consolas"/>
+                <a:ea typeface="Courier"/>
+                <a:cs typeface="Consolas"/>
+              </a:rPr>
+              <a:t>:result</a:t>
+            </a:r>
+            <a:r>
+              <a:rPr lang="en-US" dirty="0">
+                <a:solidFill>
+                  <a:srgbClr val="000000"/>
+                </a:solidFill>
+                <a:latin typeface="Consolas"/>
+                <a:ea typeface="Courier"/>
+                <a:cs typeface="Consolas"/>
+              </a:rPr>
+              <a:t> #&lt;Delay@259c3236: </a:t>
+            </a:r>
+            <a:r>
+              <a:rPr lang="en-US" dirty="0">
+                <a:solidFill>
+                  <a:srgbClr val="018B8B"/>
+                </a:solidFill>
+                <a:latin typeface="Consolas"/>
+                <a:ea typeface="Courier"/>
+                <a:cs typeface="Consolas"/>
+              </a:rPr>
+              <a:t>:pending&gt;</a:t>
+            </a:r>
+            <a:r>
+              <a:rPr lang="en-US" dirty="0">
+                <a:solidFill>
+                  <a:srgbClr val="000000"/>
+                </a:solidFill>
+                <a:latin typeface="Consolas"/>
+                <a:ea typeface="Courier"/>
+                <a:cs typeface="Consolas"/>
+              </a:rPr>
+              <a:t>, </a:t>
+            </a:r>
+            <a:r>
+              <a:rPr lang="en-US" dirty="0">
+                <a:solidFill>
+                  <a:srgbClr val="018B8B"/>
+                </a:solidFill>
+                <a:latin typeface="Consolas"/>
+                <a:ea typeface="Courier"/>
+                <a:cs typeface="Consolas"/>
+              </a:rPr>
+              <a:t>:some-info</a:t>
+            </a:r>
+            <a:r>
+              <a:rPr lang="en-US" dirty="0">
+                <a:solidFill>
+                  <a:srgbClr val="000000"/>
+                </a:solidFill>
+                <a:latin typeface="Consolas"/>
+                <a:ea typeface="Courier"/>
+                <a:cs typeface="Consolas"/>
+              </a:rPr>
+              <a:t> true}</a:t>
+            </a:r>
+          </a:p>
+          <a:p>
+            <a:pPr marL="0" indent="0">
+              <a:spcBef>
+                <a:spcPts val="200"/>
+              </a:spcBef>
+              <a:buNone/>
+            </a:pPr>
+            <a:r>
+              <a:rPr lang="en-US" dirty="0">
+                <a:solidFill>
+                  <a:srgbClr val="000000"/>
+                </a:solidFill>
+                <a:latin typeface="Consolas"/>
+                <a:ea typeface="Courier"/>
+                <a:cs typeface="Consolas"/>
+              </a:rPr>
+              <a:t>user=&gt; @(</a:t>
+            </a:r>
+            <a:r>
+              <a:rPr lang="en-US" dirty="0">
+                <a:solidFill>
+                  <a:srgbClr val="018B8B"/>
+                </a:solidFill>
+                <a:latin typeface="Consolas"/>
+                <a:ea typeface="Courier"/>
+                <a:cs typeface="Consolas"/>
+              </a:rPr>
+              <a:t>:result</a:t>
+            </a:r>
+            <a:r>
+              <a:rPr lang="en-US" dirty="0">
+                <a:solidFill>
+                  <a:srgbClr val="000000"/>
+                </a:solidFill>
+                <a:latin typeface="Consolas"/>
+                <a:ea typeface="Courier"/>
+                <a:cs typeface="Consolas"/>
+              </a:rPr>
+              <a:t> a) </a:t>
+            </a:r>
+            <a:r>
+              <a:rPr lang="en-US" dirty="0">
+                <a:solidFill>
+                  <a:srgbClr val="7F7F7F"/>
+                </a:solidFill>
+                <a:latin typeface="Consolas"/>
+                <a:ea typeface="Courier"/>
+                <a:cs typeface="Consolas"/>
+              </a:rPr>
+              <a:t>;; </a:t>
+            </a:r>
+            <a:r>
+              <a:rPr lang="en-US" dirty="0" err="1">
+                <a:solidFill>
+                  <a:srgbClr val="7F7F7F"/>
+                </a:solidFill>
+                <a:latin typeface="Consolas"/>
+                <a:ea typeface="Courier"/>
+                <a:cs typeface="Consolas"/>
+              </a:rPr>
+              <a:t>выполняется</a:t>
+            </a:r>
+            <a:r>
+              <a:rPr lang="en-US" dirty="0">
+                <a:solidFill>
+                  <a:srgbClr val="7F7F7F"/>
+                </a:solidFill>
+                <a:latin typeface="Consolas"/>
+                <a:ea typeface="Courier"/>
+                <a:cs typeface="Consolas"/>
+              </a:rPr>
               <a:t> </a:t>
             </a:r>
             <a:r>
-              <a:rPr lang="en-US" dirty="0" smtClean="0">
-                <a:solidFill>
-                  <a:srgbClr val="000000"/>
-                </a:solidFill>
-                <a:latin typeface="Consolas"/>
-                <a:ea typeface="Courier"/>
-                <a:cs typeface="Consolas"/>
-              </a:rPr>
-              <a:t>       @</a:t>
-            </a:r>
-            <a:r>
-              <a:rPr lang="en-US" dirty="0">
-                <a:solidFill>
-                  <a:srgbClr val="000000"/>
-                </a:solidFill>
-                <a:latin typeface="Consolas"/>
-                <a:ea typeface="Courier"/>
-                <a:cs typeface="Consolas"/>
-              </a:rPr>
-              <a:t>p)</a:t>
+              <a:rPr lang="en-US" dirty="0" err="1">
+                <a:solidFill>
+                  <a:srgbClr val="7F7F7F"/>
+                </a:solidFill>
+                <a:latin typeface="Consolas"/>
+                <a:ea typeface="Courier"/>
+                <a:cs typeface="Consolas"/>
+              </a:rPr>
+              <a:t>весь</a:t>
+            </a:r>
+            <a:r>
+              <a:rPr lang="en-US" dirty="0">
+                <a:solidFill>
+                  <a:srgbClr val="7F7F7F"/>
+                </a:solidFill>
+                <a:latin typeface="Consolas"/>
+                <a:ea typeface="Courier"/>
+                <a:cs typeface="Consolas"/>
+              </a:rPr>
+              <a:t> </a:t>
+            </a:r>
+            <a:r>
+              <a:rPr lang="en-US" dirty="0" err="1">
+                <a:solidFill>
+                  <a:srgbClr val="7F7F7F"/>
+                </a:solidFill>
+                <a:latin typeface="Consolas"/>
+                <a:ea typeface="Courier"/>
+                <a:cs typeface="Consolas"/>
+              </a:rPr>
+              <a:t>код</a:t>
+            </a:r>
+            <a:r>
+              <a:rPr lang="en-US" dirty="0">
+                <a:solidFill>
+                  <a:srgbClr val="7F7F7F"/>
+                </a:solidFill>
+                <a:latin typeface="Consolas"/>
+                <a:ea typeface="Courier"/>
+                <a:cs typeface="Consolas"/>
+              </a:rPr>
+              <a:t> delay</a:t>
+            </a:r>
+            <a:endParaRPr lang="en-US" dirty="0">
+              <a:solidFill>
+                <a:srgbClr val="000000"/>
+              </a:solidFill>
+              <a:latin typeface="Consolas"/>
+              <a:ea typeface="Courier"/>
+              <a:cs typeface="Consolas"/>
+            </a:endParaRPr>
+          </a:p>
+          <a:p>
+            <a:pPr marL="0" indent="0">
+              <a:spcBef>
+                <a:spcPts val="200"/>
+              </a:spcBef>
+              <a:buNone/>
+            </a:pPr>
+            <a:r>
+              <a:rPr lang="en-US" dirty="0">
+                <a:solidFill>
+                  <a:srgbClr val="473D8B"/>
+                </a:solidFill>
+                <a:latin typeface="Consolas"/>
+                <a:ea typeface="Courier"/>
+                <a:cs typeface="Consolas"/>
+              </a:rPr>
+              <a:t>Evaluating</a:t>
+            </a:r>
+            <a:r>
+              <a:rPr lang="en-US" dirty="0">
+                <a:solidFill>
+                  <a:srgbClr val="000000"/>
+                </a:solidFill>
+                <a:latin typeface="Consolas"/>
+                <a:ea typeface="Courier"/>
+                <a:cs typeface="Consolas"/>
+              </a:rPr>
+              <a:t> result... 10</a:t>
+            </a:r>
+          </a:p>
+          <a:p>
+            <a:pPr marL="0" indent="0">
+              <a:spcBef>
+                <a:spcPts val="200"/>
+              </a:spcBef>
+              <a:buNone/>
+            </a:pPr>
+            <a:r>
+              <a:rPr lang="en-US" dirty="0">
+                <a:solidFill>
+                  <a:srgbClr val="000000"/>
+                </a:solidFill>
+                <a:latin typeface="Consolas"/>
+                <a:ea typeface="Courier"/>
+                <a:cs typeface="Consolas"/>
+              </a:rPr>
+              <a:t>10</a:t>
+            </a:r>
+          </a:p>
+          <a:p>
+            <a:pPr marL="0" indent="0">
+              <a:spcBef>
+                <a:spcPts val="200"/>
+              </a:spcBef>
+              <a:buNone/>
+            </a:pPr>
+            <a:r>
+              <a:rPr lang="en-US" dirty="0">
+                <a:solidFill>
+                  <a:srgbClr val="000000"/>
+                </a:solidFill>
+                <a:latin typeface="Consolas"/>
+                <a:ea typeface="Courier"/>
+                <a:cs typeface="Consolas"/>
+              </a:rPr>
+              <a:t>user=&gt; @(</a:t>
+            </a:r>
+            <a:r>
+              <a:rPr lang="en-US" dirty="0">
+                <a:solidFill>
+                  <a:srgbClr val="018B8B"/>
+                </a:solidFill>
+                <a:latin typeface="Consolas"/>
+                <a:ea typeface="Courier"/>
+                <a:cs typeface="Consolas"/>
+              </a:rPr>
+              <a:t>:result</a:t>
+            </a:r>
+            <a:r>
+              <a:rPr lang="en-US" dirty="0">
+                <a:solidFill>
+                  <a:srgbClr val="000000"/>
+                </a:solidFill>
+                <a:latin typeface="Consolas"/>
+                <a:ea typeface="Courier"/>
+                <a:cs typeface="Consolas"/>
+              </a:rPr>
+              <a:t> a) </a:t>
+            </a:r>
+            <a:r>
+              <a:rPr lang="en-US" dirty="0">
+                <a:solidFill>
+                  <a:srgbClr val="7F7F7F"/>
+                </a:solidFill>
+                <a:latin typeface="Consolas"/>
+                <a:ea typeface="Courier"/>
+                <a:cs typeface="Consolas"/>
+              </a:rPr>
+              <a:t>;; </a:t>
+            </a:r>
+            <a:r>
+              <a:rPr lang="en-US" dirty="0" err="1">
+                <a:solidFill>
+                  <a:srgbClr val="7F7F7F"/>
+                </a:solidFill>
+                <a:latin typeface="Consolas"/>
+                <a:ea typeface="Courier"/>
+                <a:cs typeface="Consolas"/>
+              </a:rPr>
+              <a:t>возвращается</a:t>
+            </a:r>
+            <a:r>
+              <a:rPr lang="en-US" dirty="0">
+                <a:solidFill>
+                  <a:srgbClr val="7F7F7F"/>
+                </a:solidFill>
+                <a:latin typeface="Consolas"/>
+                <a:ea typeface="Courier"/>
+                <a:cs typeface="Consolas"/>
+              </a:rPr>
+              <a:t> </a:t>
+            </a:r>
+            <a:r>
+              <a:rPr lang="en-US" dirty="0" err="1">
+                <a:solidFill>
+                  <a:srgbClr val="7F7F7F"/>
+                </a:solidFill>
+                <a:latin typeface="Consolas"/>
+                <a:ea typeface="Courier"/>
+                <a:cs typeface="Consolas"/>
+              </a:rPr>
+              <a:t>только</a:t>
+            </a:r>
+            <a:r>
+              <a:rPr lang="en-US" dirty="0">
+                <a:solidFill>
+                  <a:srgbClr val="7F7F7F"/>
+                </a:solidFill>
+                <a:latin typeface="Consolas"/>
+                <a:ea typeface="Courier"/>
+                <a:cs typeface="Consolas"/>
+              </a:rPr>
+              <a:t> </a:t>
+            </a:r>
+            <a:r>
+              <a:rPr lang="en-US" dirty="0" err="1">
+                <a:solidFill>
+                  <a:srgbClr val="7F7F7F"/>
+                </a:solidFill>
+                <a:latin typeface="Consolas"/>
+                <a:ea typeface="Courier"/>
+                <a:cs typeface="Consolas"/>
+              </a:rPr>
+              <a:t>результат</a:t>
+            </a:r>
+            <a:endParaRPr lang="en-US" dirty="0">
+              <a:solidFill>
+                <a:srgbClr val="000000"/>
+              </a:solidFill>
+              <a:latin typeface="Consolas"/>
+              <a:ea typeface="Courier"/>
+              <a:cs typeface="Consolas"/>
+            </a:endParaRPr>
+          </a:p>
+          <a:p>
+            <a:pPr marL="0" indent="0">
+              <a:spcBef>
+                <a:spcPts val="200"/>
+              </a:spcBef>
+              <a:buNone/>
+            </a:pPr>
+            <a:r>
+              <a:rPr lang="en-US" dirty="0">
+                <a:solidFill>
+                  <a:srgbClr val="000000"/>
+                </a:solidFill>
+                <a:latin typeface="Consolas"/>
+                <a:ea typeface="Courier"/>
+                <a:cs typeface="Consolas"/>
+              </a:rPr>
+              <a:t>10</a:t>
+            </a:r>
+          </a:p>
+          <a:p>
+            <a:pPr marL="0" indent="0">
+              <a:spcBef>
+                <a:spcPts val="200"/>
+              </a:spcBef>
+              <a:buNone/>
+            </a:pPr>
+            <a:r>
+              <a:rPr lang="en-US" dirty="0">
+                <a:solidFill>
+                  <a:srgbClr val="000000"/>
+                </a:solidFill>
+                <a:latin typeface="Consolas"/>
+                <a:ea typeface="Courier"/>
+                <a:cs typeface="Consolas"/>
+              </a:rPr>
+              <a:t>user=&gt; (</a:t>
+            </a:r>
+            <a:r>
+              <a:rPr lang="en-US" dirty="0">
+                <a:solidFill>
+                  <a:srgbClr val="018B8B"/>
+                </a:solidFill>
+                <a:latin typeface="Consolas"/>
+                <a:ea typeface="Courier"/>
+                <a:cs typeface="Consolas"/>
+              </a:rPr>
+              <a:t>:result</a:t>
+            </a:r>
+            <a:r>
+              <a:rPr lang="en-US" dirty="0">
+                <a:solidFill>
+                  <a:srgbClr val="000000"/>
+                </a:solidFill>
+                <a:latin typeface="Consolas"/>
+                <a:ea typeface="Courier"/>
+                <a:cs typeface="Consolas"/>
+              </a:rPr>
+              <a:t> a)</a:t>
+            </a:r>
+          </a:p>
+          <a:p>
+            <a:pPr marL="0" indent="0">
+              <a:spcBef>
+                <a:spcPts val="200"/>
+              </a:spcBef>
+              <a:buNone/>
+            </a:pPr>
+            <a:r>
+              <a:rPr lang="en-US" dirty="0">
+                <a:solidFill>
+                  <a:srgbClr val="000000"/>
+                </a:solidFill>
+                <a:latin typeface="Consolas"/>
+                <a:ea typeface="Courier"/>
+                <a:cs typeface="Consolas"/>
+              </a:rPr>
+              <a:t>&lt;Delay@259c3236: 10&gt;</a:t>
             </a:r>
             <a:endParaRPr lang="en-US" dirty="0" smtClean="0">
               <a:latin typeface="Consolas"/>
@@ -29746,12 +29002,14 @@
             </a:endParaRPr>
           </a:p>
           <a:p>
-            <a:pPr marL="0" indent="0">
-              <a:buNone/>
+            <a:pPr>
+              <a:spcBef>
+                <a:spcPts val="200"/>
+              </a:spcBef>
             </a:pPr>
             <a:endParaRPr lang="en-US" dirty="0" smtClean="0">
-              <a:latin typeface="Arial"/>
-              <a:cs typeface="Arial"/>
+              <a:latin typeface="Consolas"/>
+              <a:cs typeface="Consolas"/>
             </a:endParaRPr>
           </a:p>
         </p:txBody>
@@ -29759,7 +29017,7 @@
     </p:spTree>
     <p:extLst>
       <p:ext uri="{BB962C8B-B14F-4D97-AF65-F5344CB8AC3E}">
-        <p14:creationId xmlns:p14="http://schemas.microsoft.com/office/powerpoint/2010/main" val="254657397"/>
+        <p14:creationId xmlns:p14="http://schemas.microsoft.com/office/powerpoint/2010/main" val="475409415"/>
       </p:ext>
     </p:extLst>
   </p:cSld>
@@ -29802,8 +29060,11 @@
           <a:lstStyle/>
           <a:p>
             <a:r>
-              <a:rPr lang="ru-RU" dirty="0" smtClean="0"/>
-              <a:t>Блокировки</a:t>
+              <a:rPr lang="en-US" sz="4000" dirty="0" smtClean="0">
+                <a:latin typeface="Arial"/>
+                <a:cs typeface="Arial"/>
+              </a:rPr>
+              <a:t>Promises</a:t>
             </a:r>
             <a:endParaRPr lang="en-US" sz="4000" dirty="0">
               <a:latin typeface="Arial"/>
@@ -29822,7 +29083,12 @@
             <p:ph idx="1"/>
           </p:nvPr>
         </p:nvSpPr>
-        <p:spPr/>
+        <p:spPr>
+          <a:xfrm>
+            <a:off x="702734" y="1735138"/>
+            <a:ext cx="7525280" cy="4335462"/>
+          </a:xfrm>
+        </p:spPr>
         <p:txBody>
           <a:bodyPr>
             <a:normAutofit/>
@@ -29830,19 +29096,27 @@
           <a:lstStyle/>
           <a:p>
             <a:r>
-              <a:rPr lang="en-US" dirty="0" smtClean="0">
-                <a:latin typeface="Consolas"/>
-                <a:cs typeface="Consolas"/>
-              </a:rPr>
-              <a:t>locking</a:t>
-            </a:r>
-            <a:r>
-              <a:rPr lang="en-US" dirty="0" smtClean="0"/>
-              <a:t> </a:t>
-            </a:r>
-            <a:r>
               <a:rPr lang="ru-RU" dirty="0" smtClean="0"/>
-              <a:t>обеспечивает блокировку доступа к объекту</a:t>
+              <a:t>Координация между потоками выполнения</a:t>
+            </a:r>
+          </a:p>
+          <a:p>
+            <a:r>
+              <a:rPr lang="ru-RU" dirty="0" smtClean="0">
+                <a:latin typeface="Arial"/>
+                <a:cs typeface="Arial"/>
+              </a:rPr>
+              <a:t>Блокируется при доступе к еще не отправленным данным</a:t>
+            </a:r>
+          </a:p>
+          <a:p>
+            <a:r>
+              <a:rPr lang="ru-RU" dirty="0"/>
+              <a:t>Результат </a:t>
+            </a:r>
+            <a:r>
+              <a:rPr lang="ru-RU" dirty="0" err="1" smtClean="0"/>
+              <a:t>кешируется</a:t>
             </a:r>
             <a:endParaRPr lang="en-US" dirty="0" smtClean="0">
               <a:latin typeface="Arial"/>
@@ -29850,10 +29124,7 @@
             </a:endParaRPr>
           </a:p>
           <a:p>
-            <a:endParaRPr lang="en-US" dirty="0" smtClean="0">
-              <a:latin typeface="Arial"/>
-              <a:cs typeface="Arial"/>
-            </a:endParaRPr>
+            <a:endParaRPr lang="en-US" dirty="0"/>
           </a:p>
           <a:p>
             <a:pPr marL="0" indent="0">
@@ -29863,35 +29134,35 @@
               <a:buNone/>
             </a:pPr>
             <a:r>
-              <a:rPr lang="en-US" dirty="0">
-                <a:solidFill>
-                  <a:srgbClr val="000000"/>
-                </a:solidFill>
-                <a:latin typeface="Courier"/>
-                <a:ea typeface="Courier"/>
-                <a:cs typeface="Courier"/>
-              </a:rPr>
-              <a:t>=&gt; (</a:t>
+              <a:rPr lang="en-US" dirty="0" smtClean="0">
+                <a:solidFill>
+                  <a:srgbClr val="000000"/>
+                </a:solidFill>
+                <a:latin typeface="Consolas"/>
+                <a:ea typeface="Courier"/>
+                <a:cs typeface="Consolas"/>
+              </a:rPr>
+              <a:t>user=&gt; (</a:t>
             </a:r>
             <a:r>
               <a:rPr lang="en-US" dirty="0" err="1">
                 <a:solidFill>
                   <a:srgbClr val="A034F1"/>
                 </a:solidFill>
-                <a:latin typeface="Courier"/>
-                <a:ea typeface="Courier"/>
-                <a:cs typeface="Courier"/>
-              </a:rPr>
-              <a:t>defn</a:t>
-            </a:r>
-            <a:r>
-              <a:rPr lang="en-US" dirty="0">
-                <a:solidFill>
-                  <a:srgbClr val="000000"/>
-                </a:solidFill>
-                <a:latin typeface="Courier"/>
-                <a:ea typeface="Courier"/>
-                <a:cs typeface="Courier"/>
+                <a:latin typeface="Consolas"/>
+                <a:ea typeface="Courier"/>
+                <a:cs typeface="Consolas"/>
+              </a:rPr>
+              <a:t>def</a:t>
+            </a:r>
+            <a:r>
+              <a:rPr lang="en-US" dirty="0">
+                <a:solidFill>
+                  <a:srgbClr val="000000"/>
+                </a:solidFill>
+                <a:latin typeface="Consolas"/>
+                <a:ea typeface="Courier"/>
+                <a:cs typeface="Consolas"/>
               </a:rPr>
               <a:t> </a:t>
             </a:r>
@@ -29900,22 +29171,44 @@
                 <a:solidFill>
                   <a:srgbClr val="0432FF"/>
                 </a:solidFill>
-                <a:latin typeface="Courier"/>
-                <a:ea typeface="Courier"/>
-                <a:cs typeface="Courier"/>
-              </a:rPr>
-              <a:t>add-to-map</a:t>
-            </a:r>
-            <a:r>
-              <a:rPr lang="en-US" dirty="0">
-                <a:solidFill>
-                  <a:srgbClr val="000000"/>
-                </a:solidFill>
-                <a:latin typeface="Courier"/>
-                <a:ea typeface="Courier"/>
-                <a:cs typeface="Courier"/>
-              </a:rPr>
-              <a:t> [h k v]</a:t>
+                <a:latin typeface="Consolas"/>
+                <a:ea typeface="Courier"/>
+                <a:cs typeface="Consolas"/>
+              </a:rPr>
+              <a:t>p</a:t>
+            </a:r>
+            <a:r>
+              <a:rPr lang="en-US" dirty="0">
+                <a:solidFill>
+                  <a:srgbClr val="000000"/>
+                </a:solidFill>
+                <a:latin typeface="Consolas"/>
+                <a:ea typeface="Courier"/>
+                <a:cs typeface="Consolas"/>
+              </a:rPr>
+              <a:t> (</a:t>
+            </a:r>
+            <a:r>
+              <a:rPr lang="en-US" dirty="0">
+                <a:solidFill>
+                  <a:srgbClr val="473D8B"/>
+                </a:solidFill>
+                <a:latin typeface="Consolas"/>
+                <a:ea typeface="Courier"/>
+                <a:cs typeface="Consolas"/>
+              </a:rPr>
+              <a:t>promise</a:t>
+            </a:r>
+            <a:r>
+              <a:rPr lang="en-US" dirty="0">
+                <a:solidFill>
+                  <a:srgbClr val="000000"/>
+                </a:solidFill>
+                <a:latin typeface="Consolas"/>
+                <a:ea typeface="Courier"/>
+                <a:cs typeface="Consolas"/>
+              </a:rPr>
+              <a:t>))</a:t>
             </a:r>
           </a:p>
           <a:p>
@@ -29930,34 +29223,64 @@
                 <a:solidFill>
                   <a:srgbClr val="000000"/>
                 </a:solidFill>
-                <a:latin typeface="Courier"/>
-                <a:ea typeface="Courier"/>
-                <a:cs typeface="Courier"/>
-              </a:rPr>
-              <a:t>     (</a:t>
+                <a:latin typeface="Consolas"/>
+                <a:ea typeface="Courier"/>
+                <a:cs typeface="Consolas"/>
+              </a:rPr>
+              <a:t>user=&gt; </a:t>
+            </a:r>
+            <a:r>
+              <a:rPr lang="en-US" dirty="0" smtClean="0">
+                <a:solidFill>
+                  <a:srgbClr val="000000"/>
+                </a:solidFill>
+                <a:latin typeface="Consolas"/>
+                <a:ea typeface="Courier"/>
+                <a:cs typeface="Consolas"/>
+              </a:rPr>
+              <a:t>(</a:t>
+            </a:r>
+            <a:r>
+              <a:rPr lang="en-US" dirty="0">
+                <a:solidFill>
+                  <a:srgbClr val="A034F1"/>
+                </a:solidFill>
+                <a:latin typeface="Consolas"/>
+                <a:ea typeface="Courier"/>
+                <a:cs typeface="Consolas"/>
+              </a:rPr>
+              <a:t>do</a:t>
+            </a:r>
+            <a:r>
+              <a:rPr lang="en-US" dirty="0">
+                <a:solidFill>
+                  <a:srgbClr val="000000"/>
+                </a:solidFill>
+                <a:latin typeface="Consolas"/>
+                <a:ea typeface="Courier"/>
+                <a:cs typeface="Consolas"/>
+              </a:rPr>
+              <a:t> (</a:t>
             </a:r>
             <a:r>
               <a:rPr lang="en-US" dirty="0">
                 <a:solidFill>
                   <a:srgbClr val="473D8B"/>
                 </a:solidFill>
-                <a:latin typeface="Courier"/>
-                <a:ea typeface="Courier"/>
-                <a:cs typeface="Courier"/>
-              </a:rPr>
-              <a:t>locking</a:t>
-            </a:r>
-            <a:r>
-              <a:rPr lang="en-US" dirty="0">
-                <a:solidFill>
-                  <a:srgbClr val="000000"/>
-                </a:solidFill>
-                <a:latin typeface="Courier"/>
-                <a:ea typeface="Courier"/>
-                <a:cs typeface="Courier"/>
-              </a:rPr>
-              <a:t> h</a:t>
-            </a:r>
+                <a:latin typeface="Consolas"/>
+                <a:ea typeface="Courier"/>
+                <a:cs typeface="Consolas"/>
+              </a:rPr>
+              <a:t>future</a:t>
+            </a:r>
+            <a:endParaRPr lang="en-US" dirty="0">
+              <a:solidFill>
+                <a:srgbClr val="000000"/>
+              </a:solidFill>
+              <a:latin typeface="Consolas"/>
+              <a:ea typeface="Courier"/>
+              <a:cs typeface="Consolas"/>
+            </a:endParaRPr>
           </a:p>
           <a:p>
             <a:pPr marL="0" indent="0">
@@ -29971,49 +29294,56 @@
                 <a:solidFill>
                   <a:srgbClr val="000000"/>
                 </a:solidFill>
-                <a:latin typeface="Courier"/>
-                <a:ea typeface="Courier"/>
-                <a:cs typeface="Courier"/>
-              </a:rPr>
-              <a:t>        (</a:t>
+                <a:latin typeface="Consolas"/>
+                <a:ea typeface="Courier"/>
+                <a:cs typeface="Consolas"/>
+              </a:rPr>
+              <a:t>    </a:t>
+            </a:r>
+            <a:r>
+              <a:rPr lang="en-US" dirty="0" smtClean="0">
+                <a:solidFill>
+                  <a:srgbClr val="000000"/>
+                </a:solidFill>
+                <a:latin typeface="Consolas"/>
+                <a:ea typeface="Courier"/>
+                <a:cs typeface="Consolas"/>
+              </a:rPr>
+              <a:t>       </a:t>
+            </a:r>
+            <a:r>
+              <a:rPr lang="en-US" dirty="0">
+                <a:solidFill>
+                  <a:srgbClr val="000000"/>
+                </a:solidFill>
+                <a:latin typeface="Consolas"/>
+                <a:ea typeface="Courier"/>
+                <a:cs typeface="Consolas"/>
+              </a:rPr>
+              <a:t>(</a:t>
             </a:r>
             <a:r>
               <a:rPr lang="en-US" dirty="0">
                 <a:solidFill>
                   <a:srgbClr val="473D8B"/>
                 </a:solidFill>
-                <a:latin typeface="Courier"/>
-                <a:ea typeface="Courier"/>
-                <a:cs typeface="Courier"/>
-              </a:rPr>
-              <a:t>.put</a:t>
-            </a:r>
-            <a:r>
-              <a:rPr lang="en-US" dirty="0">
-                <a:solidFill>
-                  <a:srgbClr val="000000"/>
-                </a:solidFill>
-                <a:latin typeface="Courier"/>
-                <a:ea typeface="Courier"/>
-                <a:cs typeface="Courier"/>
-              </a:rPr>
-              <a:t> h k v)))</a:t>
-            </a:r>
-          </a:p>
-          <a:p>
-            <a:pPr>
-              <a:spcBef>
-                <a:spcPts val="200"/>
-              </a:spcBef>
-            </a:pPr>
-            <a:endParaRPr lang="en-US" dirty="0">
-              <a:solidFill>
-                <a:srgbClr val="000000"/>
-              </a:solidFill>
-              <a:latin typeface="Courier"/>
-              <a:ea typeface="Courier"/>
-              <a:cs typeface="Courier"/>
-            </a:endParaRPr>
+                <a:latin typeface="Consolas"/>
+                <a:ea typeface="Courier"/>
+                <a:cs typeface="Consolas"/>
+              </a:rPr>
+              <a:t>Thread/sleep</a:t>
+            </a:r>
+            <a:r>
+              <a:rPr lang="en-US" dirty="0">
+                <a:solidFill>
+                  <a:srgbClr val="000000"/>
+                </a:solidFill>
+                <a:latin typeface="Consolas"/>
+                <a:ea typeface="Courier"/>
+                <a:cs typeface="Consolas"/>
+              </a:rPr>
+              <a:t> 5000)</a:t>
+            </a:r>
           </a:p>
           <a:p>
             <a:pPr marL="0" indent="0">
@@ -30027,86 +29357,75 @@
                 <a:solidFill>
                   <a:srgbClr val="000000"/>
                 </a:solidFill>
-                <a:latin typeface="Courier"/>
-                <a:ea typeface="Courier"/>
-                <a:cs typeface="Courier"/>
-              </a:rPr>
-              <a:t>=&gt; (</a:t>
+                <a:latin typeface="Consolas"/>
+                <a:ea typeface="Courier"/>
+                <a:cs typeface="Consolas"/>
+              </a:rPr>
+              <a:t>     </a:t>
+            </a:r>
+            <a:r>
+              <a:rPr lang="en-US" dirty="0" smtClean="0">
+                <a:solidFill>
+                  <a:srgbClr val="000000"/>
+                </a:solidFill>
+                <a:latin typeface="Consolas"/>
+                <a:ea typeface="Courier"/>
+                <a:cs typeface="Consolas"/>
+              </a:rPr>
+              <a:t>      (</a:t>
+            </a:r>
+            <a:r>
+              <a:rPr lang="en-US" dirty="0">
+                <a:solidFill>
+                  <a:srgbClr val="473D8B"/>
+                </a:solidFill>
+                <a:latin typeface="Consolas"/>
+                <a:ea typeface="Courier"/>
+                <a:cs typeface="Consolas"/>
+              </a:rPr>
+              <a:t>deliver</a:t>
+            </a:r>
+            <a:r>
+              <a:rPr lang="en-US" dirty="0">
+                <a:solidFill>
+                  <a:srgbClr val="000000"/>
+                </a:solidFill>
+                <a:latin typeface="Consolas"/>
+                <a:ea typeface="Courier"/>
+                <a:cs typeface="Consolas"/>
+              </a:rPr>
+              <a:t> p </a:t>
+            </a:r>
+            <a:r>
+              <a:rPr lang="en-US" dirty="0">
+                <a:solidFill>
+                  <a:srgbClr val="018B8B"/>
+                </a:solidFill>
+                <a:latin typeface="Consolas"/>
+                <a:ea typeface="Courier"/>
+                <a:cs typeface="Consolas"/>
+              </a:rPr>
+              <a:t>:</a:t>
             </a:r>
             <a:r>
               <a:rPr lang="en-US" dirty="0" err="1">
                 <a:solidFill>
-                  <a:srgbClr val="A034F1"/>
-                </a:solidFill>
-                <a:latin typeface="Courier"/>
-                <a:ea typeface="Courier"/>
-                <a:cs typeface="Courier"/>
-              </a:rPr>
-              <a:t>def</a:t>
-            </a:r>
-            <a:r>
-              <a:rPr lang="en-US" dirty="0">
-                <a:solidFill>
-                  <a:srgbClr val="000000"/>
-                </a:solidFill>
-                <a:latin typeface="Courier"/>
-                <a:ea typeface="Courier"/>
-                <a:cs typeface="Courier"/>
-              </a:rPr>
-              <a:t> </a:t>
-            </a:r>
-            <a:r>
-              <a:rPr lang="en-US" dirty="0">
-                <a:solidFill>
-                  <a:srgbClr val="0432FF"/>
-                </a:solidFill>
-                <a:latin typeface="Courier"/>
-                <a:ea typeface="Courier"/>
-                <a:cs typeface="Courier"/>
-              </a:rPr>
-              <a:t>h</a:t>
-            </a:r>
-            <a:r>
-              <a:rPr lang="en-US" dirty="0">
-                <a:solidFill>
-                  <a:srgbClr val="000000"/>
-                </a:solidFill>
-                <a:latin typeface="Courier"/>
-                <a:ea typeface="Courier"/>
-                <a:cs typeface="Courier"/>
-              </a:rPr>
-              <a:t> (</a:t>
-            </a:r>
-            <a:r>
-              <a:rPr lang="en-US" dirty="0" err="1">
-                <a:solidFill>
-                  <a:srgbClr val="473D8B"/>
-                </a:solidFill>
-                <a:latin typeface="Courier"/>
-                <a:ea typeface="Courier"/>
-                <a:cs typeface="Courier"/>
-              </a:rPr>
-              <a:t>java.util.HashMap</a:t>
-            </a:r>
-            <a:r>
-              <a:rPr lang="en-US" dirty="0">
-                <a:solidFill>
-                  <a:srgbClr val="473D8B"/>
-                </a:solidFill>
-                <a:latin typeface="Courier"/>
-                <a:ea typeface="Courier"/>
-                <a:cs typeface="Courier"/>
-              </a:rPr>
-              <a:t>.</a:t>
-            </a:r>
-            <a:r>
-              <a:rPr lang="en-US" dirty="0">
-                <a:solidFill>
-                  <a:srgbClr val="000000"/>
-                </a:solidFill>
-                <a:latin typeface="Courier"/>
-                <a:ea typeface="Courier"/>
-                <a:cs typeface="Courier"/>
+                  <a:srgbClr val="018B8B"/>
+                </a:solidFill>
+                <a:latin typeface="Consolas"/>
+                <a:ea typeface="Courier"/>
+                <a:cs typeface="Consolas"/>
+              </a:rPr>
+              <a:t>fred</a:t>
+            </a:r>
+            <a:r>
+              <a:rPr lang="en-US" dirty="0">
+                <a:solidFill>
+                  <a:srgbClr val="000000"/>
+                </a:solidFill>
+                <a:latin typeface="Consolas"/>
+                <a:ea typeface="Courier"/>
+                <a:cs typeface="Consolas"/>
               </a:rPr>
               <a:t>))</a:t>
             </a:r>
@@ -30123,165 +29442,43 @@
                 <a:solidFill>
                   <a:srgbClr val="000000"/>
                 </a:solidFill>
-                <a:latin typeface="Courier"/>
-                <a:ea typeface="Courier"/>
-                <a:cs typeface="Courier"/>
-              </a:rPr>
-              <a:t>=&gt; (add-to-map h </a:t>
-            </a:r>
-            <a:r>
-              <a:rPr lang="en-US" dirty="0">
-                <a:solidFill>
-                  <a:srgbClr val="8B2152"/>
-                </a:solidFill>
-                <a:latin typeface="Courier"/>
-                <a:ea typeface="Courier"/>
-                <a:cs typeface="Courier"/>
-              </a:rPr>
-              <a:t>"test"</a:t>
-            </a:r>
-            <a:r>
-              <a:rPr lang="en-US" dirty="0">
-                <a:solidFill>
-                  <a:srgbClr val="000000"/>
-                </a:solidFill>
-                <a:latin typeface="Courier"/>
-                <a:ea typeface="Courier"/>
-                <a:cs typeface="Courier"/>
+                <a:latin typeface="Consolas"/>
+                <a:ea typeface="Courier"/>
+                <a:cs typeface="Consolas"/>
               </a:rPr>
               <a:t> </a:t>
             </a:r>
             <a:r>
-              <a:rPr lang="en-US" dirty="0">
-                <a:solidFill>
-                  <a:srgbClr val="8B2152"/>
-                </a:solidFill>
-                <a:latin typeface="Courier"/>
-                <a:ea typeface="Courier"/>
-                <a:cs typeface="Courier"/>
-              </a:rPr>
-              <a:t>"value"</a:t>
-            </a:r>
-            <a:r>
-              <a:rPr lang="en-US" dirty="0">
-                <a:solidFill>
-                  <a:srgbClr val="000000"/>
-                </a:solidFill>
-                <a:latin typeface="Courier"/>
-                <a:ea typeface="Courier"/>
-                <a:cs typeface="Courier"/>
-              </a:rPr>
-              <a:t>)</a:t>
-            </a:r>
+              <a:rPr lang="en-US" dirty="0" smtClean="0">
+                <a:solidFill>
+                  <a:srgbClr val="000000"/>
+                </a:solidFill>
+                <a:latin typeface="Consolas"/>
+                <a:ea typeface="Courier"/>
+                <a:cs typeface="Consolas"/>
+              </a:rPr>
+              <a:t>       @</a:t>
+            </a:r>
+            <a:r>
+              <a:rPr lang="en-US" dirty="0">
+                <a:solidFill>
+                  <a:srgbClr val="000000"/>
+                </a:solidFill>
+                <a:latin typeface="Consolas"/>
+                <a:ea typeface="Courier"/>
+                <a:cs typeface="Consolas"/>
+              </a:rPr>
+              <a:t>p)</a:t>
+            </a:r>
+            <a:endParaRPr lang="en-US" dirty="0" smtClean="0">
+              <a:latin typeface="Consolas"/>
+              <a:cs typeface="Consolas"/>
+            </a:endParaRPr>
           </a:p>
           <a:p>
             <a:pPr marL="0" indent="0">
-              <a:spcBef>
-                <a:spcPts val="200"/>
-              </a:spcBef>
               <a:buNone/>
             </a:pPr>
-            <a:r>
-              <a:rPr lang="en-US" dirty="0">
-                <a:solidFill>
-                  <a:srgbClr val="8B2152"/>
-                </a:solidFill>
-                <a:latin typeface="Courier"/>
-                <a:ea typeface="Courier"/>
-                <a:cs typeface="Courier"/>
-              </a:rPr>
-              <a:t>"value"</a:t>
-            </a:r>
-            <a:endParaRPr lang="en-US" dirty="0">
-              <a:solidFill>
-                <a:srgbClr val="000000"/>
-              </a:solidFill>
-              <a:latin typeface="Courier"/>
-              <a:ea typeface="Courier"/>
-              <a:cs typeface="Courier"/>
-            </a:endParaRPr>
-          </a:p>
-          <a:p>
-            <a:pPr marL="0" indent="0">
-              <a:spcBef>
-                <a:spcPts val="200"/>
-              </a:spcBef>
-              <a:buNone/>
-            </a:pPr>
-            <a:r>
-              <a:rPr lang="en-US" dirty="0">
-                <a:solidFill>
-                  <a:srgbClr val="000000"/>
-                </a:solidFill>
-                <a:latin typeface="Courier"/>
-                <a:ea typeface="Courier"/>
-                <a:cs typeface="Courier"/>
-              </a:rPr>
-              <a:t>=&gt; h</a:t>
-            </a:r>
-          </a:p>
-          <a:p>
-            <a:pPr marL="0" indent="0">
-              <a:spcBef>
-                <a:spcPts val="200"/>
-              </a:spcBef>
-              <a:buNone/>
-            </a:pPr>
-            <a:r>
-              <a:rPr lang="en-US" dirty="0">
-                <a:solidFill>
-                  <a:srgbClr val="000000"/>
-                </a:solidFill>
-                <a:latin typeface="Courier"/>
-                <a:ea typeface="Courier"/>
-                <a:cs typeface="Courier"/>
-              </a:rPr>
-              <a:t>{</a:t>
-            </a:r>
-            <a:r>
-              <a:rPr lang="en-US" dirty="0">
-                <a:solidFill>
-                  <a:srgbClr val="8B2152"/>
-                </a:solidFill>
-                <a:latin typeface="Courier"/>
-                <a:ea typeface="Courier"/>
-                <a:cs typeface="Courier"/>
-              </a:rPr>
-              <a:t>"test"</a:t>
-            </a:r>
-            <a:r>
-              <a:rPr lang="en-US" dirty="0">
-                <a:solidFill>
-                  <a:srgbClr val="000000"/>
-                </a:solidFill>
-                <a:latin typeface="Courier"/>
-                <a:ea typeface="Courier"/>
-                <a:cs typeface="Courier"/>
-              </a:rPr>
-              <a:t> </a:t>
-            </a:r>
-            <a:r>
-              <a:rPr lang="en-US" dirty="0">
-                <a:solidFill>
-                  <a:srgbClr val="8B2152"/>
-                </a:solidFill>
-                <a:latin typeface="Courier"/>
-                <a:ea typeface="Courier"/>
-                <a:cs typeface="Courier"/>
-              </a:rPr>
-              <a:t>"value"</a:t>
-            </a:r>
-            <a:r>
-              <a:rPr lang="en-US" dirty="0">
-                <a:solidFill>
-                  <a:srgbClr val="000000"/>
-                </a:solidFill>
-                <a:latin typeface="Courier"/>
-                <a:ea typeface="Courier"/>
-                <a:cs typeface="Courier"/>
-              </a:rPr>
-              <a:t>}</a:t>
-            </a:r>
             <a:endParaRPr lang="en-US" dirty="0" smtClean="0">
               <a:latin typeface="Arial"/>
               <a:cs typeface="Arial"/>
@@ -30292,7 +29489,7 @@
     </p:spTree>
     <p:extLst>
       <p:ext uri="{BB962C8B-B14F-4D97-AF65-F5344CB8AC3E}">
-        <p14:creationId xmlns:p14="http://schemas.microsoft.com/office/powerpoint/2010/main" val="3385574870"/>
+        <p14:creationId xmlns:p14="http://schemas.microsoft.com/office/powerpoint/2010/main" val="254657397"/>
       </p:ext>
     </p:extLst>
   </p:cSld>
@@ -30335,6 +29532,539 @@
           <a:lstStyle/>
           <a:p>
             <a:r>
+              <a:rPr lang="ru-RU" dirty="0" smtClean="0"/>
+              <a:t>Блокировки</a:t>
+            </a:r>
+            <a:endParaRPr lang="en-US" sz="4000" dirty="0">
+              <a:latin typeface="Arial"/>
+              <a:cs typeface="Arial"/>
+            </a:endParaRPr>
+          </a:p>
+        </p:txBody>
+      </p:sp>
+      <p:sp>
+        <p:nvSpPr>
+          <p:cNvPr id="3" name="Content Placeholder 2"/>
+          <p:cNvSpPr>
+            <a:spLocks noGrp="1"/>
+          </p:cNvSpPr>
+          <p:nvPr>
+            <p:ph idx="1"/>
+          </p:nvPr>
+        </p:nvSpPr>
+        <p:spPr/>
+        <p:txBody>
+          <a:bodyPr>
+            <a:normAutofit/>
+          </a:bodyPr>
+          <a:lstStyle/>
+          <a:p>
+            <a:r>
+              <a:rPr lang="en-US" dirty="0" smtClean="0">
+                <a:latin typeface="Consolas"/>
+                <a:cs typeface="Consolas"/>
+              </a:rPr>
+              <a:t>locking</a:t>
+            </a:r>
+            <a:r>
+              <a:rPr lang="en-US" dirty="0" smtClean="0"/>
+              <a:t> </a:t>
+            </a:r>
+            <a:r>
+              <a:rPr lang="ru-RU" dirty="0" smtClean="0"/>
+              <a:t>обеспечивает блокировку доступа к объекту</a:t>
+            </a:r>
+            <a:endParaRPr lang="en-US" dirty="0" smtClean="0">
+              <a:latin typeface="Arial"/>
+              <a:cs typeface="Arial"/>
+            </a:endParaRPr>
+          </a:p>
+          <a:p>
+            <a:endParaRPr lang="en-US" dirty="0" smtClean="0">
+              <a:latin typeface="Arial"/>
+              <a:cs typeface="Arial"/>
+            </a:endParaRPr>
+          </a:p>
+          <a:p>
+            <a:pPr marL="0" indent="0">
+              <a:spcBef>
+                <a:spcPts val="200"/>
+              </a:spcBef>
+              <a:buNone/>
+            </a:pPr>
+            <a:r>
+              <a:rPr lang="en-US" dirty="0">
+                <a:solidFill>
+                  <a:srgbClr val="000000"/>
+                </a:solidFill>
+                <a:latin typeface="Courier"/>
+                <a:ea typeface="Courier"/>
+                <a:cs typeface="Courier"/>
+              </a:rPr>
+              <a:t>=&gt; (</a:t>
+            </a:r>
+            <a:r>
+              <a:rPr lang="en-US" dirty="0" err="1">
+                <a:solidFill>
+                  <a:srgbClr val="A034F1"/>
+                </a:solidFill>
+                <a:latin typeface="Courier"/>
+                <a:ea typeface="Courier"/>
+                <a:cs typeface="Courier"/>
+              </a:rPr>
+              <a:t>defn</a:t>
+            </a:r>
+            <a:r>
+              <a:rPr lang="en-US" dirty="0">
+                <a:solidFill>
+                  <a:srgbClr val="000000"/>
+                </a:solidFill>
+                <a:latin typeface="Courier"/>
+                <a:ea typeface="Courier"/>
+                <a:cs typeface="Courier"/>
+              </a:rPr>
+              <a:t> </a:t>
+            </a:r>
+            <a:r>
+              <a:rPr lang="en-US" dirty="0">
+                <a:solidFill>
+                  <a:srgbClr val="0432FF"/>
+                </a:solidFill>
+                <a:latin typeface="Courier"/>
+                <a:ea typeface="Courier"/>
+                <a:cs typeface="Courier"/>
+              </a:rPr>
+              <a:t>add-to-map</a:t>
+            </a:r>
+            <a:r>
+              <a:rPr lang="en-US" dirty="0">
+                <a:solidFill>
+                  <a:srgbClr val="000000"/>
+                </a:solidFill>
+                <a:latin typeface="Courier"/>
+                <a:ea typeface="Courier"/>
+                <a:cs typeface="Courier"/>
+              </a:rPr>
+              <a:t> [h k v]</a:t>
+            </a:r>
+          </a:p>
+          <a:p>
+            <a:pPr marL="0" indent="0">
+              <a:spcBef>
+                <a:spcPts val="200"/>
+              </a:spcBef>
+              <a:buNone/>
+            </a:pPr>
+            <a:r>
+              <a:rPr lang="en-US" dirty="0">
+                <a:solidFill>
+                  <a:srgbClr val="000000"/>
+                </a:solidFill>
+                <a:latin typeface="Courier"/>
+                <a:ea typeface="Courier"/>
+                <a:cs typeface="Courier"/>
+              </a:rPr>
+              <a:t>     (</a:t>
+            </a:r>
+            <a:r>
+              <a:rPr lang="en-US" dirty="0">
+                <a:solidFill>
+                  <a:srgbClr val="473D8B"/>
+                </a:solidFill>
+                <a:latin typeface="Courier"/>
+                <a:ea typeface="Courier"/>
+                <a:cs typeface="Courier"/>
+              </a:rPr>
+              <a:t>locking</a:t>
+            </a:r>
+            <a:r>
+              <a:rPr lang="en-US" dirty="0">
+                <a:solidFill>
+                  <a:srgbClr val="000000"/>
+                </a:solidFill>
+                <a:latin typeface="Courier"/>
+                <a:ea typeface="Courier"/>
+                <a:cs typeface="Courier"/>
+              </a:rPr>
+              <a:t> h</a:t>
+            </a:r>
+          </a:p>
+          <a:p>
+            <a:pPr marL="0" indent="0">
+              <a:spcBef>
+                <a:spcPts val="200"/>
+              </a:spcBef>
+              <a:buNone/>
+            </a:pPr>
+            <a:r>
+              <a:rPr lang="en-US" dirty="0">
+                <a:solidFill>
+                  <a:srgbClr val="000000"/>
+                </a:solidFill>
+                <a:latin typeface="Courier"/>
+                <a:ea typeface="Courier"/>
+                <a:cs typeface="Courier"/>
+              </a:rPr>
+              <a:t>        (</a:t>
+            </a:r>
+            <a:r>
+              <a:rPr lang="en-US" dirty="0">
+                <a:solidFill>
+                  <a:srgbClr val="473D8B"/>
+                </a:solidFill>
+                <a:latin typeface="Courier"/>
+                <a:ea typeface="Courier"/>
+                <a:cs typeface="Courier"/>
+              </a:rPr>
+              <a:t>.put</a:t>
+            </a:r>
+            <a:r>
+              <a:rPr lang="en-US" dirty="0">
+                <a:solidFill>
+                  <a:srgbClr val="000000"/>
+                </a:solidFill>
+                <a:latin typeface="Courier"/>
+                <a:ea typeface="Courier"/>
+                <a:cs typeface="Courier"/>
+              </a:rPr>
+              <a:t> h k v)))</a:t>
+            </a:r>
+          </a:p>
+          <a:p>
+            <a:pPr>
+              <a:spcBef>
+                <a:spcPts val="200"/>
+              </a:spcBef>
+            </a:pPr>
+            <a:endParaRPr lang="en-US" dirty="0">
+              <a:solidFill>
+                <a:srgbClr val="000000"/>
+              </a:solidFill>
+              <a:latin typeface="Courier"/>
+              <a:ea typeface="Courier"/>
+              <a:cs typeface="Courier"/>
+            </a:endParaRPr>
+          </a:p>
+          <a:p>
+            <a:pPr marL="0" indent="0">
+              <a:spcBef>
+                <a:spcPts val="200"/>
+              </a:spcBef>
+              <a:buNone/>
+            </a:pPr>
+            <a:r>
+              <a:rPr lang="en-US" dirty="0">
+                <a:solidFill>
+                  <a:srgbClr val="000000"/>
+                </a:solidFill>
+                <a:latin typeface="Courier"/>
+                <a:ea typeface="Courier"/>
+                <a:cs typeface="Courier"/>
+              </a:rPr>
+              <a:t>=&gt; (</a:t>
+            </a:r>
+            <a:r>
+              <a:rPr lang="en-US" dirty="0" err="1">
+                <a:solidFill>
+                  <a:srgbClr val="A034F1"/>
+                </a:solidFill>
+                <a:latin typeface="Courier"/>
+                <a:ea typeface="Courier"/>
+                <a:cs typeface="Courier"/>
+              </a:rPr>
+              <a:t>def</a:t>
+            </a:r>
+            <a:r>
+              <a:rPr lang="en-US" dirty="0">
+                <a:solidFill>
+                  <a:srgbClr val="000000"/>
+                </a:solidFill>
+                <a:latin typeface="Courier"/>
+                <a:ea typeface="Courier"/>
+                <a:cs typeface="Courier"/>
+              </a:rPr>
+              <a:t> </a:t>
+            </a:r>
+            <a:r>
+              <a:rPr lang="en-US" dirty="0">
+                <a:solidFill>
+                  <a:srgbClr val="0432FF"/>
+                </a:solidFill>
+                <a:latin typeface="Courier"/>
+                <a:ea typeface="Courier"/>
+                <a:cs typeface="Courier"/>
+              </a:rPr>
+              <a:t>h</a:t>
+            </a:r>
+            <a:r>
+              <a:rPr lang="en-US" dirty="0">
+                <a:solidFill>
+                  <a:srgbClr val="000000"/>
+                </a:solidFill>
+                <a:latin typeface="Courier"/>
+                <a:ea typeface="Courier"/>
+                <a:cs typeface="Courier"/>
+              </a:rPr>
+              <a:t> (</a:t>
+            </a:r>
+            <a:r>
+              <a:rPr lang="en-US" dirty="0" err="1">
+                <a:solidFill>
+                  <a:srgbClr val="473D8B"/>
+                </a:solidFill>
+                <a:latin typeface="Courier"/>
+                <a:ea typeface="Courier"/>
+                <a:cs typeface="Courier"/>
+              </a:rPr>
+              <a:t>java.util.HashMap</a:t>
+            </a:r>
+            <a:r>
+              <a:rPr lang="en-US" dirty="0">
+                <a:solidFill>
+                  <a:srgbClr val="473D8B"/>
+                </a:solidFill>
+                <a:latin typeface="Courier"/>
+                <a:ea typeface="Courier"/>
+                <a:cs typeface="Courier"/>
+              </a:rPr>
+              <a:t>.</a:t>
+            </a:r>
+            <a:r>
+              <a:rPr lang="en-US" dirty="0">
+                <a:solidFill>
+                  <a:srgbClr val="000000"/>
+                </a:solidFill>
+                <a:latin typeface="Courier"/>
+                <a:ea typeface="Courier"/>
+                <a:cs typeface="Courier"/>
+              </a:rPr>
+              <a:t>))</a:t>
+            </a:r>
+          </a:p>
+          <a:p>
+            <a:pPr marL="0" indent="0">
+              <a:spcBef>
+                <a:spcPts val="200"/>
+              </a:spcBef>
+              <a:buNone/>
+            </a:pPr>
+            <a:r>
+              <a:rPr lang="en-US" dirty="0">
+                <a:solidFill>
+                  <a:srgbClr val="000000"/>
+                </a:solidFill>
+                <a:latin typeface="Courier"/>
+                <a:ea typeface="Courier"/>
+                <a:cs typeface="Courier"/>
+              </a:rPr>
+              <a:t>=&gt; (add-to-map h </a:t>
+            </a:r>
+            <a:r>
+              <a:rPr lang="en-US" dirty="0">
+                <a:solidFill>
+                  <a:srgbClr val="8B2152"/>
+                </a:solidFill>
+                <a:latin typeface="Courier"/>
+                <a:ea typeface="Courier"/>
+                <a:cs typeface="Courier"/>
+              </a:rPr>
+              <a:t>"test"</a:t>
+            </a:r>
+            <a:r>
+              <a:rPr lang="en-US" dirty="0">
+                <a:solidFill>
+                  <a:srgbClr val="000000"/>
+                </a:solidFill>
+                <a:latin typeface="Courier"/>
+                <a:ea typeface="Courier"/>
+                <a:cs typeface="Courier"/>
+              </a:rPr>
+              <a:t> </a:t>
+            </a:r>
+            <a:r>
+              <a:rPr lang="en-US" dirty="0">
+                <a:solidFill>
+                  <a:srgbClr val="8B2152"/>
+                </a:solidFill>
+                <a:latin typeface="Courier"/>
+                <a:ea typeface="Courier"/>
+                <a:cs typeface="Courier"/>
+              </a:rPr>
+              <a:t>"value"</a:t>
+            </a:r>
+            <a:r>
+              <a:rPr lang="en-US" dirty="0">
+                <a:solidFill>
+                  <a:srgbClr val="000000"/>
+                </a:solidFill>
+                <a:latin typeface="Courier"/>
+                <a:ea typeface="Courier"/>
+                <a:cs typeface="Courier"/>
+              </a:rPr>
+              <a:t>)</a:t>
+            </a:r>
+          </a:p>
+          <a:p>
+            <a:pPr marL="0" indent="0">
+              <a:spcBef>
+                <a:spcPts val="200"/>
+              </a:spcBef>
+              <a:buNone/>
+            </a:pPr>
+            <a:r>
+              <a:rPr lang="en-US" dirty="0">
+                <a:solidFill>
+                  <a:srgbClr val="8B2152"/>
+                </a:solidFill>
+                <a:latin typeface="Courier"/>
+                <a:ea typeface="Courier"/>
+                <a:cs typeface="Courier"/>
+              </a:rPr>
+              <a:t>"value"</a:t>
+            </a:r>
+            <a:endParaRPr lang="en-US" dirty="0">
+              <a:solidFill>
+                <a:srgbClr val="000000"/>
+              </a:solidFill>
+              <a:latin typeface="Courier"/>
+              <a:ea typeface="Courier"/>
+              <a:cs typeface="Courier"/>
+            </a:endParaRPr>
+          </a:p>
+          <a:p>
+            <a:pPr marL="0" indent="0">
+              <a:spcBef>
+                <a:spcPts val="200"/>
+              </a:spcBef>
+              <a:buNone/>
+            </a:pPr>
+            <a:r>
+              <a:rPr lang="en-US" dirty="0">
+                <a:solidFill>
+                  <a:srgbClr val="000000"/>
+                </a:solidFill>
+                <a:latin typeface="Courier"/>
+                <a:ea typeface="Courier"/>
+                <a:cs typeface="Courier"/>
+              </a:rPr>
+              <a:t>=&gt; h</a:t>
+            </a:r>
+          </a:p>
+          <a:p>
+            <a:pPr marL="0" indent="0">
+              <a:spcBef>
+                <a:spcPts val="200"/>
+              </a:spcBef>
+              <a:buNone/>
+            </a:pPr>
+            <a:r>
+              <a:rPr lang="en-US" dirty="0">
+                <a:solidFill>
+                  <a:srgbClr val="000000"/>
+                </a:solidFill>
+                <a:latin typeface="Courier"/>
+                <a:ea typeface="Courier"/>
+                <a:cs typeface="Courier"/>
+              </a:rPr>
+              <a:t>{</a:t>
+            </a:r>
+            <a:r>
+              <a:rPr lang="en-US" dirty="0">
+                <a:solidFill>
+                  <a:srgbClr val="8B2152"/>
+                </a:solidFill>
+                <a:latin typeface="Courier"/>
+                <a:ea typeface="Courier"/>
+                <a:cs typeface="Courier"/>
+              </a:rPr>
+              <a:t>"test"</a:t>
+            </a:r>
+            <a:r>
+              <a:rPr lang="en-US" dirty="0">
+                <a:solidFill>
+                  <a:srgbClr val="000000"/>
+                </a:solidFill>
+                <a:latin typeface="Courier"/>
+                <a:ea typeface="Courier"/>
+                <a:cs typeface="Courier"/>
+              </a:rPr>
+              <a:t> </a:t>
+            </a:r>
+            <a:r>
+              <a:rPr lang="en-US" dirty="0">
+                <a:solidFill>
+                  <a:srgbClr val="8B2152"/>
+                </a:solidFill>
+                <a:latin typeface="Courier"/>
+                <a:ea typeface="Courier"/>
+                <a:cs typeface="Courier"/>
+              </a:rPr>
+              <a:t>"value"</a:t>
+            </a:r>
+            <a:r>
+              <a:rPr lang="en-US" dirty="0">
+                <a:solidFill>
+                  <a:srgbClr val="000000"/>
+                </a:solidFill>
+                <a:latin typeface="Courier"/>
+                <a:ea typeface="Courier"/>
+                <a:cs typeface="Courier"/>
+              </a:rPr>
+              <a:t>}</a:t>
+            </a:r>
+            <a:endParaRPr lang="en-US" dirty="0" smtClean="0">
+              <a:latin typeface="Arial"/>
+              <a:cs typeface="Arial"/>
+            </a:endParaRPr>
+          </a:p>
+        </p:txBody>
+      </p:sp>
+    </p:spTree>
+    <p:extLst>
+      <p:ext uri="{BB962C8B-B14F-4D97-AF65-F5344CB8AC3E}">
+        <p14:creationId xmlns:p14="http://schemas.microsoft.com/office/powerpoint/2010/main" val="3385574870"/>
+      </p:ext>
+    </p:extLst>
+  </p:cSld>
+  <p:clrMapOvr>
+    <a:masterClrMapping/>
+  </p:clrMapOvr>
+</p:sld>
+</file>
+
+<file path=ppt/slides/slide37.xml><?xml version="1.0" encoding="utf-8"?>
+<p:sld xmlns:a="http://schemas.openxmlformats.org/drawingml/2006/main" xmlns:r="http://schemas.openxmlformats.org/officeDocument/2006/relationships" xmlns:p="http://schemas.openxmlformats.org/presentationml/2006/main">
+  <p:cSld>
+    <p:spTree>
+      <p:nvGrpSpPr>
+        <p:cNvPr id="1" name=""/>
+        <p:cNvGrpSpPr/>
+        <p:nvPr/>
+      </p:nvGrpSpPr>
+      <p:grpSpPr>
+        <a:xfrm>
+          <a:off x="0" y="0"/>
+          <a:ext cx="0" cy="0"/>
+          <a:chOff x="0" y="0"/>
+          <a:chExt cx="0" cy="0"/>
+        </a:xfrm>
+      </p:grpSpPr>
+      <p:sp>
+        <p:nvSpPr>
+          <p:cNvPr id="2" name="Title 1"/>
+          <p:cNvSpPr>
+            <a:spLocks noGrp="1"/>
+          </p:cNvSpPr>
+          <p:nvPr>
+            <p:ph type="title"/>
+          </p:nvPr>
+        </p:nvSpPr>
+        <p:spPr/>
+        <p:txBody>
+          <a:bodyPr/>
+          <a:lstStyle/>
+          <a:p>
+            <a:r>
               <a:rPr lang="ru-RU" sz="4000" dirty="0" smtClean="0">
                 <a:latin typeface="Arial"/>
                 <a:cs typeface="Arial"/>
@@ -30624,7 +30354,7 @@
 </p:sld>
 </file>
 
-<file path=ppt/slides/slide37.xml><?xml version="1.0" encoding="utf-8"?>
+<file path=ppt/slides/slide38.xml><?xml version="1.0" encoding="utf-8"?>
 <p:sld xmlns:a="http://schemas.openxmlformats.org/drawingml/2006/main" xmlns:r="http://schemas.openxmlformats.org/officeDocument/2006/relationships" xmlns:p="http://schemas.openxmlformats.org/presentationml/2006/main">
   <p:cSld>
     <p:spTree>
@@ -30687,280 +30417,6 @@
     <p:extLst>
       <p:ext uri="{BB962C8B-B14F-4D97-AF65-F5344CB8AC3E}">
         <p14:creationId xmlns:p14="http://schemas.microsoft.com/office/powerpoint/2010/main" val="650438333"/>
-      </p:ext>
-    </p:extLst>
-  </p:cSld>
-  <p:clrMapOvr>
-    <a:masterClrMapping/>
-  </p:clrMapOvr>
-</p:sld>
-</file>
-
-<file path=ppt/slides/slide38.xml><?xml version="1.0" encoding="utf-8"?>
-<p:sld xmlns:a="http://schemas.openxmlformats.org/drawingml/2006/main" xmlns:r="http://schemas.openxmlformats.org/officeDocument/2006/relationships" xmlns:p="http://schemas.openxmlformats.org/presentationml/2006/main">
-  <p:cSld>
-    <p:spTree>
-      <p:nvGrpSpPr>
-        <p:cNvPr id="1" name=""/>
-        <p:cNvGrpSpPr/>
-        <p:nvPr/>
-      </p:nvGrpSpPr>
-      <p:grpSpPr>
-        <a:xfrm>
-          <a:off x="0" y="0"/>
-          <a:ext cx="0" cy="0"/>
-          <a:chOff x="0" y="0"/>
-          <a:chExt cx="0" cy="0"/>
-        </a:xfrm>
-      </p:grpSpPr>
-      <p:sp>
-        <p:nvSpPr>
-          <p:cNvPr id="2" name="Title 1"/>
-          <p:cNvSpPr>
-            <a:spLocks noGrp="1"/>
-          </p:cNvSpPr>
-          <p:nvPr>
-            <p:ph type="title"/>
-          </p:nvPr>
-        </p:nvSpPr>
-        <p:spPr/>
-        <p:txBody>
-          <a:bodyPr/>
-          <a:lstStyle/>
-          <a:p>
-            <a:r>
-              <a:rPr lang="en-US" dirty="0"/>
-              <a:t>Reducers</a:t>
-            </a:r>
-            <a:endParaRPr lang="en-US" sz="4000" dirty="0"/>
-          </a:p>
-        </p:txBody>
-      </p:sp>
-      <p:sp>
-        <p:nvSpPr>
-          <p:cNvPr id="3" name="Content Placeholder 2"/>
-          <p:cNvSpPr>
-            <a:spLocks noGrp="1"/>
-          </p:cNvSpPr>
-          <p:nvPr>
-            <p:ph idx="1"/>
-          </p:nvPr>
-        </p:nvSpPr>
-        <p:spPr>
-          <a:xfrm>
-            <a:off x="914400" y="1447800"/>
-            <a:ext cx="7313613" cy="4699000"/>
-          </a:xfrm>
-        </p:spPr>
-        <p:txBody>
-          <a:bodyPr>
-            <a:normAutofit/>
-          </a:bodyPr>
-          <a:lstStyle/>
-          <a:p>
-            <a:r>
-              <a:rPr lang="ru-RU" dirty="0" smtClean="0"/>
-              <a:t>Введены в Clojure 1.5</a:t>
-            </a:r>
-          </a:p>
-          <a:p>
-            <a:r>
-              <a:rPr lang="ru-RU" dirty="0" smtClean="0">
-                <a:latin typeface="Arial"/>
-                <a:cs typeface="Arial"/>
-              </a:rPr>
-              <a:t>Не создают промежуточных коллекций</a:t>
-            </a:r>
-          </a:p>
-          <a:p>
-            <a:r>
-              <a:rPr lang="ru-RU" dirty="0" smtClean="0"/>
-              <a:t>Используют </a:t>
-            </a:r>
-            <a:r>
-              <a:rPr lang="ru-RU" dirty="0" err="1" smtClean="0"/>
-              <a:t>fork</a:t>
-            </a:r>
-            <a:r>
-              <a:rPr lang="ru-RU" dirty="0" smtClean="0"/>
-              <a:t>/</a:t>
-            </a:r>
-            <a:r>
-              <a:rPr lang="ru-RU" dirty="0" err="1" smtClean="0"/>
-              <a:t>join</a:t>
-            </a:r>
-            <a:r>
-              <a:rPr lang="ru-RU" dirty="0" smtClean="0"/>
-              <a:t> при выполнении </a:t>
-            </a:r>
-            <a:r>
-              <a:rPr lang="ru-RU" dirty="0" err="1" smtClean="0">
-                <a:latin typeface="Consolas"/>
-                <a:cs typeface="Consolas"/>
-              </a:rPr>
-              <a:t>fold</a:t>
-            </a:r>
-            <a:endParaRPr lang="ru-RU" dirty="0" smtClean="0">
-              <a:latin typeface="Consolas"/>
-              <a:cs typeface="Consolas"/>
-            </a:endParaRPr>
-          </a:p>
-          <a:p>
-            <a:r>
-              <a:rPr lang="ru-RU" dirty="0" smtClean="0">
-                <a:latin typeface="Arial"/>
-                <a:cs typeface="Arial"/>
-              </a:rPr>
-              <a:t>Свои версии функций </a:t>
-            </a:r>
-            <a:r>
-              <a:rPr lang="ru-RU" dirty="0" err="1">
-                <a:latin typeface="Consolas"/>
-                <a:cs typeface="Consolas"/>
-              </a:rPr>
-              <a:t>map</a:t>
-            </a:r>
-            <a:r>
-              <a:rPr lang="ru-RU" dirty="0" smtClean="0">
-                <a:latin typeface="Arial"/>
-                <a:cs typeface="Arial"/>
-              </a:rPr>
-              <a:t>, </a:t>
-            </a:r>
-            <a:r>
-              <a:rPr lang="ru-RU" dirty="0" err="1" smtClean="0">
-                <a:latin typeface="Consolas"/>
-                <a:cs typeface="Consolas"/>
-              </a:rPr>
-              <a:t>fold</a:t>
-            </a:r>
-            <a:r>
-              <a:rPr lang="ru-RU" dirty="0" smtClean="0">
-                <a:latin typeface="Arial"/>
-                <a:cs typeface="Arial"/>
-              </a:rPr>
-              <a:t>, </a:t>
-            </a:r>
-            <a:r>
-              <a:rPr lang="ru-RU" dirty="0" err="1" smtClean="0">
-                <a:latin typeface="Consolas"/>
-                <a:cs typeface="Consolas"/>
-              </a:rPr>
-              <a:t>filter</a:t>
-            </a:r>
-            <a:r>
-              <a:rPr lang="ru-RU" dirty="0" smtClean="0">
-                <a:latin typeface="Arial"/>
-                <a:cs typeface="Arial"/>
-              </a:rPr>
-              <a:t>, </a:t>
-            </a:r>
-            <a:r>
-              <a:rPr lang="ru-RU" dirty="0" smtClean="0"/>
-              <a:t>и т.п.</a:t>
-            </a:r>
-          </a:p>
-          <a:p>
-            <a:r>
-              <a:rPr lang="ru-RU" dirty="0" smtClean="0">
-                <a:latin typeface="Arial"/>
-                <a:cs typeface="Arial"/>
-              </a:rPr>
-              <a:t>Ресурсы:</a:t>
-            </a:r>
-          </a:p>
-          <a:p>
-            <a:pPr lvl="1"/>
-            <a:r>
-              <a:rPr lang="en-US" sz="1800" dirty="0">
-                <a:hlinkClick r:id="rId2"/>
-              </a:rPr>
-              <a:t>http://clojure.com/blog/2012/05/08/reducers-a-library-and-model-for-collection-</a:t>
-            </a:r>
-            <a:r>
-              <a:rPr lang="en-US" sz="1800" dirty="0" smtClean="0">
-                <a:hlinkClick r:id="rId2"/>
-              </a:rPr>
-              <a:t>processing.html</a:t>
-            </a:r>
-            <a:r>
-              <a:rPr lang="en-US" sz="1800" dirty="0" smtClean="0"/>
-              <a:t> </a:t>
-            </a:r>
-            <a:endParaRPr lang="en-US" sz="1800" dirty="0"/>
-          </a:p>
-          <a:p>
-            <a:pPr lvl="1"/>
-            <a:r>
-              <a:rPr lang="en-US" sz="1800" dirty="0">
-                <a:hlinkClick r:id="rId3"/>
-              </a:rPr>
-              <a:t>http://clojure.com/blog/2012/05/15/anatomy-of-</a:t>
-            </a:r>
-            <a:r>
-              <a:rPr lang="en-US" sz="1800" dirty="0" smtClean="0">
-                <a:hlinkClick r:id="rId3"/>
-              </a:rPr>
-              <a:t>reducer.html</a:t>
-            </a:r>
-            <a:r>
-              <a:rPr lang="en-US" sz="1800" dirty="0" smtClean="0"/>
-              <a:t> </a:t>
-            </a:r>
-            <a:endParaRPr lang="en-US" sz="1800" dirty="0"/>
-          </a:p>
-          <a:p>
-            <a:pPr lvl="1"/>
-            <a:r>
-              <a:rPr lang="en-US" sz="1800" dirty="0">
-                <a:hlinkClick r:id="rId4"/>
-              </a:rPr>
-              <a:t>http://adambard.com/blog/clojure-reducers-for-mortals</a:t>
-            </a:r>
-            <a:r>
-              <a:rPr lang="en-US" sz="1800" dirty="0" smtClean="0">
-                <a:hlinkClick r:id="rId4"/>
-              </a:rPr>
-              <a:t>/</a:t>
-            </a:r>
-            <a:r>
-              <a:rPr lang="en-US" sz="1800" dirty="0" smtClean="0"/>
-              <a:t> </a:t>
-            </a:r>
-            <a:endParaRPr lang="en-US" sz="1800" dirty="0"/>
-          </a:p>
-          <a:p>
-            <a:pPr lvl="1"/>
-            <a:r>
-              <a:rPr lang="en-US" sz="1800" dirty="0">
-                <a:hlinkClick r:id="rId5"/>
-              </a:rPr>
-              <a:t>http://www.infoq.com/presentations/Clojure-</a:t>
-            </a:r>
-            <a:r>
-              <a:rPr lang="en-US" sz="1800" dirty="0" smtClean="0">
-                <a:hlinkClick r:id="rId5"/>
-              </a:rPr>
-              <a:t>Reducers</a:t>
-            </a:r>
-            <a:r>
-              <a:rPr lang="en-US" sz="1800" dirty="0" smtClean="0"/>
-              <a:t> </a:t>
-            </a:r>
-            <a:endParaRPr lang="en-US" sz="1800" dirty="0" smtClean="0"/>
-          </a:p>
-          <a:p>
-            <a:endParaRPr lang="en-US" dirty="0" smtClean="0">
-              <a:latin typeface="Arial"/>
-              <a:cs typeface="Arial"/>
-            </a:endParaRPr>
-          </a:p>
-        </p:txBody>
-      </p:sp>
-    </p:spTree>
-    <p:extLst>
-      <p:ext uri="{BB962C8B-B14F-4D97-AF65-F5344CB8AC3E}">
-        <p14:creationId xmlns:p14="http://schemas.microsoft.com/office/powerpoint/2010/main" val="1051364122"/>
       </p:ext>
     </p:extLst>
   </p:cSld>
@@ -31003,12 +30459,8 @@
           <a:lstStyle/>
           <a:p>
             <a:r>
-              <a:rPr lang="en-US" dirty="0" smtClean="0"/>
-              <a:t>Reducers: </a:t>
-            </a:r>
-            <a:r>
-              <a:rPr lang="ru-RU" dirty="0" smtClean="0"/>
-              <a:t>пример</a:t>
+              <a:rPr lang="en-US" dirty="0"/>
+              <a:t>Reducers</a:t>
             </a:r>
             <a:endParaRPr lang="en-US" sz="4000" dirty="0"/>
           </a:p>
@@ -31024,462 +30476,212 @@
             <p:ph idx="1"/>
           </p:nvPr>
         </p:nvSpPr>
-        <p:spPr/>
+        <p:spPr>
+          <a:xfrm>
+            <a:off x="914400" y="1447800"/>
+            <a:ext cx="7313613" cy="4699000"/>
+          </a:xfrm>
+        </p:spPr>
         <p:txBody>
           <a:bodyPr>
             <a:normAutofit/>
           </a:bodyPr>
           <a:lstStyle/>
           <a:p>
-            <a:pPr marL="0" indent="0">
-              <a:spcBef>
-                <a:spcPts val="200"/>
-              </a:spcBef>
-              <a:buNone/>
-            </a:pPr>
-            <a:r>
-              <a:rPr lang="en-US" dirty="0">
-                <a:solidFill>
-                  <a:srgbClr val="000000"/>
-                </a:solidFill>
-                <a:latin typeface="Consolas"/>
-                <a:ea typeface="Courier"/>
-                <a:cs typeface="Consolas"/>
-              </a:rPr>
-              <a:t>=&gt; (</a:t>
-            </a:r>
-            <a:r>
-              <a:rPr lang="en-US" dirty="0">
-                <a:solidFill>
-                  <a:srgbClr val="473D8B"/>
-                </a:solidFill>
-                <a:latin typeface="Consolas"/>
-                <a:ea typeface="Courier"/>
-                <a:cs typeface="Consolas"/>
-              </a:rPr>
-              <a:t>require</a:t>
-            </a:r>
-            <a:r>
-              <a:rPr lang="en-US" dirty="0">
-                <a:solidFill>
-                  <a:srgbClr val="000000"/>
-                </a:solidFill>
-                <a:latin typeface="Consolas"/>
-                <a:ea typeface="Courier"/>
-                <a:cs typeface="Consolas"/>
-              </a:rPr>
-              <a:t> '[</a:t>
-            </a:r>
-            <a:r>
-              <a:rPr lang="en-US" dirty="0" err="1">
-                <a:solidFill>
-                  <a:srgbClr val="000000"/>
-                </a:solidFill>
-                <a:latin typeface="Consolas"/>
-                <a:ea typeface="Courier"/>
-                <a:cs typeface="Consolas"/>
-              </a:rPr>
-              <a:t>clojure.core.reducers</a:t>
-            </a:r>
-            <a:r>
-              <a:rPr lang="en-US" dirty="0">
-                <a:solidFill>
-                  <a:srgbClr val="000000"/>
-                </a:solidFill>
-                <a:latin typeface="Consolas"/>
-                <a:ea typeface="Courier"/>
-                <a:cs typeface="Consolas"/>
-              </a:rPr>
-              <a:t> </a:t>
-            </a:r>
-            <a:r>
-              <a:rPr lang="en-US" dirty="0">
-                <a:solidFill>
-                  <a:srgbClr val="018B8B"/>
-                </a:solidFill>
-                <a:latin typeface="Consolas"/>
-                <a:ea typeface="Courier"/>
-                <a:cs typeface="Consolas"/>
-              </a:rPr>
-              <a:t>:as</a:t>
-            </a:r>
-            <a:r>
-              <a:rPr lang="en-US" dirty="0">
-                <a:solidFill>
-                  <a:srgbClr val="000000"/>
-                </a:solidFill>
-                <a:latin typeface="Consolas"/>
-                <a:ea typeface="Courier"/>
-                <a:cs typeface="Consolas"/>
-              </a:rPr>
-              <a:t> r])</a:t>
-            </a:r>
-          </a:p>
-          <a:p>
-            <a:pPr marL="0" indent="0">
-              <a:spcBef>
-                <a:spcPts val="200"/>
-              </a:spcBef>
-              <a:buNone/>
-            </a:pPr>
-            <a:r>
-              <a:rPr lang="en-US" dirty="0">
-                <a:solidFill>
-                  <a:srgbClr val="000000"/>
-                </a:solidFill>
-                <a:latin typeface="Consolas"/>
-                <a:ea typeface="Courier"/>
-                <a:cs typeface="Consolas"/>
-              </a:rPr>
-              <a:t>=&gt; (</a:t>
-            </a:r>
-            <a:r>
-              <a:rPr lang="en-US" dirty="0">
-                <a:solidFill>
-                  <a:srgbClr val="473D8B"/>
-                </a:solidFill>
-                <a:latin typeface="Consolas"/>
-                <a:ea typeface="Courier"/>
-                <a:cs typeface="Consolas"/>
-              </a:rPr>
-              <a:t>use</a:t>
-            </a:r>
-            <a:r>
-              <a:rPr lang="en-US" dirty="0">
-                <a:solidFill>
-                  <a:srgbClr val="000000"/>
-                </a:solidFill>
-                <a:latin typeface="Consolas"/>
-                <a:ea typeface="Courier"/>
-                <a:cs typeface="Consolas"/>
-              </a:rPr>
-              <a:t> '</a:t>
-            </a:r>
-            <a:r>
-              <a:rPr lang="en-US" dirty="0" err="1">
-                <a:solidFill>
-                  <a:srgbClr val="000000"/>
-                </a:solidFill>
-                <a:latin typeface="Consolas"/>
-                <a:ea typeface="Courier"/>
-                <a:cs typeface="Consolas"/>
-              </a:rPr>
-              <a:t>criterium.core</a:t>
-            </a:r>
-            <a:r>
-              <a:rPr lang="en-US" dirty="0">
-                <a:solidFill>
-                  <a:srgbClr val="000000"/>
-                </a:solidFill>
-                <a:latin typeface="Consolas"/>
-                <a:ea typeface="Courier"/>
-                <a:cs typeface="Consolas"/>
-              </a:rPr>
-              <a:t>)</a:t>
-            </a:r>
-          </a:p>
-          <a:p>
-            <a:pPr marL="0" indent="0">
-              <a:spcBef>
-                <a:spcPts val="200"/>
-              </a:spcBef>
-              <a:buNone/>
-            </a:pPr>
-            <a:endParaRPr lang="en-US" dirty="0">
-              <a:solidFill>
-                <a:srgbClr val="000000"/>
-              </a:solidFill>
-              <a:latin typeface="Consolas"/>
-              <a:ea typeface="Courier"/>
-              <a:cs typeface="Consolas"/>
-            </a:endParaRPr>
-          </a:p>
-          <a:p>
-            <a:pPr marL="0" indent="0">
-              <a:spcBef>
-                <a:spcPts val="200"/>
-              </a:spcBef>
-              <a:buNone/>
-            </a:pPr>
-            <a:r>
-              <a:rPr lang="en-US" dirty="0">
-                <a:solidFill>
-                  <a:srgbClr val="000000"/>
-                </a:solidFill>
-                <a:latin typeface="Consolas"/>
-                <a:ea typeface="Courier"/>
-                <a:cs typeface="Consolas"/>
-              </a:rPr>
-              <a:t>=&gt; (bench (</a:t>
-            </a:r>
-            <a:r>
-              <a:rPr lang="en-US" dirty="0">
-                <a:solidFill>
-                  <a:srgbClr val="473D8B"/>
-                </a:solidFill>
-                <a:latin typeface="Consolas"/>
-                <a:ea typeface="Courier"/>
-                <a:cs typeface="Consolas"/>
-              </a:rPr>
-              <a:t>reduce</a:t>
-            </a:r>
-            <a:r>
-              <a:rPr lang="en-US" dirty="0">
-                <a:solidFill>
-                  <a:srgbClr val="000000"/>
-                </a:solidFill>
-                <a:latin typeface="Consolas"/>
-                <a:ea typeface="Courier"/>
-                <a:cs typeface="Consolas"/>
-              </a:rPr>
-              <a:t> + (</a:t>
-            </a:r>
-            <a:r>
-              <a:rPr lang="en-US" dirty="0">
-                <a:solidFill>
-                  <a:srgbClr val="473D8B"/>
-                </a:solidFill>
-                <a:latin typeface="Consolas"/>
-                <a:ea typeface="Courier"/>
-                <a:cs typeface="Consolas"/>
-              </a:rPr>
-              <a:t>map</a:t>
-            </a:r>
-            <a:r>
-              <a:rPr lang="en-US" dirty="0">
-                <a:solidFill>
-                  <a:srgbClr val="000000"/>
-                </a:solidFill>
-                <a:latin typeface="Consolas"/>
-                <a:ea typeface="Courier"/>
-                <a:cs typeface="Consolas"/>
-              </a:rPr>
-              <a:t> </a:t>
-            </a:r>
-            <a:r>
-              <a:rPr lang="en-US" dirty="0" err="1">
-                <a:solidFill>
-                  <a:srgbClr val="000000"/>
-                </a:solidFill>
-                <a:latin typeface="Consolas"/>
-                <a:ea typeface="Courier"/>
-                <a:cs typeface="Consolas"/>
-              </a:rPr>
-              <a:t>inc</a:t>
-            </a:r>
-            <a:r>
-              <a:rPr lang="en-US" dirty="0">
-                <a:solidFill>
-                  <a:srgbClr val="000000"/>
-                </a:solidFill>
-                <a:latin typeface="Consolas"/>
-                <a:ea typeface="Courier"/>
-                <a:cs typeface="Consolas"/>
-              </a:rPr>
-              <a:t> v)))</a:t>
-            </a:r>
-          </a:p>
-          <a:p>
-            <a:pPr marL="0" indent="0">
-              <a:spcBef>
-                <a:spcPts val="200"/>
-              </a:spcBef>
-              <a:buNone/>
-            </a:pPr>
-            <a:r>
-              <a:rPr lang="en-US" dirty="0">
-                <a:solidFill>
-                  <a:srgbClr val="7F7F7F"/>
-                </a:solidFill>
-                <a:latin typeface="Consolas"/>
-                <a:ea typeface="Courier"/>
-                <a:cs typeface="Consolas"/>
-              </a:rPr>
-              <a:t>; Execution time mean : 7.793994 </a:t>
-            </a:r>
-            <a:r>
-              <a:rPr lang="en-US" dirty="0" err="1">
-                <a:solidFill>
-                  <a:srgbClr val="7F7F7F"/>
-                </a:solidFill>
-                <a:latin typeface="Consolas"/>
-                <a:ea typeface="Courier"/>
-                <a:cs typeface="Consolas"/>
-              </a:rPr>
-              <a:t>ms</a:t>
-            </a:r>
-            <a:endParaRPr lang="en-US" dirty="0">
-              <a:solidFill>
-                <a:srgbClr val="000000"/>
-              </a:solidFill>
-              <a:latin typeface="Consolas"/>
-              <a:ea typeface="Courier"/>
-              <a:cs typeface="Consolas"/>
-            </a:endParaRPr>
-          </a:p>
-          <a:p>
-            <a:pPr marL="0" indent="0">
-              <a:spcBef>
-                <a:spcPts val="200"/>
-              </a:spcBef>
-              <a:buNone/>
-            </a:pPr>
-            <a:r>
-              <a:rPr lang="en-US" dirty="0">
-                <a:solidFill>
-                  <a:srgbClr val="000000"/>
-                </a:solidFill>
-                <a:latin typeface="Consolas"/>
-                <a:ea typeface="Courier"/>
-                <a:cs typeface="Consolas"/>
-              </a:rPr>
-              <a:t>=&gt; (bench (r/reduce + (r/map </a:t>
-            </a:r>
-            <a:r>
-              <a:rPr lang="en-US" dirty="0" err="1">
-                <a:solidFill>
-                  <a:srgbClr val="000000"/>
-                </a:solidFill>
-                <a:latin typeface="Consolas"/>
-                <a:ea typeface="Courier"/>
-                <a:cs typeface="Consolas"/>
-              </a:rPr>
-              <a:t>inc</a:t>
-            </a:r>
-            <a:r>
-              <a:rPr lang="en-US" dirty="0">
-                <a:solidFill>
-                  <a:srgbClr val="000000"/>
-                </a:solidFill>
-                <a:latin typeface="Consolas"/>
-                <a:ea typeface="Courier"/>
-                <a:cs typeface="Consolas"/>
-              </a:rPr>
-              <a:t> v)))</a:t>
-            </a:r>
-          </a:p>
-          <a:p>
-            <a:pPr marL="0" indent="0">
-              <a:spcBef>
-                <a:spcPts val="200"/>
-              </a:spcBef>
-              <a:buNone/>
-            </a:pPr>
-            <a:r>
-              <a:rPr lang="en-US" dirty="0">
-                <a:solidFill>
-                  <a:srgbClr val="7F7F7F"/>
-                </a:solidFill>
-                <a:latin typeface="Consolas"/>
-                <a:ea typeface="Courier"/>
-                <a:cs typeface="Consolas"/>
-              </a:rPr>
-              <a:t>; Execution time mean : 5.604963 </a:t>
-            </a:r>
-            <a:r>
-              <a:rPr lang="en-US" dirty="0" err="1">
-                <a:solidFill>
-                  <a:srgbClr val="7F7F7F"/>
-                </a:solidFill>
-                <a:latin typeface="Consolas"/>
-                <a:ea typeface="Courier"/>
-                <a:cs typeface="Consolas"/>
-              </a:rPr>
-              <a:t>ms</a:t>
-            </a:r>
-            <a:endParaRPr lang="en-US" dirty="0">
-              <a:solidFill>
-                <a:srgbClr val="000000"/>
-              </a:solidFill>
-              <a:latin typeface="Consolas"/>
-              <a:ea typeface="Courier"/>
-              <a:cs typeface="Consolas"/>
-            </a:endParaRPr>
-          </a:p>
-          <a:p>
-            <a:pPr marL="0" indent="0">
-              <a:spcBef>
-                <a:spcPts val="200"/>
-              </a:spcBef>
-              <a:buNone/>
-            </a:pPr>
-            <a:r>
-              <a:rPr lang="en-US" dirty="0">
-                <a:solidFill>
-                  <a:srgbClr val="000000"/>
-                </a:solidFill>
-                <a:latin typeface="Consolas"/>
-                <a:ea typeface="Courier"/>
-                <a:cs typeface="Consolas"/>
-              </a:rPr>
-              <a:t>=&gt; (bench (r/fold + (r/map </a:t>
-            </a:r>
-            <a:r>
-              <a:rPr lang="en-US" dirty="0" err="1">
-                <a:solidFill>
-                  <a:srgbClr val="000000"/>
-                </a:solidFill>
-                <a:latin typeface="Consolas"/>
-                <a:ea typeface="Courier"/>
-                <a:cs typeface="Consolas"/>
-              </a:rPr>
-              <a:t>inc</a:t>
-            </a:r>
-            <a:r>
-              <a:rPr lang="en-US" dirty="0">
-                <a:solidFill>
-                  <a:srgbClr val="000000"/>
-                </a:solidFill>
-                <a:latin typeface="Consolas"/>
-                <a:ea typeface="Courier"/>
-                <a:cs typeface="Consolas"/>
-              </a:rPr>
-              <a:t> v)))</a:t>
-            </a:r>
-          </a:p>
-          <a:p>
-            <a:pPr marL="0" indent="0">
-              <a:spcBef>
-                <a:spcPts val="200"/>
-              </a:spcBef>
-              <a:buNone/>
-            </a:pPr>
-            <a:r>
-              <a:rPr lang="en-US" dirty="0">
-                <a:solidFill>
-                  <a:srgbClr val="7F7F7F"/>
-                </a:solidFill>
-                <a:latin typeface="Consolas"/>
-                <a:ea typeface="Courier"/>
-                <a:cs typeface="Consolas"/>
-              </a:rPr>
-              <a:t>; Execution time mean : 2.095184 </a:t>
-            </a:r>
-            <a:r>
-              <a:rPr lang="en-US" dirty="0" err="1">
-                <a:solidFill>
-                  <a:srgbClr val="7F7F7F"/>
-                </a:solidFill>
-                <a:latin typeface="Consolas"/>
-                <a:ea typeface="Courier"/>
-                <a:cs typeface="Consolas"/>
-              </a:rPr>
-              <a:t>ms</a:t>
-            </a:r>
-            <a:endParaRPr lang="en-US" dirty="0" smtClean="0">
+            <a:r>
+              <a:rPr lang="ru-RU" dirty="0" smtClean="0"/>
+              <a:t>Введены в Clojure 1.5</a:t>
+            </a:r>
+          </a:p>
+          <a:p>
+            <a:r>
+              <a:rPr lang="ru-RU" dirty="0" smtClean="0">
+                <a:latin typeface="Arial"/>
+                <a:cs typeface="Arial"/>
+              </a:rPr>
+              <a:t>Не создают промежуточных коллекций</a:t>
+            </a:r>
+          </a:p>
+          <a:p>
+            <a:r>
+              <a:rPr lang="ru-RU" dirty="0" smtClean="0"/>
+              <a:t>Используют </a:t>
+            </a:r>
+            <a:r>
+              <a:rPr lang="ru-RU" dirty="0" err="1" smtClean="0"/>
+              <a:t>fork</a:t>
+            </a:r>
+            <a:r>
+              <a:rPr lang="ru-RU" dirty="0" smtClean="0"/>
+              <a:t>/</a:t>
+            </a:r>
+            <a:r>
+              <a:rPr lang="ru-RU" dirty="0" err="1" smtClean="0"/>
+              <a:t>join</a:t>
+            </a:r>
+            <a:r>
+              <a:rPr lang="ru-RU" dirty="0" smtClean="0"/>
+              <a:t> при выполнении </a:t>
+            </a:r>
+            <a:r>
+              <a:rPr lang="ru-RU" dirty="0" err="1" smtClean="0">
+                <a:latin typeface="Consolas"/>
+                <a:cs typeface="Consolas"/>
+              </a:rPr>
+              <a:t>fold</a:t>
+            </a:r>
+            <a:endParaRPr lang="ru-RU" dirty="0" smtClean="0">
               <a:latin typeface="Consolas"/>
               <a:cs typeface="Consolas"/>
             </a:endParaRPr>
           </a:p>
           <a:p>
-            <a:pPr>
-              <a:spcBef>
-                <a:spcPts val="200"/>
-              </a:spcBef>
-            </a:pPr>
+            <a:r>
+              <a:rPr lang="ru-RU" dirty="0" smtClean="0">
+                <a:latin typeface="Arial"/>
+                <a:cs typeface="Arial"/>
+              </a:rPr>
+              <a:t>Свои версии функций </a:t>
+            </a:r>
+            <a:r>
+              <a:rPr lang="ru-RU" dirty="0" err="1">
+                <a:latin typeface="Consolas"/>
+                <a:cs typeface="Consolas"/>
+              </a:rPr>
+              <a:t>map</a:t>
+            </a:r>
+            <a:r>
+              <a:rPr lang="ru-RU" dirty="0" smtClean="0">
+                <a:latin typeface="Arial"/>
+                <a:cs typeface="Arial"/>
+              </a:rPr>
+              <a:t>, </a:t>
+            </a:r>
+            <a:r>
+              <a:rPr lang="ru-RU" dirty="0" err="1" smtClean="0">
+                <a:latin typeface="Consolas"/>
+                <a:cs typeface="Consolas"/>
+              </a:rPr>
+              <a:t>fold</a:t>
+            </a:r>
+            <a:r>
+              <a:rPr lang="ru-RU" dirty="0" smtClean="0">
+                <a:latin typeface="Arial"/>
+                <a:cs typeface="Arial"/>
+              </a:rPr>
+              <a:t>, </a:t>
+            </a:r>
+            <a:r>
+              <a:rPr lang="ru-RU" dirty="0" err="1" smtClean="0">
+                <a:latin typeface="Consolas"/>
+                <a:cs typeface="Consolas"/>
+              </a:rPr>
+              <a:t>filter</a:t>
+            </a:r>
+            <a:r>
+              <a:rPr lang="ru-RU" dirty="0" smtClean="0">
+                <a:latin typeface="Arial"/>
+                <a:cs typeface="Arial"/>
+              </a:rPr>
+              <a:t>, </a:t>
+            </a:r>
+            <a:r>
+              <a:rPr lang="ru-RU" dirty="0" smtClean="0"/>
+              <a:t>и т.п.</a:t>
+            </a:r>
+          </a:p>
+          <a:p>
+            <a:r>
+              <a:rPr lang="ru-RU" dirty="0" smtClean="0">
+                <a:latin typeface="Arial"/>
+                <a:cs typeface="Arial"/>
+              </a:rPr>
+              <a:t>Ресурсы:</a:t>
+            </a:r>
+          </a:p>
+          <a:p>
+            <a:pPr lvl="1"/>
+            <a:r>
+              <a:rPr lang="en-US" sz="1800" dirty="0">
+                <a:hlinkClick r:id="rId2"/>
+              </a:rPr>
+              <a:t>http://clojure.com/blog/2012/05/08/reducers-a-library-and-model-for-collection-</a:t>
+            </a:r>
+            <a:r>
+              <a:rPr lang="en-US" sz="1800" dirty="0" smtClean="0">
+                <a:hlinkClick r:id="rId2"/>
+              </a:rPr>
+              <a:t>processing.html</a:t>
+            </a:r>
+            <a:r>
+              <a:rPr lang="en-US" sz="1800" dirty="0" smtClean="0"/>
+              <a:t> </a:t>
+            </a:r>
+            <a:endParaRPr lang="en-US" sz="1800" dirty="0"/>
+          </a:p>
+          <a:p>
+            <a:pPr lvl="1"/>
+            <a:r>
+              <a:rPr lang="en-US" sz="1800" dirty="0">
+                <a:hlinkClick r:id="rId3"/>
+              </a:rPr>
+              <a:t>http://clojure.com/blog/2012/05/15/anatomy-of-</a:t>
+            </a:r>
+            <a:r>
+              <a:rPr lang="en-US" sz="1800" dirty="0" smtClean="0">
+                <a:hlinkClick r:id="rId3"/>
+              </a:rPr>
+              <a:t>reducer.html</a:t>
+            </a:r>
+            <a:r>
+              <a:rPr lang="en-US" sz="1800" dirty="0" smtClean="0"/>
+              <a:t> </a:t>
+            </a:r>
+            <a:endParaRPr lang="en-US" sz="1800" dirty="0"/>
+          </a:p>
+          <a:p>
+            <a:pPr lvl="1"/>
+            <a:r>
+              <a:rPr lang="en-US" sz="1800" dirty="0">
+                <a:hlinkClick r:id="rId4"/>
+              </a:rPr>
+              <a:t>http://adambard.com/blog/clojure-reducers-for-mortals</a:t>
+            </a:r>
+            <a:r>
+              <a:rPr lang="en-US" sz="1800" dirty="0" smtClean="0">
+                <a:hlinkClick r:id="rId4"/>
+              </a:rPr>
+              <a:t>/</a:t>
+            </a:r>
+            <a:r>
+              <a:rPr lang="en-US" sz="1800" dirty="0" smtClean="0"/>
+              <a:t> </a:t>
+            </a:r>
+            <a:endParaRPr lang="en-US" sz="1800" dirty="0"/>
+          </a:p>
+          <a:p>
+            <a:pPr lvl="1"/>
+            <a:r>
+              <a:rPr lang="en-US" sz="1800" dirty="0">
+                <a:hlinkClick r:id="rId5"/>
+              </a:rPr>
+              <a:t>http://www.infoq.com/presentations/Clojure-</a:t>
+            </a:r>
+            <a:r>
+              <a:rPr lang="en-US" sz="1800" dirty="0" smtClean="0">
+                <a:hlinkClick r:id="rId5"/>
+              </a:rPr>
+              <a:t>Reducers</a:t>
+            </a:r>
+            <a:r>
+              <a:rPr lang="en-US" sz="1800" dirty="0" smtClean="0"/>
+              <a:t> </a:t>
+            </a:r>
+          </a:p>
+          <a:p>
             <a:endParaRPr lang="en-US" dirty="0" smtClean="0">
-              <a:latin typeface="Consolas"/>
-              <a:cs typeface="Consolas"/>
+              <a:latin typeface="Arial"/>
+              <a:cs typeface="Arial"/>
             </a:endParaRPr>
           </a:p>
         </p:txBody>
@@ -31487,7 +30689,7 @@
     </p:spTree>
     <p:extLst>
       <p:ext uri="{BB962C8B-B14F-4D97-AF65-F5344CB8AC3E}">
-        <p14:creationId xmlns:p14="http://schemas.microsoft.com/office/powerpoint/2010/main" val="4270543041"/>
+        <p14:creationId xmlns:p14="http://schemas.microsoft.com/office/powerpoint/2010/main" val="1051364122"/>
       </p:ext>
     </p:extLst>
   </p:cSld>
@@ -31610,16 +30812,14 @@
           <a:lstStyle/>
           <a:p>
             <a:r>
-              <a:rPr lang="en-US" sz="4000" dirty="0" err="1" smtClean="0">
-                <a:latin typeface="Arial"/>
-                <a:cs typeface="Arial"/>
-              </a:rPr>
-              <a:t>core.async</a:t>
-            </a:r>
-            <a:endParaRPr lang="en-US" sz="4000" dirty="0">
-              <a:latin typeface="Arial"/>
-              <a:cs typeface="Arial"/>
-            </a:endParaRPr>
+              <a:rPr lang="en-US" dirty="0" smtClean="0"/>
+              <a:t>Reducers: </a:t>
+            </a:r>
+            <a:r>
+              <a:rPr lang="ru-RU" dirty="0" smtClean="0"/>
+              <a:t>пример</a:t>
+            </a:r>
+            <a:endParaRPr lang="en-US" sz="4000" dirty="0"/>
           </a:p>
         </p:txBody>
       </p:sp>
@@ -31633,144 +30833,462 @@
             <p:ph idx="1"/>
           </p:nvPr>
         </p:nvSpPr>
-        <p:spPr>
-          <a:xfrm>
-            <a:off x="914400" y="1735137"/>
-            <a:ext cx="7313613" cy="4403195"/>
-          </a:xfrm>
-        </p:spPr>
+        <p:spPr/>
         <p:txBody>
           <a:bodyPr>
-            <a:normAutofit fontScale="92500" lnSpcReduction="10000"/>
+            <a:normAutofit/>
           </a:bodyPr>
           <a:lstStyle/>
           <a:p>
-            <a:r>
-              <a:rPr lang="ru-RU" dirty="0" smtClean="0"/>
-              <a:t>Асинхронное программирование с помощью каналов</a:t>
-            </a:r>
-          </a:p>
-          <a:p>
-            <a:r>
-              <a:rPr lang="ru-RU" dirty="0" smtClean="0"/>
-              <a:t>Подобно </a:t>
-            </a:r>
-            <a:r>
-              <a:rPr lang="ru-RU" dirty="0" err="1" smtClean="0"/>
-              <a:t>goroutines</a:t>
-            </a:r>
-            <a:r>
-              <a:rPr lang="ru-RU" dirty="0" smtClean="0"/>
-              <a:t> в </a:t>
-            </a:r>
-            <a:r>
-              <a:rPr lang="ru-RU" dirty="0" err="1" smtClean="0"/>
-              <a:t>Go</a:t>
-            </a:r>
-            <a:endParaRPr lang="ru-RU" dirty="0" smtClean="0"/>
-          </a:p>
-          <a:p>
-            <a:r>
-              <a:rPr lang="ru-RU" dirty="0" smtClean="0">
-                <a:latin typeface="Arial"/>
-                <a:cs typeface="Arial"/>
-              </a:rPr>
-              <a:t>Поддерживает Clojure &amp; </a:t>
-            </a:r>
-            <a:r>
-              <a:rPr lang="ru-RU" dirty="0" err="1" smtClean="0">
-                <a:latin typeface="Arial"/>
-                <a:cs typeface="Arial"/>
-              </a:rPr>
-              <a:t>ClojureScript</a:t>
-            </a:r>
-            <a:endParaRPr lang="ru-RU" dirty="0" smtClean="0">
-              <a:latin typeface="Arial"/>
-              <a:cs typeface="Arial"/>
+            <a:pPr marL="0" indent="0">
+              <a:spcBef>
+                <a:spcPts val="200"/>
+              </a:spcBef>
+              <a:buNone/>
+            </a:pPr>
+            <a:r>
+              <a:rPr lang="en-US" dirty="0">
+                <a:solidFill>
+                  <a:srgbClr val="000000"/>
+                </a:solidFill>
+                <a:latin typeface="Consolas"/>
+                <a:ea typeface="Courier"/>
+                <a:cs typeface="Consolas"/>
+              </a:rPr>
+              <a:t>=&gt; (</a:t>
+            </a:r>
+            <a:r>
+              <a:rPr lang="en-US" dirty="0">
+                <a:solidFill>
+                  <a:srgbClr val="473D8B"/>
+                </a:solidFill>
+                <a:latin typeface="Consolas"/>
+                <a:ea typeface="Courier"/>
+                <a:cs typeface="Consolas"/>
+              </a:rPr>
+              <a:t>require</a:t>
+            </a:r>
+            <a:r>
+              <a:rPr lang="en-US" dirty="0">
+                <a:solidFill>
+                  <a:srgbClr val="000000"/>
+                </a:solidFill>
+                <a:latin typeface="Consolas"/>
+                <a:ea typeface="Courier"/>
+                <a:cs typeface="Consolas"/>
+              </a:rPr>
+              <a:t> '[</a:t>
+            </a:r>
+            <a:r>
+              <a:rPr lang="en-US" dirty="0" err="1">
+                <a:solidFill>
+                  <a:srgbClr val="000000"/>
+                </a:solidFill>
+                <a:latin typeface="Consolas"/>
+                <a:ea typeface="Courier"/>
+                <a:cs typeface="Consolas"/>
+              </a:rPr>
+              <a:t>clojure.core.reducers</a:t>
+            </a:r>
+            <a:r>
+              <a:rPr lang="en-US" dirty="0">
+                <a:solidFill>
+                  <a:srgbClr val="000000"/>
+                </a:solidFill>
+                <a:latin typeface="Consolas"/>
+                <a:ea typeface="Courier"/>
+                <a:cs typeface="Consolas"/>
+              </a:rPr>
+              <a:t> </a:t>
+            </a:r>
+            <a:r>
+              <a:rPr lang="en-US" dirty="0">
+                <a:solidFill>
+                  <a:srgbClr val="018B8B"/>
+                </a:solidFill>
+                <a:latin typeface="Consolas"/>
+                <a:ea typeface="Courier"/>
+                <a:cs typeface="Consolas"/>
+              </a:rPr>
+              <a:t>:as</a:t>
+            </a:r>
+            <a:r>
+              <a:rPr lang="en-US" dirty="0">
+                <a:solidFill>
+                  <a:srgbClr val="000000"/>
+                </a:solidFill>
+                <a:latin typeface="Consolas"/>
+                <a:ea typeface="Courier"/>
+                <a:cs typeface="Consolas"/>
+              </a:rPr>
+              <a:t> r])</a:t>
+            </a:r>
+          </a:p>
+          <a:p>
+            <a:pPr marL="0" indent="0">
+              <a:spcBef>
+                <a:spcPts val="200"/>
+              </a:spcBef>
+              <a:buNone/>
+            </a:pPr>
+            <a:r>
+              <a:rPr lang="en-US" dirty="0">
+                <a:solidFill>
+                  <a:srgbClr val="000000"/>
+                </a:solidFill>
+                <a:latin typeface="Consolas"/>
+                <a:ea typeface="Courier"/>
+                <a:cs typeface="Consolas"/>
+              </a:rPr>
+              <a:t>=&gt; (</a:t>
+            </a:r>
+            <a:r>
+              <a:rPr lang="en-US" dirty="0">
+                <a:solidFill>
+                  <a:srgbClr val="473D8B"/>
+                </a:solidFill>
+                <a:latin typeface="Consolas"/>
+                <a:ea typeface="Courier"/>
+                <a:cs typeface="Consolas"/>
+              </a:rPr>
+              <a:t>use</a:t>
+            </a:r>
+            <a:r>
+              <a:rPr lang="en-US" dirty="0">
+                <a:solidFill>
+                  <a:srgbClr val="000000"/>
+                </a:solidFill>
+                <a:latin typeface="Consolas"/>
+                <a:ea typeface="Courier"/>
+                <a:cs typeface="Consolas"/>
+              </a:rPr>
+              <a:t> '</a:t>
+            </a:r>
+            <a:r>
+              <a:rPr lang="en-US" dirty="0" err="1">
+                <a:solidFill>
+                  <a:srgbClr val="000000"/>
+                </a:solidFill>
+                <a:latin typeface="Consolas"/>
+                <a:ea typeface="Courier"/>
+                <a:cs typeface="Consolas"/>
+              </a:rPr>
+              <a:t>criterium.core</a:t>
+            </a:r>
+            <a:r>
+              <a:rPr lang="en-US" dirty="0">
+                <a:solidFill>
+                  <a:srgbClr val="000000"/>
+                </a:solidFill>
+                <a:latin typeface="Consolas"/>
+                <a:ea typeface="Courier"/>
+                <a:cs typeface="Consolas"/>
+              </a:rPr>
+              <a:t>)</a:t>
+            </a:r>
+          </a:p>
+          <a:p>
+            <a:pPr marL="0" indent="0">
+              <a:spcBef>
+                <a:spcPts val="200"/>
+              </a:spcBef>
+              <a:buNone/>
+            </a:pPr>
+            <a:endParaRPr lang="en-US" dirty="0">
+              <a:solidFill>
+                <a:srgbClr val="000000"/>
+              </a:solidFill>
+              <a:latin typeface="Consolas"/>
+              <a:ea typeface="Courier"/>
+              <a:cs typeface="Consolas"/>
             </a:endParaRPr>
           </a:p>
           <a:p>
-            <a:r>
-              <a:rPr lang="ru-RU" dirty="0" smtClean="0"/>
-              <a:t>Ресурсы:</a:t>
-            </a:r>
-          </a:p>
-          <a:p>
-            <a:pPr lvl="1"/>
-            <a:r>
-              <a:rPr lang="en-US" sz="1500" u="sng" dirty="0">
-                <a:hlinkClick r:id="rId2"/>
-              </a:rPr>
-              <a:t>http://clojure.com/blog/2013/06/28/clojure-core-async-channels.html</a:t>
-            </a:r>
-          </a:p>
-          <a:p>
-            <a:pPr lvl="1"/>
-            <a:r>
-              <a:rPr lang="en-US" sz="1500" u="sng" dirty="0">
-                <a:hlinkClick r:id="rId3"/>
-              </a:rPr>
-              <a:t>http://stuartsierra.com/2013/12/08/parallel-processing-with-core-async</a:t>
-            </a:r>
-          </a:p>
-          <a:p>
-            <a:pPr lvl="1"/>
-            <a:r>
-              <a:rPr lang="en-US" sz="1500" u="sng" dirty="0">
-                <a:hlinkClick r:id="rId4"/>
-              </a:rPr>
-              <a:t>http://swannodette.github.io/2013/07/12/communicating-sequential-processes</a:t>
-            </a:r>
-            <a:r>
-              <a:rPr lang="en-US" sz="1500" u="sng" dirty="0" smtClean="0">
-                <a:hlinkClick r:id="rId4"/>
-              </a:rPr>
-              <a:t>/</a:t>
-            </a:r>
-            <a:endParaRPr lang="en-US" sz="1500" u="sng" dirty="0" smtClean="0"/>
-          </a:p>
-          <a:p>
-            <a:pPr lvl="1"/>
-            <a:r>
-              <a:rPr lang="en-US" sz="1500" u="sng" dirty="0">
-                <a:hlinkClick r:id="rId5"/>
-              </a:rPr>
-              <a:t>http://blog.drewolson.org/blog/2013/07/04/clojure-core-dot-async-and-go-a-code-comparison/</a:t>
-            </a:r>
-          </a:p>
-          <a:p>
-            <a:pPr lvl="1"/>
-            <a:r>
-              <a:rPr lang="en-US" sz="1500" u="sng" dirty="0">
-                <a:hlinkClick r:id="rId6"/>
-              </a:rPr>
-              <a:t>http://www.leonardoborges.com/writings/2013/07/06/clojure-core-dot-async-lisp-advantage/</a:t>
-            </a:r>
-            <a:endParaRPr lang="en-US" sz="1500" u="sng" dirty="0" smtClean="0"/>
-          </a:p>
-          <a:p>
-            <a:pPr lvl="1"/>
-            <a:r>
-              <a:rPr lang="en-US" sz="1500" u="sng" dirty="0">
-                <a:hlinkClick r:id="rId7"/>
-              </a:rPr>
-              <a:t>http://www.infoq.com/presentations/clojure-core-async</a:t>
-            </a:r>
-          </a:p>
-          <a:p>
-            <a:pPr lvl="1"/>
-            <a:r>
-              <a:rPr lang="en-US" sz="1500" u="sng" dirty="0">
-                <a:hlinkClick r:id="rId8"/>
-              </a:rPr>
-              <a:t>http://www.infoq.com/presentations/core-async-clojure</a:t>
-            </a:r>
-            <a:endParaRPr lang="en-US" sz="1500" dirty="0" smtClean="0"/>
-          </a:p>
-          <a:p>
+            <a:pPr marL="0" indent="0">
+              <a:spcBef>
+                <a:spcPts val="200"/>
+              </a:spcBef>
+              <a:buNone/>
+            </a:pPr>
+            <a:r>
+              <a:rPr lang="en-US" dirty="0">
+                <a:solidFill>
+                  <a:srgbClr val="000000"/>
+                </a:solidFill>
+                <a:latin typeface="Consolas"/>
+                <a:ea typeface="Courier"/>
+                <a:cs typeface="Consolas"/>
+              </a:rPr>
+              <a:t>=&gt; (bench (</a:t>
+            </a:r>
+            <a:r>
+              <a:rPr lang="en-US" dirty="0">
+                <a:solidFill>
+                  <a:srgbClr val="473D8B"/>
+                </a:solidFill>
+                <a:latin typeface="Consolas"/>
+                <a:ea typeface="Courier"/>
+                <a:cs typeface="Consolas"/>
+              </a:rPr>
+              <a:t>reduce</a:t>
+            </a:r>
+            <a:r>
+              <a:rPr lang="en-US" dirty="0">
+                <a:solidFill>
+                  <a:srgbClr val="000000"/>
+                </a:solidFill>
+                <a:latin typeface="Consolas"/>
+                <a:ea typeface="Courier"/>
+                <a:cs typeface="Consolas"/>
+              </a:rPr>
+              <a:t> + (</a:t>
+            </a:r>
+            <a:r>
+              <a:rPr lang="en-US" dirty="0">
+                <a:solidFill>
+                  <a:srgbClr val="473D8B"/>
+                </a:solidFill>
+                <a:latin typeface="Consolas"/>
+                <a:ea typeface="Courier"/>
+                <a:cs typeface="Consolas"/>
+              </a:rPr>
+              <a:t>map</a:t>
+            </a:r>
+            <a:r>
+              <a:rPr lang="en-US" dirty="0">
+                <a:solidFill>
+                  <a:srgbClr val="000000"/>
+                </a:solidFill>
+                <a:latin typeface="Consolas"/>
+                <a:ea typeface="Courier"/>
+                <a:cs typeface="Consolas"/>
+              </a:rPr>
+              <a:t> </a:t>
+            </a:r>
+            <a:r>
+              <a:rPr lang="en-US" dirty="0" err="1">
+                <a:solidFill>
+                  <a:srgbClr val="000000"/>
+                </a:solidFill>
+                <a:latin typeface="Consolas"/>
+                <a:ea typeface="Courier"/>
+                <a:cs typeface="Consolas"/>
+              </a:rPr>
+              <a:t>inc</a:t>
+            </a:r>
+            <a:r>
+              <a:rPr lang="en-US" dirty="0">
+                <a:solidFill>
+                  <a:srgbClr val="000000"/>
+                </a:solidFill>
+                <a:latin typeface="Consolas"/>
+                <a:ea typeface="Courier"/>
+                <a:cs typeface="Consolas"/>
+              </a:rPr>
+              <a:t> v)))</a:t>
+            </a:r>
+          </a:p>
+          <a:p>
+            <a:pPr marL="0" indent="0">
+              <a:spcBef>
+                <a:spcPts val="200"/>
+              </a:spcBef>
+              <a:buNone/>
+            </a:pPr>
+            <a:r>
+              <a:rPr lang="en-US" dirty="0">
+                <a:solidFill>
+                  <a:srgbClr val="7F7F7F"/>
+                </a:solidFill>
+                <a:latin typeface="Consolas"/>
+                <a:ea typeface="Courier"/>
+                <a:cs typeface="Consolas"/>
+              </a:rPr>
+              <a:t>; Execution time mean : 7.793994 </a:t>
+            </a:r>
+            <a:r>
+              <a:rPr lang="en-US" dirty="0" err="1">
+                <a:solidFill>
+                  <a:srgbClr val="7F7F7F"/>
+                </a:solidFill>
+                <a:latin typeface="Consolas"/>
+                <a:ea typeface="Courier"/>
+                <a:cs typeface="Consolas"/>
+              </a:rPr>
+              <a:t>ms</a:t>
+            </a:r>
+            <a:endParaRPr lang="en-US" dirty="0">
+              <a:solidFill>
+                <a:srgbClr val="000000"/>
+              </a:solidFill>
+              <a:latin typeface="Consolas"/>
+              <a:ea typeface="Courier"/>
+              <a:cs typeface="Consolas"/>
+            </a:endParaRPr>
+          </a:p>
+          <a:p>
+            <a:pPr marL="0" indent="0">
+              <a:spcBef>
+                <a:spcPts val="200"/>
+              </a:spcBef>
+              <a:buNone/>
+            </a:pPr>
+            <a:r>
+              <a:rPr lang="en-US" dirty="0">
+                <a:solidFill>
+                  <a:srgbClr val="000000"/>
+                </a:solidFill>
+                <a:latin typeface="Consolas"/>
+                <a:ea typeface="Courier"/>
+                <a:cs typeface="Consolas"/>
+              </a:rPr>
+              <a:t>=&gt; (bench (r/reduce + (r/map </a:t>
+            </a:r>
+            <a:r>
+              <a:rPr lang="en-US" dirty="0" err="1">
+                <a:solidFill>
+                  <a:srgbClr val="000000"/>
+                </a:solidFill>
+                <a:latin typeface="Consolas"/>
+                <a:ea typeface="Courier"/>
+                <a:cs typeface="Consolas"/>
+              </a:rPr>
+              <a:t>inc</a:t>
+            </a:r>
+            <a:r>
+              <a:rPr lang="en-US" dirty="0">
+                <a:solidFill>
+                  <a:srgbClr val="000000"/>
+                </a:solidFill>
+                <a:latin typeface="Consolas"/>
+                <a:ea typeface="Courier"/>
+                <a:cs typeface="Consolas"/>
+              </a:rPr>
+              <a:t> v)))</a:t>
+            </a:r>
+          </a:p>
+          <a:p>
+            <a:pPr marL="0" indent="0">
+              <a:spcBef>
+                <a:spcPts val="200"/>
+              </a:spcBef>
+              <a:buNone/>
+            </a:pPr>
+            <a:r>
+              <a:rPr lang="en-US" dirty="0">
+                <a:solidFill>
+                  <a:srgbClr val="7F7F7F"/>
+                </a:solidFill>
+                <a:latin typeface="Consolas"/>
+                <a:ea typeface="Courier"/>
+                <a:cs typeface="Consolas"/>
+              </a:rPr>
+              <a:t>; Execution time mean : 5.604963 </a:t>
+            </a:r>
+            <a:r>
+              <a:rPr lang="en-US" dirty="0" err="1">
+                <a:solidFill>
+                  <a:srgbClr val="7F7F7F"/>
+                </a:solidFill>
+                <a:latin typeface="Consolas"/>
+                <a:ea typeface="Courier"/>
+                <a:cs typeface="Consolas"/>
+              </a:rPr>
+              <a:t>ms</a:t>
+            </a:r>
+            <a:endParaRPr lang="en-US" dirty="0">
+              <a:solidFill>
+                <a:srgbClr val="000000"/>
+              </a:solidFill>
+              <a:latin typeface="Consolas"/>
+              <a:ea typeface="Courier"/>
+              <a:cs typeface="Consolas"/>
+            </a:endParaRPr>
+          </a:p>
+          <a:p>
+            <a:pPr marL="0" indent="0">
+              <a:spcBef>
+                <a:spcPts val="200"/>
+              </a:spcBef>
+              <a:buNone/>
+            </a:pPr>
+            <a:r>
+              <a:rPr lang="en-US" dirty="0">
+                <a:solidFill>
+                  <a:srgbClr val="000000"/>
+                </a:solidFill>
+                <a:latin typeface="Consolas"/>
+                <a:ea typeface="Courier"/>
+                <a:cs typeface="Consolas"/>
+              </a:rPr>
+              <a:t>=&gt; (bench (r/fold + (r/map </a:t>
+            </a:r>
+            <a:r>
+              <a:rPr lang="en-US" dirty="0" err="1">
+                <a:solidFill>
+                  <a:srgbClr val="000000"/>
+                </a:solidFill>
+                <a:latin typeface="Consolas"/>
+                <a:ea typeface="Courier"/>
+                <a:cs typeface="Consolas"/>
+              </a:rPr>
+              <a:t>inc</a:t>
+            </a:r>
+            <a:r>
+              <a:rPr lang="en-US" dirty="0">
+                <a:solidFill>
+                  <a:srgbClr val="000000"/>
+                </a:solidFill>
+                <a:latin typeface="Consolas"/>
+                <a:ea typeface="Courier"/>
+                <a:cs typeface="Consolas"/>
+              </a:rPr>
+              <a:t> v)))</a:t>
+            </a:r>
+          </a:p>
+          <a:p>
+            <a:pPr marL="0" indent="0">
+              <a:spcBef>
+                <a:spcPts val="200"/>
+              </a:spcBef>
+              <a:buNone/>
+            </a:pPr>
+            <a:r>
+              <a:rPr lang="en-US" dirty="0">
+                <a:solidFill>
+                  <a:srgbClr val="7F7F7F"/>
+                </a:solidFill>
+                <a:latin typeface="Consolas"/>
+                <a:ea typeface="Courier"/>
+                <a:cs typeface="Consolas"/>
+              </a:rPr>
+              <a:t>; Execution time mean : 2.095184 </a:t>
+            </a:r>
+            <a:r>
+              <a:rPr lang="en-US" dirty="0" err="1">
+                <a:solidFill>
+                  <a:srgbClr val="7F7F7F"/>
+                </a:solidFill>
+                <a:latin typeface="Consolas"/>
+                <a:ea typeface="Courier"/>
+                <a:cs typeface="Consolas"/>
+              </a:rPr>
+              <a:t>ms</a:t>
+            </a:r>
             <a:endParaRPr lang="en-US" dirty="0" smtClean="0">
-              <a:latin typeface="Arial"/>
-              <a:cs typeface="Arial"/>
+              <a:latin typeface="Consolas"/>
+              <a:cs typeface="Consolas"/>
+            </a:endParaRPr>
+          </a:p>
+          <a:p>
+            <a:pPr>
+              <a:spcBef>
+                <a:spcPts val="200"/>
+              </a:spcBef>
+            </a:pPr>
+            <a:endParaRPr lang="en-US" dirty="0" smtClean="0">
+              <a:latin typeface="Consolas"/>
+              <a:cs typeface="Consolas"/>
             </a:endParaRPr>
           </a:p>
         </p:txBody>
@@ -31778,7 +31296,7 @@
     </p:spTree>
     <p:extLst>
       <p:ext uri="{BB962C8B-B14F-4D97-AF65-F5344CB8AC3E}">
-        <p14:creationId xmlns:p14="http://schemas.microsoft.com/office/powerpoint/2010/main" val="2978892161"/>
+        <p14:creationId xmlns:p14="http://schemas.microsoft.com/office/powerpoint/2010/main" val="4270543041"/>
       </p:ext>
     </p:extLst>
   </p:cSld>
@@ -31825,7 +31343,7 @@
                 <a:latin typeface="Arial"/>
                 <a:cs typeface="Arial"/>
               </a:rPr>
-              <a:t>Avout</a:t>
+              <a:t>core.async</a:t>
             </a:r>
             <a:endParaRPr lang="en-US" sz="4000" dirty="0">
               <a:latin typeface="Arial"/>
@@ -31846,27 +31364,37 @@
         </p:nvSpPr>
         <p:spPr>
           <a:xfrm>
-            <a:off x="914400" y="1498600"/>
-            <a:ext cx="7313613" cy="4292600"/>
+            <a:off x="914400" y="1735137"/>
+            <a:ext cx="7313613" cy="4403195"/>
           </a:xfrm>
         </p:spPr>
         <p:txBody>
-          <a:bodyPr/>
+          <a:bodyPr>
+            <a:normAutofit fontScale="92500" lnSpcReduction="10000"/>
+          </a:bodyPr>
           <a:lstStyle/>
           <a:p>
             <a:r>
               <a:rPr lang="ru-RU" dirty="0" smtClean="0"/>
-              <a:t>Атомы и ссылки в распределенной среде</a:t>
+              <a:t>Асинхронное программирование с помощью каналов</a:t>
             </a:r>
           </a:p>
           <a:p>
             <a:r>
               <a:rPr lang="ru-RU" dirty="0" smtClean="0"/>
-              <a:t>Координация через </a:t>
+              <a:t>Подобно </a:t>
             </a:r>
             <a:r>
               <a:rPr lang="ru-RU" dirty="0" err="1" smtClean="0"/>
-              <a:t>ZooKeeper</a:t>
+              <a:t>goroutines</a:t>
+            </a:r>
+            <a:r>
+              <a:rPr lang="ru-RU" dirty="0" smtClean="0"/>
+              <a:t> в </a:t>
+            </a:r>
+            <a:r>
+              <a:rPr lang="ru-RU" dirty="0" err="1" smtClean="0"/>
+              <a:t>Go</a:t>
             </a:r>
             <a:endParaRPr lang="ru-RU" dirty="0" smtClean="0"/>
           </a:p>
@@ -31876,162 +31404,97 @@
                 <a:latin typeface="Arial"/>
                 <a:cs typeface="Arial"/>
               </a:rPr>
-              <a:t>Разные </a:t>
+              <a:t>Поддерживает Clojure &amp; </a:t>
             </a:r>
             <a:r>
               <a:rPr lang="ru-RU" dirty="0" err="1" smtClean="0">
                 <a:latin typeface="Arial"/>
                 <a:cs typeface="Arial"/>
               </a:rPr>
-              <a:t>backends</a:t>
-            </a:r>
-            <a:r>
-              <a:rPr lang="ru-RU" dirty="0" smtClean="0">
-                <a:latin typeface="Arial"/>
-                <a:cs typeface="Arial"/>
-              </a:rPr>
-              <a:t> для хранения состояния – </a:t>
-            </a:r>
-            <a:r>
-              <a:rPr lang="ru-RU" dirty="0" err="1" smtClean="0">
-                <a:latin typeface="Arial"/>
-                <a:cs typeface="Arial"/>
-              </a:rPr>
-              <a:t>MongoDB</a:t>
-            </a:r>
-            <a:r>
-              <a:rPr lang="ru-RU" dirty="0" smtClean="0">
-                <a:latin typeface="Arial"/>
-                <a:cs typeface="Arial"/>
-              </a:rPr>
-              <a:t>, </a:t>
-            </a:r>
-            <a:r>
-              <a:rPr lang="ru-RU" dirty="0" err="1" smtClean="0">
-                <a:latin typeface="Arial"/>
-                <a:cs typeface="Arial"/>
-              </a:rPr>
-              <a:t>SimpleDB</a:t>
-            </a:r>
-            <a:r>
-              <a:rPr lang="ru-RU" dirty="0" smtClean="0">
-                <a:latin typeface="Arial"/>
-                <a:cs typeface="Arial"/>
-              </a:rPr>
-              <a:t>, плюс возможность расширения</a:t>
-            </a:r>
-          </a:p>
-          <a:p>
-            <a:r>
-              <a:rPr lang="ru-RU" dirty="0" smtClean="0"/>
-              <a:t>Можно использовать стандартные функции – </a:t>
-            </a:r>
-            <a:r>
-              <a:rPr lang="ru-RU" dirty="0" err="1" smtClean="0"/>
-              <a:t>deref</a:t>
-            </a:r>
-            <a:r>
-              <a:rPr lang="ru-RU" dirty="0" smtClean="0"/>
-              <a:t>, наблюдатели, </a:t>
-            </a:r>
-            <a:r>
-              <a:rPr lang="ru-RU" dirty="0" err="1" smtClean="0"/>
-              <a:t>валидаторы</a:t>
-            </a:r>
-            <a:endParaRPr lang="ru-RU" dirty="0" smtClean="0"/>
-          </a:p>
-          <a:p>
-            <a:r>
-              <a:rPr lang="ru-RU" dirty="0" smtClean="0">
-                <a:latin typeface="Arial"/>
-                <a:cs typeface="Arial"/>
-              </a:rPr>
-              <a:t>Собственная версия функций для изменения состояния: </a:t>
-            </a:r>
-            <a:r>
-              <a:rPr lang="ru-RU" dirty="0" smtClean="0">
-                <a:latin typeface="Consolas"/>
-                <a:cs typeface="Consolas"/>
-              </a:rPr>
-              <a:t>swap!!</a:t>
-            </a:r>
-            <a:r>
-              <a:rPr lang="ru-RU" dirty="0" smtClean="0"/>
-              <a:t>, </a:t>
-            </a:r>
-            <a:r>
-              <a:rPr lang="ru-RU" dirty="0" err="1" smtClean="0">
-                <a:latin typeface="Consolas"/>
-                <a:cs typeface="Consolas"/>
-              </a:rPr>
-              <a:t>dosync</a:t>
-            </a:r>
-            <a:r>
-              <a:rPr lang="ru-RU" dirty="0" smtClean="0">
-                <a:latin typeface="Consolas"/>
-                <a:cs typeface="Consolas"/>
-              </a:rPr>
-              <a:t>!!</a:t>
-            </a:r>
-            <a:r>
-              <a:rPr lang="ru-RU" dirty="0" smtClean="0"/>
-              <a:t>, </a:t>
-            </a:r>
-            <a:r>
-              <a:rPr lang="ru-RU" dirty="0" err="1" smtClean="0">
-                <a:latin typeface="Consolas"/>
-                <a:cs typeface="Consolas"/>
-              </a:rPr>
-              <a:t>alter</a:t>
-            </a:r>
-            <a:r>
-              <a:rPr lang="ru-RU" dirty="0" smtClean="0">
-                <a:latin typeface="Consolas"/>
-                <a:cs typeface="Consolas"/>
-              </a:rPr>
-              <a:t>!!</a:t>
-            </a:r>
-            <a:r>
-              <a:rPr lang="ru-RU" dirty="0" smtClean="0"/>
-              <a:t>, </a:t>
-            </a:r>
-            <a:r>
-              <a:rPr lang="ru-RU" dirty="0" err="1" smtClean="0"/>
-              <a:t>etc</a:t>
-            </a:r>
-            <a:r>
-              <a:rPr lang="ru-RU" dirty="0" smtClean="0"/>
-              <a:t>.</a:t>
-            </a:r>
-          </a:p>
-          <a:p>
-            <a:r>
-              <a:rPr lang="ru-RU" dirty="0" smtClean="0">
-                <a:latin typeface="Arial"/>
-                <a:cs typeface="Arial"/>
-              </a:rPr>
-              <a:t>Подробно – на </a:t>
-            </a:r>
-            <a:r>
-              <a:rPr lang="en-US" dirty="0">
-                <a:hlinkClick r:id="rId2"/>
-              </a:rPr>
-              <a:t>http://avout.io</a:t>
-            </a:r>
-            <a:r>
-              <a:rPr lang="en-US" dirty="0" smtClean="0">
-                <a:hlinkClick r:id="rId2"/>
-              </a:rPr>
-              <a:t>/</a:t>
-            </a:r>
-            <a:r>
-              <a:rPr lang="ru-RU" dirty="0" smtClean="0"/>
-              <a:t> </a:t>
-            </a:r>
-            <a:endParaRPr lang="en-US" dirty="0" smtClean="0">
+              <a:t>ClojureScript</a:t>
+            </a:r>
+            <a:endParaRPr lang="ru-RU" dirty="0" smtClean="0">
               <a:latin typeface="Arial"/>
               <a:cs typeface="Arial"/>
             </a:endParaRPr>
+          </a:p>
+          <a:p>
+            <a:r>
+              <a:rPr lang="ru-RU" dirty="0" smtClean="0"/>
+              <a:t>Ресурсы:</a:t>
+            </a:r>
+          </a:p>
+          <a:p>
+            <a:pPr lvl="1"/>
+            <a:r>
+              <a:rPr lang="en-US" sz="1500" u="sng" dirty="0">
+                <a:hlinkClick r:id="rId2"/>
+              </a:rPr>
+              <a:t>http://clojure.com/blog/2013/06/28/clojure-core-async-channels.html</a:t>
+            </a:r>
+          </a:p>
+          <a:p>
+            <a:pPr lvl="1"/>
+            <a:r>
+              <a:rPr lang="en-US" sz="1500" u="sng" dirty="0">
+                <a:hlinkClick r:id="rId3"/>
+              </a:rPr>
+              <a:t>http://stuartsierra.com/2013/12/08/parallel-processing-with-core-async</a:t>
+            </a:r>
+          </a:p>
+          <a:p>
+            <a:pPr lvl="1"/>
+            <a:r>
+              <a:rPr lang="en-US" sz="1500" u="sng" dirty="0">
+                <a:hlinkClick r:id="rId4"/>
+              </a:rPr>
+              <a:t>http://swannodette.github.io/2013/07/12/communicating-sequential-processes</a:t>
+            </a:r>
+            <a:r>
+              <a:rPr lang="en-US" sz="1500" u="sng" dirty="0" smtClean="0">
+                <a:hlinkClick r:id="rId4"/>
+              </a:rPr>
+              <a:t>/</a:t>
+            </a:r>
+            <a:endParaRPr lang="en-US" sz="1500" u="sng" dirty="0" smtClean="0"/>
+          </a:p>
+          <a:p>
+            <a:pPr lvl="1"/>
+            <a:r>
+              <a:rPr lang="en-US" sz="1500" u="sng" dirty="0">
+                <a:hlinkClick r:id="rId5"/>
+              </a:rPr>
+              <a:t>http://blog.drewolson.org/blog/2013/07/04/clojure-core-dot-async-and-go-a-code-comparison/</a:t>
+            </a:r>
+          </a:p>
+          <a:p>
+            <a:pPr lvl="1"/>
+            <a:r>
+              <a:rPr lang="en-US" sz="1500" u="sng" dirty="0">
+                <a:hlinkClick r:id="rId6"/>
+              </a:rPr>
+              <a:t>http://www.leonardoborges.com/writings/2013/07/06/clojure-core-dot-async-lisp-advantage/</a:t>
+            </a:r>
+            <a:endParaRPr lang="en-US" sz="1500" u="sng" dirty="0" smtClean="0"/>
+          </a:p>
+          <a:p>
+            <a:pPr lvl="1"/>
+            <a:r>
+              <a:rPr lang="en-US" sz="1500" u="sng" dirty="0">
+                <a:hlinkClick r:id="rId7"/>
+              </a:rPr>
+              <a:t>http://www.infoq.com/presentations/clojure-core-async</a:t>
+            </a:r>
+          </a:p>
+          <a:p>
+            <a:pPr lvl="1"/>
+            <a:r>
+              <a:rPr lang="en-US" sz="1500" u="sng" dirty="0">
+                <a:hlinkClick r:id="rId8"/>
+              </a:rPr>
+              <a:t>http://www.infoq.com/presentations/core-async-clojure</a:t>
+            </a:r>
+            <a:endParaRPr lang="en-US" sz="1500" dirty="0" smtClean="0"/>
           </a:p>
           <a:p>
             <a:endParaRPr lang="en-US" dirty="0" smtClean="0">
@@ -32044,7 +31507,7 @@
     </p:spTree>
     <p:extLst>
       <p:ext uri="{BB962C8B-B14F-4D97-AF65-F5344CB8AC3E}">
-        <p14:creationId xmlns:p14="http://schemas.microsoft.com/office/powerpoint/2010/main" val="2247392663"/>
+        <p14:creationId xmlns:p14="http://schemas.microsoft.com/office/powerpoint/2010/main" val="2978892161"/>
       </p:ext>
     </p:extLst>
   </p:cSld>
@@ -32087,18 +31550,16 @@
           <a:lstStyle/>
           <a:p>
             <a:r>
-              <a:rPr lang="en-US" dirty="0" err="1" smtClean="0"/>
+              <a:rPr lang="en-US" sz="4000" dirty="0" err="1" smtClean="0">
+                <a:latin typeface="Arial"/>
+                <a:cs typeface="Arial"/>
+              </a:rPr>
               <a:t>Avout</a:t>
             </a:r>
-            <a:r>
-              <a:rPr lang="en-US" dirty="0" smtClean="0"/>
-              <a:t>: </a:t>
-            </a:r>
-            <a:r>
-              <a:rPr lang="ru-RU" dirty="0" smtClean="0"/>
-              <a:t>пример</a:t>
-            </a:r>
-            <a:endParaRPr lang="en-US" dirty="0"/>
+            <a:endParaRPr lang="en-US" sz="4000" dirty="0">
+              <a:latin typeface="Arial"/>
+              <a:cs typeface="Arial"/>
+            </a:endParaRPr>
           </a:p>
         </p:txBody>
       </p:sp>
@@ -32112,529 +31573,199 @@
             <p:ph idx="1"/>
           </p:nvPr>
         </p:nvSpPr>
-        <p:spPr/>
+        <p:spPr>
+          <a:xfrm>
+            <a:off x="914400" y="1498600"/>
+            <a:ext cx="7313613" cy="4292600"/>
+          </a:xfrm>
+        </p:spPr>
         <p:txBody>
-          <a:bodyPr>
-            <a:normAutofit/>
-          </a:bodyPr>
+          <a:bodyPr/>
           <a:lstStyle/>
           <a:p>
-            <a:pPr marL="0" indent="0">
-              <a:spcBef>
-                <a:spcPts val="200"/>
-              </a:spcBef>
-              <a:buNone/>
-            </a:pPr>
-            <a:r>
-              <a:rPr lang="en-US" dirty="0">
-                <a:solidFill>
-                  <a:srgbClr val="000000"/>
-                </a:solidFill>
-                <a:latin typeface="Consolas"/>
-                <a:ea typeface="Courier"/>
-                <a:cs typeface="Consolas"/>
-              </a:rPr>
-              <a:t>(</a:t>
-            </a:r>
-            <a:r>
-              <a:rPr lang="en-US" dirty="0">
-                <a:solidFill>
-                  <a:srgbClr val="473D8B"/>
-                </a:solidFill>
-                <a:latin typeface="Consolas"/>
-                <a:ea typeface="Courier"/>
-                <a:cs typeface="Consolas"/>
-              </a:rPr>
-              <a:t>use</a:t>
-            </a:r>
-            <a:r>
-              <a:rPr lang="en-US" dirty="0">
-                <a:solidFill>
-                  <a:srgbClr val="000000"/>
-                </a:solidFill>
-                <a:latin typeface="Consolas"/>
-                <a:ea typeface="Courier"/>
-                <a:cs typeface="Consolas"/>
-              </a:rPr>
-              <a:t> '</a:t>
-            </a:r>
-            <a:r>
-              <a:rPr lang="en-US" dirty="0" err="1">
-                <a:solidFill>
-                  <a:srgbClr val="000000"/>
-                </a:solidFill>
-                <a:latin typeface="Consolas"/>
-                <a:ea typeface="Courier"/>
-                <a:cs typeface="Consolas"/>
-              </a:rPr>
-              <a:t>avout.core</a:t>
-            </a:r>
-            <a:r>
-              <a:rPr lang="en-US" dirty="0">
-                <a:solidFill>
-                  <a:srgbClr val="000000"/>
-                </a:solidFill>
-                <a:latin typeface="Consolas"/>
-                <a:ea typeface="Courier"/>
-                <a:cs typeface="Consolas"/>
-              </a:rPr>
-              <a:t>)</a:t>
-            </a:r>
-          </a:p>
-          <a:p>
-            <a:pPr marL="0" indent="0">
-              <a:spcBef>
-                <a:spcPts val="200"/>
-              </a:spcBef>
-              <a:buNone/>
-            </a:pPr>
-            <a:r>
-              <a:rPr lang="en-US" dirty="0">
-                <a:solidFill>
-                  <a:srgbClr val="000000"/>
-                </a:solidFill>
-                <a:latin typeface="Consolas"/>
-                <a:ea typeface="Courier"/>
-                <a:cs typeface="Consolas"/>
-              </a:rPr>
-              <a:t>(</a:t>
-            </a:r>
-            <a:r>
-              <a:rPr lang="en-US" dirty="0" err="1">
-                <a:solidFill>
-                  <a:srgbClr val="A034F1"/>
-                </a:solidFill>
-                <a:latin typeface="Consolas"/>
-                <a:ea typeface="Courier"/>
-                <a:cs typeface="Consolas"/>
-              </a:rPr>
-              <a:t>def</a:t>
-            </a:r>
-            <a:r>
-              <a:rPr lang="en-US" dirty="0">
-                <a:solidFill>
-                  <a:srgbClr val="000000"/>
-                </a:solidFill>
-                <a:latin typeface="Consolas"/>
-                <a:ea typeface="Courier"/>
-                <a:cs typeface="Consolas"/>
-              </a:rPr>
+            <a:r>
+              <a:rPr lang="ru-RU" dirty="0" smtClean="0"/>
+              <a:t>Атомы и ссылки в распределенной среде</a:t>
+            </a:r>
+          </a:p>
+          <a:p>
+            <a:r>
+              <a:rPr lang="ru-RU" dirty="0" smtClean="0"/>
+              <a:t>Координация через </a:t>
+            </a:r>
+            <a:r>
+              <a:rPr lang="ru-RU" dirty="0" err="1" smtClean="0"/>
+              <a:t>ZooKeeper</a:t>
+            </a:r>
+            <a:endParaRPr lang="ru-RU" dirty="0" smtClean="0"/>
+          </a:p>
+          <a:p>
+            <a:r>
+              <a:rPr lang="ru-RU" dirty="0" smtClean="0">
+                <a:latin typeface="Arial"/>
+                <a:cs typeface="Arial"/>
+              </a:rPr>
+              <a:t>Разные </a:t>
+            </a:r>
+            <a:r>
+              <a:rPr lang="ru-RU" dirty="0" err="1" smtClean="0">
+                <a:latin typeface="Arial"/>
+                <a:cs typeface="Arial"/>
+              </a:rPr>
+              <a:t>backends</a:t>
+            </a:r>
+            <a:r>
+              <a:rPr lang="ru-RU" dirty="0" smtClean="0">
+                <a:latin typeface="Arial"/>
+                <a:cs typeface="Arial"/>
+              </a:rPr>
+              <a:t> для хранения состояния – </a:t>
+            </a:r>
+            <a:r>
+              <a:rPr lang="ru-RU" dirty="0" err="1" smtClean="0">
+                <a:latin typeface="Arial"/>
+                <a:cs typeface="Arial"/>
+              </a:rPr>
+              <a:t>MongoDB</a:t>
+            </a:r>
+            <a:r>
+              <a:rPr lang="ru-RU" dirty="0" smtClean="0">
+                <a:latin typeface="Arial"/>
+                <a:cs typeface="Arial"/>
+              </a:rPr>
+              <a:t>, </a:t>
+            </a:r>
+            <a:r>
+              <a:rPr lang="ru-RU" dirty="0" err="1" smtClean="0">
+                <a:latin typeface="Arial"/>
+                <a:cs typeface="Arial"/>
+              </a:rPr>
+              <a:t>SimpleDB</a:t>
+            </a:r>
+            <a:r>
+              <a:rPr lang="ru-RU" dirty="0" smtClean="0">
+                <a:latin typeface="Arial"/>
+                <a:cs typeface="Arial"/>
+              </a:rPr>
+              <a:t>, плюс возможность расширения</a:t>
+            </a:r>
+          </a:p>
+          <a:p>
+            <a:r>
+              <a:rPr lang="ru-RU" dirty="0" smtClean="0"/>
+              <a:t>Можно использовать стандартные функции – </a:t>
+            </a:r>
+            <a:r>
+              <a:rPr lang="ru-RU" dirty="0" err="1" smtClean="0"/>
+              <a:t>deref</a:t>
+            </a:r>
+            <a:r>
+              <a:rPr lang="ru-RU" dirty="0" smtClean="0"/>
+              <a:t>, наблюдатели, </a:t>
+            </a:r>
+            <a:r>
+              <a:rPr lang="ru-RU" dirty="0" err="1" smtClean="0"/>
+              <a:t>валидаторы</a:t>
+            </a:r>
+            <a:endParaRPr lang="ru-RU" dirty="0" smtClean="0"/>
+          </a:p>
+          <a:p>
+            <a:r>
+              <a:rPr lang="ru-RU" dirty="0" smtClean="0">
+                <a:latin typeface="Arial"/>
+                <a:cs typeface="Arial"/>
+              </a:rPr>
+              <a:t>Собственная версия функций для изменения состояния: </a:t>
+            </a:r>
+            <a:r>
+              <a:rPr lang="ru-RU" dirty="0" smtClean="0">
+                <a:latin typeface="Consolas"/>
+                <a:cs typeface="Consolas"/>
+              </a:rPr>
+              <a:t>swap!!</a:t>
+            </a:r>
+            <a:r>
+              <a:rPr lang="ru-RU" dirty="0" smtClean="0"/>
+              <a:t>, </a:t>
+            </a:r>
+            <a:r>
+              <a:rPr lang="ru-RU" dirty="0" err="1" smtClean="0">
+                <a:latin typeface="Consolas"/>
+                <a:cs typeface="Consolas"/>
+              </a:rPr>
+              <a:t>dosync</a:t>
+            </a:r>
+            <a:r>
+              <a:rPr lang="ru-RU" dirty="0" smtClean="0">
+                <a:latin typeface="Consolas"/>
+                <a:cs typeface="Consolas"/>
+              </a:rPr>
+              <a:t>!!</a:t>
+            </a:r>
+            <a:r>
+              <a:rPr lang="ru-RU" dirty="0" smtClean="0"/>
+              <a:t>, </a:t>
+            </a:r>
+            <a:r>
+              <a:rPr lang="ru-RU" dirty="0" err="1" smtClean="0">
+                <a:latin typeface="Consolas"/>
+                <a:cs typeface="Consolas"/>
+              </a:rPr>
+              <a:t>alter</a:t>
+            </a:r>
+            <a:r>
+              <a:rPr lang="ru-RU" dirty="0" smtClean="0">
+                <a:latin typeface="Consolas"/>
+                <a:cs typeface="Consolas"/>
+              </a:rPr>
+              <a:t>!!</a:t>
+            </a:r>
+            <a:r>
+              <a:rPr lang="ru-RU" dirty="0" smtClean="0"/>
+              <a:t>, </a:t>
+            </a:r>
+            <a:r>
+              <a:rPr lang="ru-RU" dirty="0" err="1" smtClean="0"/>
+              <a:t>etc</a:t>
+            </a:r>
+            <a:r>
+              <a:rPr lang="ru-RU" dirty="0" smtClean="0"/>
+              <a:t>.</a:t>
+            </a:r>
+          </a:p>
+          <a:p>
+            <a:r>
+              <a:rPr lang="ru-RU" dirty="0" smtClean="0">
+                <a:latin typeface="Arial"/>
+                <a:cs typeface="Arial"/>
+              </a:rPr>
+              <a:t>Подробно – на </a:t>
+            </a:r>
+            <a:r>
+              <a:rPr lang="en-US" dirty="0">
+                <a:hlinkClick r:id="rId2"/>
+              </a:rPr>
+              <a:t>http://avout.io</a:t>
+            </a:r>
+            <a:r>
+              <a:rPr lang="en-US" dirty="0" smtClean="0">
+                <a:hlinkClick r:id="rId2"/>
+              </a:rPr>
+              <a:t>/</a:t>
+            </a:r>
+            <a:r>
+              <a:rPr lang="ru-RU" dirty="0" smtClean="0"/>
               <a:t> </a:t>
             </a:r>
-            <a:r>
-              <a:rPr lang="en-US" dirty="0">
-                <a:solidFill>
-                  <a:srgbClr val="0432FF"/>
-                </a:solidFill>
-                <a:latin typeface="Consolas"/>
-                <a:ea typeface="Courier"/>
-                <a:cs typeface="Consolas"/>
-              </a:rPr>
-              <a:t>client</a:t>
-            </a:r>
-            <a:r>
-              <a:rPr lang="en-US" dirty="0">
-                <a:solidFill>
-                  <a:srgbClr val="000000"/>
-                </a:solidFill>
-                <a:latin typeface="Consolas"/>
-                <a:ea typeface="Courier"/>
-                <a:cs typeface="Consolas"/>
-              </a:rPr>
-              <a:t> (connect </a:t>
-            </a:r>
-            <a:r>
-              <a:rPr lang="en-US" dirty="0">
-                <a:solidFill>
-                  <a:srgbClr val="8B2152"/>
-                </a:solidFill>
-                <a:latin typeface="Consolas"/>
-                <a:ea typeface="Courier"/>
-                <a:cs typeface="Consolas"/>
-              </a:rPr>
-              <a:t>"127.0.0.1"</a:t>
-            </a:r>
-            <a:r>
-              <a:rPr lang="en-US" dirty="0">
-                <a:solidFill>
-                  <a:srgbClr val="000000"/>
-                </a:solidFill>
-                <a:latin typeface="Consolas"/>
-                <a:ea typeface="Courier"/>
-                <a:cs typeface="Consolas"/>
-              </a:rPr>
-              <a:t>))</a:t>
-            </a:r>
-          </a:p>
-          <a:p>
-            <a:pPr>
-              <a:spcBef>
-                <a:spcPts val="200"/>
-              </a:spcBef>
-            </a:pPr>
-            <a:endParaRPr lang="en-US" dirty="0">
-              <a:solidFill>
-                <a:srgbClr val="000000"/>
-              </a:solidFill>
-              <a:latin typeface="Consolas"/>
-              <a:ea typeface="Courier"/>
-              <a:cs typeface="Consolas"/>
+            <a:endParaRPr lang="en-US" dirty="0" smtClean="0">
+              <a:latin typeface="Arial"/>
+              <a:cs typeface="Arial"/>
             </a:endParaRPr>
           </a:p>
           <a:p>
-            <a:pPr marL="0" indent="0">
-              <a:spcBef>
-                <a:spcPts val="200"/>
-              </a:spcBef>
-              <a:buNone/>
-            </a:pPr>
-            <a:r>
-              <a:rPr lang="en-US" dirty="0">
-                <a:solidFill>
-                  <a:srgbClr val="000000"/>
-                </a:solidFill>
-                <a:latin typeface="Consolas"/>
-                <a:ea typeface="Courier"/>
-                <a:cs typeface="Consolas"/>
-              </a:rPr>
-              <a:t>(</a:t>
-            </a:r>
-            <a:r>
-              <a:rPr lang="en-US" dirty="0" err="1">
-                <a:solidFill>
-                  <a:srgbClr val="A034F1"/>
-                </a:solidFill>
-                <a:latin typeface="Consolas"/>
-                <a:ea typeface="Courier"/>
-                <a:cs typeface="Consolas"/>
-              </a:rPr>
-              <a:t>def</a:t>
-            </a:r>
-            <a:r>
-              <a:rPr lang="en-US" dirty="0">
-                <a:solidFill>
-                  <a:srgbClr val="000000"/>
-                </a:solidFill>
-                <a:latin typeface="Consolas"/>
-                <a:ea typeface="Courier"/>
-                <a:cs typeface="Consolas"/>
-              </a:rPr>
-              <a:t> </a:t>
-            </a:r>
-            <a:r>
-              <a:rPr lang="en-US" dirty="0">
-                <a:solidFill>
-                  <a:srgbClr val="0432FF"/>
-                </a:solidFill>
-                <a:latin typeface="Consolas"/>
-                <a:ea typeface="Courier"/>
-                <a:cs typeface="Consolas"/>
-              </a:rPr>
-              <a:t>r0</a:t>
-            </a:r>
-            <a:r>
-              <a:rPr lang="en-US" dirty="0">
-                <a:solidFill>
-                  <a:srgbClr val="000000"/>
-                </a:solidFill>
-                <a:latin typeface="Consolas"/>
-                <a:ea typeface="Courier"/>
-                <a:cs typeface="Consolas"/>
-              </a:rPr>
-              <a:t> (</a:t>
-            </a:r>
-            <a:r>
-              <a:rPr lang="en-US" dirty="0" err="1">
-                <a:solidFill>
-                  <a:srgbClr val="000000"/>
-                </a:solidFill>
-                <a:latin typeface="Consolas"/>
-                <a:ea typeface="Courier"/>
-                <a:cs typeface="Consolas"/>
-              </a:rPr>
-              <a:t>zk</a:t>
-            </a:r>
-            <a:r>
-              <a:rPr lang="en-US" dirty="0">
-                <a:solidFill>
-                  <a:srgbClr val="000000"/>
-                </a:solidFill>
-                <a:latin typeface="Consolas"/>
-                <a:ea typeface="Courier"/>
-                <a:cs typeface="Consolas"/>
-              </a:rPr>
-              <a:t>-ref client </a:t>
-            </a:r>
-            <a:r>
-              <a:rPr lang="en-US" dirty="0">
-                <a:solidFill>
-                  <a:srgbClr val="8B2152"/>
-                </a:solidFill>
-                <a:latin typeface="Consolas"/>
-                <a:ea typeface="Courier"/>
-                <a:cs typeface="Consolas"/>
-              </a:rPr>
-              <a:t>"/r0"</a:t>
-            </a:r>
-            <a:r>
-              <a:rPr lang="en-US" dirty="0">
-                <a:solidFill>
-                  <a:srgbClr val="000000"/>
-                </a:solidFill>
-                <a:latin typeface="Consolas"/>
-                <a:ea typeface="Courier"/>
-                <a:cs typeface="Consolas"/>
-              </a:rPr>
-              <a:t> 0))</a:t>
-            </a:r>
-          </a:p>
-          <a:p>
-            <a:pPr marL="0" indent="0">
-              <a:spcBef>
-                <a:spcPts val="200"/>
-              </a:spcBef>
-              <a:buNone/>
-            </a:pPr>
-            <a:r>
-              <a:rPr lang="en-US" dirty="0">
-                <a:solidFill>
-                  <a:srgbClr val="000000"/>
-                </a:solidFill>
-                <a:latin typeface="Consolas"/>
-                <a:ea typeface="Courier"/>
-                <a:cs typeface="Consolas"/>
-              </a:rPr>
-              <a:t>(</a:t>
-            </a:r>
-            <a:r>
-              <a:rPr lang="en-US" dirty="0" err="1">
-                <a:solidFill>
-                  <a:srgbClr val="A034F1"/>
-                </a:solidFill>
-                <a:latin typeface="Consolas"/>
-                <a:ea typeface="Courier"/>
-                <a:cs typeface="Consolas"/>
-              </a:rPr>
-              <a:t>def</a:t>
-            </a:r>
-            <a:r>
-              <a:rPr lang="en-US" dirty="0">
-                <a:solidFill>
-                  <a:srgbClr val="000000"/>
-                </a:solidFill>
-                <a:latin typeface="Consolas"/>
-                <a:ea typeface="Courier"/>
-                <a:cs typeface="Consolas"/>
-              </a:rPr>
-              <a:t> </a:t>
-            </a:r>
-            <a:r>
-              <a:rPr lang="en-US" dirty="0">
-                <a:solidFill>
-                  <a:srgbClr val="0432FF"/>
-                </a:solidFill>
-                <a:latin typeface="Consolas"/>
-                <a:ea typeface="Courier"/>
-                <a:cs typeface="Consolas"/>
-              </a:rPr>
-              <a:t>r1</a:t>
-            </a:r>
-            <a:r>
-              <a:rPr lang="en-US" dirty="0">
-                <a:solidFill>
-                  <a:srgbClr val="000000"/>
-                </a:solidFill>
-                <a:latin typeface="Consolas"/>
-                <a:ea typeface="Courier"/>
-                <a:cs typeface="Consolas"/>
-              </a:rPr>
-              <a:t> (</a:t>
-            </a:r>
-            <a:r>
-              <a:rPr lang="en-US" dirty="0" err="1">
-                <a:solidFill>
-                  <a:srgbClr val="000000"/>
-                </a:solidFill>
-                <a:latin typeface="Consolas"/>
-                <a:ea typeface="Courier"/>
-                <a:cs typeface="Consolas"/>
-              </a:rPr>
-              <a:t>zk</a:t>
-            </a:r>
-            <a:r>
-              <a:rPr lang="en-US" dirty="0">
-                <a:solidFill>
-                  <a:srgbClr val="000000"/>
-                </a:solidFill>
-                <a:latin typeface="Consolas"/>
-                <a:ea typeface="Courier"/>
-                <a:cs typeface="Consolas"/>
-              </a:rPr>
-              <a:t>-ref client </a:t>
-            </a:r>
-            <a:r>
-              <a:rPr lang="en-US" dirty="0">
-                <a:solidFill>
-                  <a:srgbClr val="8B2152"/>
-                </a:solidFill>
-                <a:latin typeface="Consolas"/>
-                <a:ea typeface="Courier"/>
-                <a:cs typeface="Consolas"/>
-              </a:rPr>
-              <a:t>"/r1"</a:t>
-            </a:r>
-            <a:r>
-              <a:rPr lang="en-US" dirty="0">
-                <a:solidFill>
-                  <a:srgbClr val="000000"/>
-                </a:solidFill>
-                <a:latin typeface="Consolas"/>
-                <a:ea typeface="Courier"/>
-                <a:cs typeface="Consolas"/>
-              </a:rPr>
-              <a:t> []))</a:t>
-            </a:r>
-          </a:p>
-          <a:p>
-            <a:pPr>
-              <a:spcBef>
-                <a:spcPts val="200"/>
-              </a:spcBef>
-            </a:pPr>
-            <a:endParaRPr lang="en-US" dirty="0">
-              <a:solidFill>
-                <a:srgbClr val="000000"/>
-              </a:solidFill>
-              <a:latin typeface="Consolas"/>
-              <a:ea typeface="Courier"/>
-              <a:cs typeface="Consolas"/>
-            </a:endParaRPr>
-          </a:p>
-          <a:p>
-            <a:pPr marL="0" indent="0">
-              <a:spcBef>
-                <a:spcPts val="200"/>
-              </a:spcBef>
-              <a:buNone/>
-            </a:pPr>
-            <a:r>
-              <a:rPr lang="en-US" dirty="0">
-                <a:solidFill>
-                  <a:srgbClr val="000000"/>
-                </a:solidFill>
-                <a:latin typeface="Consolas"/>
-                <a:ea typeface="Courier"/>
-                <a:cs typeface="Consolas"/>
-              </a:rPr>
-              <a:t>(</a:t>
-            </a:r>
-            <a:r>
-              <a:rPr lang="en-US" dirty="0" err="1">
-                <a:solidFill>
-                  <a:srgbClr val="000000"/>
-                </a:solidFill>
-                <a:latin typeface="Consolas"/>
-                <a:ea typeface="Courier"/>
-                <a:cs typeface="Consolas"/>
-              </a:rPr>
-              <a:t>dosync</a:t>
-            </a:r>
-            <a:r>
-              <a:rPr lang="en-US" dirty="0">
-                <a:solidFill>
-                  <a:srgbClr val="000000"/>
-                </a:solidFill>
-                <a:latin typeface="Consolas"/>
-                <a:ea typeface="Courier"/>
-                <a:cs typeface="Consolas"/>
-              </a:rPr>
-              <a:t>!! client</a:t>
-            </a:r>
-          </a:p>
-          <a:p>
-            <a:pPr marL="0" indent="0">
-              <a:spcBef>
-                <a:spcPts val="200"/>
-              </a:spcBef>
-              <a:buNone/>
-            </a:pPr>
-            <a:r>
-              <a:rPr lang="en-US" dirty="0">
-                <a:solidFill>
-                  <a:srgbClr val="000000"/>
-                </a:solidFill>
-                <a:latin typeface="Consolas"/>
-                <a:ea typeface="Courier"/>
-                <a:cs typeface="Consolas"/>
-              </a:rPr>
-              <a:t>  (alter!! r0 </a:t>
-            </a:r>
-            <a:r>
-              <a:rPr lang="en-US" dirty="0" err="1">
-                <a:solidFill>
-                  <a:srgbClr val="000000"/>
-                </a:solidFill>
-                <a:latin typeface="Consolas"/>
-                <a:ea typeface="Courier"/>
-                <a:cs typeface="Consolas"/>
-              </a:rPr>
-              <a:t>inc</a:t>
-            </a:r>
-            <a:r>
-              <a:rPr lang="en-US" dirty="0">
-                <a:solidFill>
-                  <a:srgbClr val="000000"/>
-                </a:solidFill>
-                <a:latin typeface="Consolas"/>
-                <a:ea typeface="Courier"/>
-                <a:cs typeface="Consolas"/>
-              </a:rPr>
-              <a:t>)</a:t>
-            </a:r>
-          </a:p>
-          <a:p>
-            <a:pPr marL="0" indent="0">
-              <a:spcBef>
-                <a:spcPts val="200"/>
-              </a:spcBef>
-              <a:buNone/>
-            </a:pPr>
-            <a:r>
-              <a:rPr lang="en-US" dirty="0">
-                <a:solidFill>
-                  <a:srgbClr val="000000"/>
-                </a:solidFill>
-                <a:latin typeface="Consolas"/>
-                <a:ea typeface="Courier"/>
-                <a:cs typeface="Consolas"/>
-              </a:rPr>
-              <a:t>  (alter!! r1 </a:t>
-            </a:r>
-            <a:r>
-              <a:rPr lang="en-US" dirty="0" err="1">
-                <a:solidFill>
-                  <a:srgbClr val="000000"/>
-                </a:solidFill>
-                <a:latin typeface="Consolas"/>
-                <a:ea typeface="Courier"/>
-                <a:cs typeface="Consolas"/>
-              </a:rPr>
-              <a:t>conj</a:t>
-            </a:r>
-            <a:r>
-              <a:rPr lang="en-US" dirty="0">
-                <a:solidFill>
-                  <a:srgbClr val="000000"/>
-                </a:solidFill>
-                <a:latin typeface="Consolas"/>
-                <a:ea typeface="Courier"/>
-                <a:cs typeface="Consolas"/>
-              </a:rPr>
-              <a:t> @r0))</a:t>
-            </a:r>
-            <a:endParaRPr lang="en-US" dirty="0">
-              <a:latin typeface="Consolas"/>
-              <a:cs typeface="Consolas"/>
+            <a:endParaRPr lang="en-US" dirty="0" smtClean="0">
+              <a:latin typeface="Arial"/>
+              <a:cs typeface="Arial"/>
             </a:endParaRPr>
           </a:p>
         </p:txBody>
@@ -32642,7 +31773,7 @@
     </p:spTree>
     <p:extLst>
       <p:ext uri="{BB962C8B-B14F-4D97-AF65-F5344CB8AC3E}">
-        <p14:creationId xmlns:p14="http://schemas.microsoft.com/office/powerpoint/2010/main" val="2663970595"/>
+        <p14:creationId xmlns:p14="http://schemas.microsoft.com/office/powerpoint/2010/main" val="2247392663"/>
       </p:ext>
     </p:extLst>
   </p:cSld>
@@ -32685,8 +31816,16 @@
           <a:lstStyle/>
           <a:p>
             <a:r>
-              <a:rPr lang="en-US" dirty="0"/>
-              <a:t>Pulsar</a:t>
+              <a:rPr lang="en-US" dirty="0" err="1" smtClean="0"/>
+              <a:t>Avout</a:t>
+            </a:r>
+            <a:r>
+              <a:rPr lang="en-US" dirty="0" smtClean="0"/>
+              <a:t>: </a:t>
+            </a:r>
+            <a:r>
+              <a:rPr lang="ru-RU" dirty="0" smtClean="0"/>
+              <a:t>пример</a:t>
             </a:r>
             <a:endParaRPr lang="en-US" dirty="0"/>
           </a:p>
@@ -32709,102 +31848,530 @@
           </a:bodyPr>
           <a:lstStyle/>
           <a:p>
-            <a:r>
-              <a:rPr lang="ru-RU" dirty="0" smtClean="0"/>
-              <a:t>Реализует различные конкурентные операции</a:t>
-            </a:r>
-          </a:p>
-          <a:p>
-            <a:r>
-              <a:rPr lang="ru-RU" dirty="0" smtClean="0"/>
-              <a:t>Включает поддержку </a:t>
-            </a:r>
-            <a:r>
-              <a:rPr lang="ru-RU" dirty="0" err="1" smtClean="0"/>
-              <a:t>акторной</a:t>
-            </a:r>
-            <a:r>
-              <a:rPr lang="ru-RU" dirty="0" smtClean="0"/>
-              <a:t> модели</a:t>
-            </a:r>
-          </a:p>
-          <a:p>
-            <a:r>
-              <a:rPr lang="ru-RU" dirty="0" err="1" smtClean="0"/>
-              <a:t>Pattern</a:t>
-            </a:r>
-            <a:r>
-              <a:rPr lang="ru-RU" dirty="0" smtClean="0"/>
+            <a:pPr marL="0" indent="0">
+              <a:spcBef>
+                <a:spcPts val="200"/>
+              </a:spcBef>
+              <a:buNone/>
+            </a:pPr>
+            <a:r>
+              <a:rPr lang="en-US" dirty="0">
+                <a:solidFill>
+                  <a:srgbClr val="000000"/>
+                </a:solidFill>
+                <a:latin typeface="Consolas"/>
+                <a:ea typeface="Courier"/>
+                <a:cs typeface="Consolas"/>
+              </a:rPr>
+              <a:t>(</a:t>
+            </a:r>
+            <a:r>
+              <a:rPr lang="en-US" dirty="0">
+                <a:solidFill>
+                  <a:srgbClr val="473D8B"/>
+                </a:solidFill>
+                <a:latin typeface="Consolas"/>
+                <a:ea typeface="Courier"/>
+                <a:cs typeface="Consolas"/>
+              </a:rPr>
+              <a:t>use</a:t>
+            </a:r>
+            <a:r>
+              <a:rPr lang="en-US" dirty="0">
+                <a:solidFill>
+                  <a:srgbClr val="000000"/>
+                </a:solidFill>
+                <a:latin typeface="Consolas"/>
+                <a:ea typeface="Courier"/>
+                <a:cs typeface="Consolas"/>
+              </a:rPr>
+              <a:t> '</a:t>
+            </a:r>
+            <a:r>
+              <a:rPr lang="en-US" dirty="0" err="1">
+                <a:solidFill>
+                  <a:srgbClr val="000000"/>
+                </a:solidFill>
+                <a:latin typeface="Consolas"/>
+                <a:ea typeface="Courier"/>
+                <a:cs typeface="Consolas"/>
+              </a:rPr>
+              <a:t>avout.core</a:t>
+            </a:r>
+            <a:r>
+              <a:rPr lang="en-US" dirty="0">
+                <a:solidFill>
+                  <a:srgbClr val="000000"/>
+                </a:solidFill>
+                <a:latin typeface="Consolas"/>
+                <a:ea typeface="Courier"/>
+                <a:cs typeface="Consolas"/>
+              </a:rPr>
+              <a:t>)</a:t>
+            </a:r>
+          </a:p>
+          <a:p>
+            <a:pPr marL="0" indent="0">
+              <a:spcBef>
+                <a:spcPts val="200"/>
+              </a:spcBef>
+              <a:buNone/>
+            </a:pPr>
+            <a:r>
+              <a:rPr lang="en-US" dirty="0">
+                <a:solidFill>
+                  <a:srgbClr val="000000"/>
+                </a:solidFill>
+                <a:latin typeface="Consolas"/>
+                <a:ea typeface="Courier"/>
+                <a:cs typeface="Consolas"/>
+              </a:rPr>
+              <a:t>(</a:t>
+            </a:r>
+            <a:r>
+              <a:rPr lang="en-US" dirty="0" err="1">
+                <a:solidFill>
+                  <a:srgbClr val="A034F1"/>
+                </a:solidFill>
+                <a:latin typeface="Consolas"/>
+                <a:ea typeface="Courier"/>
+                <a:cs typeface="Consolas"/>
+              </a:rPr>
+              <a:t>def</a:t>
+            </a:r>
+            <a:r>
+              <a:rPr lang="en-US" dirty="0">
+                <a:solidFill>
+                  <a:srgbClr val="000000"/>
+                </a:solidFill>
+                <a:latin typeface="Consolas"/>
+                <a:ea typeface="Courier"/>
+                <a:cs typeface="Consolas"/>
+              </a:rPr>
               <a:t> </a:t>
             </a:r>
             <a:r>
-              <a:rPr lang="ru-RU" dirty="0" err="1" smtClean="0"/>
-              <a:t>matching</a:t>
-            </a:r>
-            <a:r>
-              <a:rPr lang="ru-RU" dirty="0" smtClean="0"/>
-              <a:t> как в </a:t>
-            </a:r>
-            <a:r>
-              <a:rPr lang="ru-RU" dirty="0" err="1" smtClean="0"/>
-              <a:t>Erlang</a:t>
-            </a:r>
-            <a:r>
-              <a:rPr lang="ru-RU" dirty="0" smtClean="0"/>
-              <a:t>, включая двоичные данные</a:t>
-            </a:r>
-            <a:endParaRPr lang="ru-RU" dirty="0"/>
-          </a:p>
-          <a:p>
-            <a:r>
-              <a:rPr lang="ru-RU" dirty="0" smtClean="0"/>
-              <a:t>Основана на </a:t>
-            </a:r>
-            <a:r>
-              <a:rPr lang="ru-RU" dirty="0" err="1" smtClean="0"/>
-              <a:t>Java</a:t>
-            </a:r>
-            <a:r>
-              <a:rPr lang="ru-RU" dirty="0" smtClean="0"/>
-              <a:t> библиотеке </a:t>
-            </a:r>
-            <a:r>
-              <a:rPr lang="ru-RU" dirty="0" err="1" smtClean="0"/>
-              <a:t>Quasar</a:t>
-            </a:r>
-            <a:endParaRPr lang="ru-RU" dirty="0" smtClean="0"/>
-          </a:p>
-          <a:p>
-            <a:r>
-              <a:rPr lang="ru-RU" dirty="0" smtClean="0"/>
-              <a:t>Ресурсы:</a:t>
-            </a:r>
-          </a:p>
-          <a:p>
-            <a:pPr lvl="1"/>
-            <a:r>
-              <a:rPr lang="en-US" sz="1800" u="sng" dirty="0">
-                <a:hlinkClick r:id="rId2"/>
-              </a:rPr>
-              <a:t>http://blog.paralleluniverse.co/2013/05/02/quasar-pulsar/</a:t>
-            </a:r>
-          </a:p>
-          <a:p>
-            <a:pPr lvl="1"/>
-            <a:r>
-              <a:rPr lang="en-US" sz="1800" u="sng" dirty="0">
-                <a:hlinkClick r:id="rId3"/>
-              </a:rPr>
-              <a:t>http://puniverse.github.io/pulsar/</a:t>
-            </a:r>
-            <a:endParaRPr lang="en-US" sz="1800" dirty="0"/>
+              <a:rPr lang="en-US" dirty="0">
+                <a:solidFill>
+                  <a:srgbClr val="0432FF"/>
+                </a:solidFill>
+                <a:latin typeface="Consolas"/>
+                <a:ea typeface="Courier"/>
+                <a:cs typeface="Consolas"/>
+              </a:rPr>
+              <a:t>client</a:t>
+            </a:r>
+            <a:r>
+              <a:rPr lang="en-US" dirty="0">
+                <a:solidFill>
+                  <a:srgbClr val="000000"/>
+                </a:solidFill>
+                <a:latin typeface="Consolas"/>
+                <a:ea typeface="Courier"/>
+                <a:cs typeface="Consolas"/>
+              </a:rPr>
+              <a:t> (connect </a:t>
+            </a:r>
+            <a:r>
+              <a:rPr lang="en-US" dirty="0">
+                <a:solidFill>
+                  <a:srgbClr val="8B2152"/>
+                </a:solidFill>
+                <a:latin typeface="Consolas"/>
+                <a:ea typeface="Courier"/>
+                <a:cs typeface="Consolas"/>
+              </a:rPr>
+              <a:t>"127.0.0.1"</a:t>
+            </a:r>
+            <a:r>
+              <a:rPr lang="en-US" dirty="0">
+                <a:solidFill>
+                  <a:srgbClr val="000000"/>
+                </a:solidFill>
+                <a:latin typeface="Consolas"/>
+                <a:ea typeface="Courier"/>
+                <a:cs typeface="Consolas"/>
+              </a:rPr>
+              <a:t>))</a:t>
+            </a:r>
+          </a:p>
+          <a:p>
+            <a:pPr>
+              <a:spcBef>
+                <a:spcPts val="200"/>
+              </a:spcBef>
+            </a:pPr>
+            <a:endParaRPr lang="en-US" dirty="0">
+              <a:solidFill>
+                <a:srgbClr val="000000"/>
+              </a:solidFill>
+              <a:latin typeface="Consolas"/>
+              <a:ea typeface="Courier"/>
+              <a:cs typeface="Consolas"/>
+            </a:endParaRPr>
+          </a:p>
+          <a:p>
+            <a:pPr marL="0" indent="0">
+              <a:spcBef>
+                <a:spcPts val="200"/>
+              </a:spcBef>
+              <a:buNone/>
+            </a:pPr>
+            <a:r>
+              <a:rPr lang="en-US" dirty="0">
+                <a:solidFill>
+                  <a:srgbClr val="000000"/>
+                </a:solidFill>
+                <a:latin typeface="Consolas"/>
+                <a:ea typeface="Courier"/>
+                <a:cs typeface="Consolas"/>
+              </a:rPr>
+              <a:t>(</a:t>
+            </a:r>
+            <a:r>
+              <a:rPr lang="en-US" dirty="0" err="1">
+                <a:solidFill>
+                  <a:srgbClr val="A034F1"/>
+                </a:solidFill>
+                <a:latin typeface="Consolas"/>
+                <a:ea typeface="Courier"/>
+                <a:cs typeface="Consolas"/>
+              </a:rPr>
+              <a:t>def</a:t>
+            </a:r>
+            <a:r>
+              <a:rPr lang="en-US" dirty="0">
+                <a:solidFill>
+                  <a:srgbClr val="000000"/>
+                </a:solidFill>
+                <a:latin typeface="Consolas"/>
+                <a:ea typeface="Courier"/>
+                <a:cs typeface="Consolas"/>
+              </a:rPr>
+              <a:t> </a:t>
+            </a:r>
+            <a:r>
+              <a:rPr lang="en-US" dirty="0">
+                <a:solidFill>
+                  <a:srgbClr val="0432FF"/>
+                </a:solidFill>
+                <a:latin typeface="Consolas"/>
+                <a:ea typeface="Courier"/>
+                <a:cs typeface="Consolas"/>
+              </a:rPr>
+              <a:t>r0</a:t>
+            </a:r>
+            <a:r>
+              <a:rPr lang="en-US" dirty="0">
+                <a:solidFill>
+                  <a:srgbClr val="000000"/>
+                </a:solidFill>
+                <a:latin typeface="Consolas"/>
+                <a:ea typeface="Courier"/>
+                <a:cs typeface="Consolas"/>
+              </a:rPr>
+              <a:t> (</a:t>
+            </a:r>
+            <a:r>
+              <a:rPr lang="en-US" dirty="0" err="1">
+                <a:solidFill>
+                  <a:srgbClr val="000000"/>
+                </a:solidFill>
+                <a:latin typeface="Consolas"/>
+                <a:ea typeface="Courier"/>
+                <a:cs typeface="Consolas"/>
+              </a:rPr>
+              <a:t>zk</a:t>
+            </a:r>
+            <a:r>
+              <a:rPr lang="en-US" dirty="0">
+                <a:solidFill>
+                  <a:srgbClr val="000000"/>
+                </a:solidFill>
+                <a:latin typeface="Consolas"/>
+                <a:ea typeface="Courier"/>
+                <a:cs typeface="Consolas"/>
+              </a:rPr>
+              <a:t>-ref client </a:t>
+            </a:r>
+            <a:r>
+              <a:rPr lang="en-US" dirty="0">
+                <a:solidFill>
+                  <a:srgbClr val="8B2152"/>
+                </a:solidFill>
+                <a:latin typeface="Consolas"/>
+                <a:ea typeface="Courier"/>
+                <a:cs typeface="Consolas"/>
+              </a:rPr>
+              <a:t>"/r0"</a:t>
+            </a:r>
+            <a:r>
+              <a:rPr lang="en-US" dirty="0">
+                <a:solidFill>
+                  <a:srgbClr val="000000"/>
+                </a:solidFill>
+                <a:latin typeface="Consolas"/>
+                <a:ea typeface="Courier"/>
+                <a:cs typeface="Consolas"/>
+              </a:rPr>
+              <a:t> 0))</a:t>
+            </a:r>
+          </a:p>
+          <a:p>
+            <a:pPr marL="0" indent="0">
+              <a:spcBef>
+                <a:spcPts val="200"/>
+              </a:spcBef>
+              <a:buNone/>
+            </a:pPr>
+            <a:r>
+              <a:rPr lang="en-US" dirty="0">
+                <a:solidFill>
+                  <a:srgbClr val="000000"/>
+                </a:solidFill>
+                <a:latin typeface="Consolas"/>
+                <a:ea typeface="Courier"/>
+                <a:cs typeface="Consolas"/>
+              </a:rPr>
+              <a:t>(</a:t>
+            </a:r>
+            <a:r>
+              <a:rPr lang="en-US" dirty="0" err="1">
+                <a:solidFill>
+                  <a:srgbClr val="A034F1"/>
+                </a:solidFill>
+                <a:latin typeface="Consolas"/>
+                <a:ea typeface="Courier"/>
+                <a:cs typeface="Consolas"/>
+              </a:rPr>
+              <a:t>def</a:t>
+            </a:r>
+            <a:r>
+              <a:rPr lang="en-US" dirty="0">
+                <a:solidFill>
+                  <a:srgbClr val="000000"/>
+                </a:solidFill>
+                <a:latin typeface="Consolas"/>
+                <a:ea typeface="Courier"/>
+                <a:cs typeface="Consolas"/>
+              </a:rPr>
+              <a:t> </a:t>
+            </a:r>
+            <a:r>
+              <a:rPr lang="en-US" dirty="0">
+                <a:solidFill>
+                  <a:srgbClr val="0432FF"/>
+                </a:solidFill>
+                <a:latin typeface="Consolas"/>
+                <a:ea typeface="Courier"/>
+                <a:cs typeface="Consolas"/>
+              </a:rPr>
+              <a:t>r1</a:t>
+            </a:r>
+            <a:r>
+              <a:rPr lang="en-US" dirty="0">
+                <a:solidFill>
+                  <a:srgbClr val="000000"/>
+                </a:solidFill>
+                <a:latin typeface="Consolas"/>
+                <a:ea typeface="Courier"/>
+                <a:cs typeface="Consolas"/>
+              </a:rPr>
+              <a:t> (</a:t>
+            </a:r>
+            <a:r>
+              <a:rPr lang="en-US" dirty="0" err="1">
+                <a:solidFill>
+                  <a:srgbClr val="000000"/>
+                </a:solidFill>
+                <a:latin typeface="Consolas"/>
+                <a:ea typeface="Courier"/>
+                <a:cs typeface="Consolas"/>
+              </a:rPr>
+              <a:t>zk</a:t>
+            </a:r>
+            <a:r>
+              <a:rPr lang="en-US" dirty="0">
+                <a:solidFill>
+                  <a:srgbClr val="000000"/>
+                </a:solidFill>
+                <a:latin typeface="Consolas"/>
+                <a:ea typeface="Courier"/>
+                <a:cs typeface="Consolas"/>
+              </a:rPr>
+              <a:t>-ref client </a:t>
+            </a:r>
+            <a:r>
+              <a:rPr lang="en-US" dirty="0">
+                <a:solidFill>
+                  <a:srgbClr val="8B2152"/>
+                </a:solidFill>
+                <a:latin typeface="Consolas"/>
+                <a:ea typeface="Courier"/>
+                <a:cs typeface="Consolas"/>
+              </a:rPr>
+              <a:t>"/r1"</a:t>
+            </a:r>
+            <a:r>
+              <a:rPr lang="en-US" dirty="0">
+                <a:solidFill>
+                  <a:srgbClr val="000000"/>
+                </a:solidFill>
+                <a:latin typeface="Consolas"/>
+                <a:ea typeface="Courier"/>
+                <a:cs typeface="Consolas"/>
+              </a:rPr>
+              <a:t> []))</a:t>
+            </a:r>
+          </a:p>
+          <a:p>
+            <a:pPr>
+              <a:spcBef>
+                <a:spcPts val="200"/>
+              </a:spcBef>
+            </a:pPr>
+            <a:endParaRPr lang="en-US" dirty="0">
+              <a:solidFill>
+                <a:srgbClr val="000000"/>
+              </a:solidFill>
+              <a:latin typeface="Consolas"/>
+              <a:ea typeface="Courier"/>
+              <a:cs typeface="Consolas"/>
+            </a:endParaRPr>
+          </a:p>
+          <a:p>
+            <a:pPr marL="0" indent="0">
+              <a:spcBef>
+                <a:spcPts val="200"/>
+              </a:spcBef>
+              <a:buNone/>
+            </a:pPr>
+            <a:r>
+              <a:rPr lang="en-US" dirty="0">
+                <a:solidFill>
+                  <a:srgbClr val="000000"/>
+                </a:solidFill>
+                <a:latin typeface="Consolas"/>
+                <a:ea typeface="Courier"/>
+                <a:cs typeface="Consolas"/>
+              </a:rPr>
+              <a:t>(</a:t>
+            </a:r>
+            <a:r>
+              <a:rPr lang="en-US" dirty="0" err="1">
+                <a:solidFill>
+                  <a:srgbClr val="000000"/>
+                </a:solidFill>
+                <a:latin typeface="Consolas"/>
+                <a:ea typeface="Courier"/>
+                <a:cs typeface="Consolas"/>
+              </a:rPr>
+              <a:t>dosync</a:t>
+            </a:r>
+            <a:r>
+              <a:rPr lang="en-US" dirty="0">
+                <a:solidFill>
+                  <a:srgbClr val="000000"/>
+                </a:solidFill>
+                <a:latin typeface="Consolas"/>
+                <a:ea typeface="Courier"/>
+                <a:cs typeface="Consolas"/>
+              </a:rPr>
+              <a:t>!! client</a:t>
+            </a:r>
+          </a:p>
+          <a:p>
+            <a:pPr marL="0" indent="0">
+              <a:spcBef>
+                <a:spcPts val="200"/>
+              </a:spcBef>
+              <a:buNone/>
+            </a:pPr>
+            <a:r>
+              <a:rPr lang="en-US" dirty="0">
+                <a:solidFill>
+                  <a:srgbClr val="000000"/>
+                </a:solidFill>
+                <a:latin typeface="Consolas"/>
+                <a:ea typeface="Courier"/>
+                <a:cs typeface="Consolas"/>
+              </a:rPr>
+              <a:t>  (alter!! r0 </a:t>
+            </a:r>
+            <a:r>
+              <a:rPr lang="en-US" dirty="0" err="1">
+                <a:solidFill>
+                  <a:srgbClr val="000000"/>
+                </a:solidFill>
+                <a:latin typeface="Consolas"/>
+                <a:ea typeface="Courier"/>
+                <a:cs typeface="Consolas"/>
+              </a:rPr>
+              <a:t>inc</a:t>
+            </a:r>
+            <a:r>
+              <a:rPr lang="en-US" dirty="0">
+                <a:solidFill>
+                  <a:srgbClr val="000000"/>
+                </a:solidFill>
+                <a:latin typeface="Consolas"/>
+                <a:ea typeface="Courier"/>
+                <a:cs typeface="Consolas"/>
+              </a:rPr>
+              <a:t>)</a:t>
+            </a:r>
+          </a:p>
+          <a:p>
+            <a:pPr marL="0" indent="0">
+              <a:spcBef>
+                <a:spcPts val="200"/>
+              </a:spcBef>
+              <a:buNone/>
+            </a:pPr>
+            <a:r>
+              <a:rPr lang="en-US" dirty="0">
+                <a:solidFill>
+                  <a:srgbClr val="000000"/>
+                </a:solidFill>
+                <a:latin typeface="Consolas"/>
+                <a:ea typeface="Courier"/>
+                <a:cs typeface="Consolas"/>
+              </a:rPr>
+              <a:t>  (alter!! r1 </a:t>
+            </a:r>
+            <a:r>
+              <a:rPr lang="en-US" dirty="0" err="1">
+                <a:solidFill>
+                  <a:srgbClr val="000000"/>
+                </a:solidFill>
+                <a:latin typeface="Consolas"/>
+                <a:ea typeface="Courier"/>
+                <a:cs typeface="Consolas"/>
+              </a:rPr>
+              <a:t>conj</a:t>
+            </a:r>
+            <a:r>
+              <a:rPr lang="en-US" dirty="0">
+                <a:solidFill>
+                  <a:srgbClr val="000000"/>
+                </a:solidFill>
+                <a:latin typeface="Consolas"/>
+                <a:ea typeface="Courier"/>
+                <a:cs typeface="Consolas"/>
+              </a:rPr>
+              <a:t> @r0))</a:t>
+            </a:r>
+            <a:endParaRPr lang="en-US" dirty="0">
+              <a:latin typeface="Consolas"/>
+              <a:cs typeface="Consolas"/>
+            </a:endParaRPr>
           </a:p>
         </p:txBody>
       </p:sp>
     </p:spTree>
     <p:extLst>
       <p:ext uri="{BB962C8B-B14F-4D97-AF65-F5344CB8AC3E}">
-        <p14:creationId xmlns:p14="http://schemas.microsoft.com/office/powerpoint/2010/main" val="3750228962"/>
+        <p14:creationId xmlns:p14="http://schemas.microsoft.com/office/powerpoint/2010/main" val="2663970595"/>
       </p:ext>
     </p:extLst>
   </p:cSld>
@@ -32847,10 +32414,9 @@
           <a:lstStyle/>
           <a:p>
             <a:r>
-              <a:rPr lang="en-US" dirty="0" smtClean="0"/>
-              <a:t>Lamina</a:t>
-            </a:r>
-            <a:endParaRPr lang="en-US" dirty="0"/>
+              <a:rPr lang="en-US" dirty="0"/>
+              <a:t>Pulsar</a:t>
+            </a:r>
           </a:p>
         </p:txBody>
       </p:sp>
@@ -32866,65 +32432,107 @@
         </p:nvSpPr>
         <p:spPr/>
         <p:txBody>
-          <a:bodyPr/>
+          <a:bodyPr>
+            <a:normAutofit/>
+          </a:bodyPr>
           <a:lstStyle/>
           <a:p>
             <a:r>
               <a:rPr lang="ru-RU" dirty="0" smtClean="0"/>
-              <a:t>Предназначена для анализа потоков данных</a:t>
+              <a:t>Реализует различные конкурентные операции</a:t>
             </a:r>
           </a:p>
           <a:p>
             <a:r>
               <a:rPr lang="ru-RU" dirty="0" smtClean="0"/>
-              <a:t>Потоки как каналы</a:t>
-            </a:r>
-          </a:p>
-          <a:p>
+              <a:t>Включает поддержку </a:t>
+            </a:r>
+            <a:r>
+              <a:rPr lang="ru-RU" dirty="0" err="1" smtClean="0"/>
+              <a:t>акторной</a:t>
+            </a:r>
             <a:r>
               <a:rPr lang="ru-RU" dirty="0" smtClean="0"/>
-              <a:t>Возможность </a:t>
-            </a:r>
+              <a:t> модели</a:t>
+            </a:r>
+          </a:p>
+          <a:p>
             <a:r>
               <a:rPr lang="ru-RU" dirty="0" err="1" smtClean="0"/>
-              <a:t>параллелизации</a:t>
+              <a:t>Pattern</a:t>
             </a:r>
             <a:r>
               <a:rPr lang="ru-RU" dirty="0" smtClean="0"/>
-              <a:t> обработки данных</a:t>
-            </a:r>
-          </a:p>
-          <a:p>
+              <a:t> </a:t>
+            </a:r>
+            <a:r>
+              <a:rPr lang="ru-RU" dirty="0" err="1" smtClean="0"/>
+              <a:t>matching</a:t>
+            </a:r>
             <a:r>
               <a:rPr lang="ru-RU" dirty="0" smtClean="0"/>
-              <a:t>Ресурсы</a:t>
+              <a:t> как в </a:t>
+            </a:r>
+            <a:r>
+              <a:rPr lang="ru-RU" dirty="0" err="1" smtClean="0"/>
+              <a:t>Erlang</a:t>
+            </a:r>
+            <a:r>
+              <a:rPr lang="ru-RU" dirty="0" smtClean="0"/>
+              <a:t>, включая двоичные данные</a:t>
+            </a:r>
+            <a:endParaRPr lang="ru-RU" dirty="0"/>
+          </a:p>
+          <a:p>
+            <a:r>
+              <a:rPr lang="ru-RU" dirty="0" smtClean="0"/>
+              <a:t>Основана на </a:t>
+            </a:r>
+            <a:r>
+              <a:rPr lang="ru-RU" dirty="0" err="1" smtClean="0"/>
+              <a:t>Java</a:t>
+            </a:r>
+            <a:r>
+              <a:rPr lang="ru-RU" dirty="0" smtClean="0"/>
+              <a:t> библиотеке </a:t>
+            </a:r>
+            <a:r>
+              <a:rPr lang="ru-RU" dirty="0" err="1" smtClean="0"/>
+              <a:t>Quasar</a:t>
+            </a:r>
+            <a:endParaRPr lang="ru-RU" dirty="0" smtClean="0"/>
+          </a:p>
+          <a:p>
+            <a:r>
+              <a:rPr lang="ru-RU" dirty="0" smtClean="0"/>
+              <a:t>Ресурсы:</a:t>
             </a:r>
           </a:p>
           <a:p>
             <a:pPr lvl="1"/>
             <a:r>
-              <a:rPr lang="en-US" u="sng" dirty="0">
+              <a:rPr lang="en-US" sz="1800" u="sng" dirty="0">
                 <a:hlinkClick r:id="rId2"/>
               </a:rPr>
-              <a:t>https://github.com/ztellman/lamina</a:t>
+              <a:t>http://blog.paralleluniverse.co/2013/05/02/quasar-pulsar/</a:t>
             </a:r>
           </a:p>
           <a:p>
             <a:pPr lvl="1"/>
             <a:r>
-              <a:rPr lang="en-US" u="sng" dirty="0">
+              <a:rPr lang="en-US" sz="1800" u="sng" dirty="0">
                 <a:hlinkClick r:id="rId3"/>
               </a:rPr>
-              <a:t>http://adambard.com/blog/why-clojure-part-2-async-magic/</a:t>
-            </a:r>
-            <a:endParaRPr lang="en-US" dirty="0"/>
+              <a:t>http://puniverse.github.io/pulsar/</a:t>
+            </a:r>
+            <a:endParaRPr lang="en-US" sz="1800" dirty="0"/>
           </a:p>
         </p:txBody>
       </p:sp>
     </p:spTree>
     <p:extLst>
       <p:ext uri="{BB962C8B-B14F-4D97-AF65-F5344CB8AC3E}">
-        <p14:creationId xmlns:p14="http://schemas.microsoft.com/office/powerpoint/2010/main" val="4211021834"/>
+        <p14:creationId xmlns:p14="http://schemas.microsoft.com/office/powerpoint/2010/main" val="3750228962"/>
       </p:ext>
     </p:extLst>
   </p:cSld>
@@ -32967,8 +32575,8 @@
           <a:lstStyle/>
           <a:p>
             <a:r>
-              <a:rPr lang="ru-RU" dirty="0" err="1" smtClean="0"/>
-              <a:t>Hadoop-based</a:t>
+              <a:rPr lang="en-US" dirty="0" smtClean="0"/>
+              <a:t>Lamina</a:t>
             </a:r>
             <a:endParaRPr lang="en-US" dirty="0"/>
           </a:p>
@@ -32990,80 +32598,61 @@
           <a:lstStyle/>
           <a:p>
             <a:r>
-              <a:rPr lang="en-US" dirty="0" err="1" smtClean="0"/>
-              <a:t>clojure-hadoop</a:t>
-            </a:r>
-            <a:r>
-              <a:rPr lang="en-US" dirty="0"/>
-              <a:t> (</a:t>
-            </a:r>
-            <a:r>
-              <a:rPr lang="en-US" dirty="0">
+              <a:rPr lang="ru-RU" dirty="0" smtClean="0"/>
+              <a:t>Предназначена для анализа потоков данных</a:t>
+            </a:r>
+          </a:p>
+          <a:p>
+            <a:r>
+              <a:rPr lang="ru-RU" dirty="0" smtClean="0"/>
+              <a:t>Потоки как каналы</a:t>
+            </a:r>
+          </a:p>
+          <a:p>
+            <a:r>
+              <a:rPr lang="ru-RU" dirty="0" smtClean="0"/>
+              <a:t>Возможность </a:t>
+            </a:r>
+            <a:r>
+              <a:rPr lang="ru-RU" dirty="0" err="1" smtClean="0"/>
+              <a:t>параллелизации</a:t>
+            </a:r>
+            <a:r>
+              <a:rPr lang="ru-RU" dirty="0" smtClean="0"/>
+              <a:t> обработки данных</a:t>
+            </a:r>
+          </a:p>
+          <a:p>
+            <a:r>
+              <a:rPr lang="ru-RU" dirty="0" smtClean="0"/>
+              <a:t>Ресурсы</a:t>
+            </a:r>
+          </a:p>
+          <a:p>
+            <a:pPr lvl="1"/>
+            <a:r>
+              <a:rPr lang="en-US" u="sng" dirty="0">
                 <a:hlinkClick r:id="rId2"/>
               </a:rPr>
-              <a:t>http://github.com/alexott/clojure-hadoop</a:t>
-            </a:r>
-            <a:r>
-              <a:rPr lang="en-US" dirty="0" smtClean="0"/>
-              <a:t>)</a:t>
-            </a:r>
-          </a:p>
-          <a:p>
-            <a:r>
-              <a:rPr lang="en-US" dirty="0" err="1" smtClean="0"/>
-              <a:t>parkour</a:t>
-            </a:r>
-            <a:r>
-              <a:rPr lang="en-US" dirty="0" smtClean="0"/>
-              <a:t> </a:t>
-            </a:r>
-            <a:r>
-              <a:rPr lang="en-US" dirty="0"/>
-              <a:t>(</a:t>
-            </a:r>
-            <a:r>
-              <a:rPr lang="en-US" dirty="0">
+              <a:t>https://github.com/ztellman/lamina</a:t>
+            </a:r>
+          </a:p>
+          <a:p>
+            <a:pPr lvl="1"/>
+            <a:r>
+              <a:rPr lang="en-US" u="sng" dirty="0">
                 <a:hlinkClick r:id="rId3"/>
               </a:rPr>
-              <a:t>https://github.com/damballa/parkour</a:t>
-            </a:r>
-            <a:r>
-              <a:rPr lang="en-US" dirty="0" smtClean="0"/>
-              <a:t>)</a:t>
-            </a:r>
-          </a:p>
-          <a:p>
-            <a:r>
-              <a:rPr lang="en-US" dirty="0" err="1" smtClean="0"/>
-              <a:t>PigPen</a:t>
-            </a:r>
-            <a:r>
-              <a:rPr lang="en-US" dirty="0"/>
-              <a:t> (</a:t>
-            </a:r>
-            <a:r>
-              <a:rPr lang="en-US" dirty="0">
-                <a:hlinkClick r:id="rId4"/>
-              </a:rPr>
-              <a:t>https://github.com/Netflix/</a:t>
-            </a:r>
-            <a:r>
-              <a:rPr lang="en-US" dirty="0" smtClean="0">
-                <a:hlinkClick r:id="rId4"/>
-              </a:rPr>
-              <a:t>PigPen</a:t>
-            </a:r>
-            <a:r>
-              <a:rPr lang="en-US" dirty="0" smtClean="0"/>
-              <a:t>)</a:t>
-            </a:r>
+              <a:t>http://adambard.com/blog/why-clojure-part-2-async-magic/</a:t>
+            </a:r>
+            <a:endParaRPr lang="en-US" dirty="0"/>
           </a:p>
         </p:txBody>
       </p:sp>
     </p:spTree>
     <p:extLst>
       <p:ext uri="{BB962C8B-B14F-4D97-AF65-F5344CB8AC3E}">
-        <p14:creationId xmlns:p14="http://schemas.microsoft.com/office/powerpoint/2010/main" val="1233360295"/>
+        <p14:creationId xmlns:p14="http://schemas.microsoft.com/office/powerpoint/2010/main" val="4211021834"/>
       </p:ext>
     </p:extLst>
   </p:cSld>
@@ -33106,6 +32695,145 @@
           <a:lstStyle/>
           <a:p>
             <a:r>
+              <a:rPr lang="ru-RU" dirty="0" err="1" smtClean="0"/>
+              <a:t>Hadoop-based</a:t>
+            </a:r>
+            <a:endParaRPr lang="en-US" dirty="0"/>
+          </a:p>
+        </p:txBody>
+      </p:sp>
+      <p:sp>
+        <p:nvSpPr>
+          <p:cNvPr id="3" name="Content Placeholder 2"/>
+          <p:cNvSpPr>
+            <a:spLocks noGrp="1"/>
+          </p:cNvSpPr>
+          <p:nvPr>
+            <p:ph idx="1"/>
+          </p:nvPr>
+        </p:nvSpPr>
+        <p:spPr/>
+        <p:txBody>
+          <a:bodyPr/>
+          <a:lstStyle/>
+          <a:p>
+            <a:r>
+              <a:rPr lang="en-US" dirty="0" err="1" smtClean="0"/>
+              <a:t>clojure-hadoop</a:t>
+            </a:r>
+            <a:r>
+              <a:rPr lang="en-US" dirty="0"/>
+              <a:t> (</a:t>
+            </a:r>
+            <a:r>
+              <a:rPr lang="en-US" dirty="0">
+                <a:hlinkClick r:id="rId2"/>
+              </a:rPr>
+              <a:t>http://github.com/alexott/clojure-hadoop</a:t>
+            </a:r>
+            <a:r>
+              <a:rPr lang="en-US" dirty="0" smtClean="0"/>
+              <a:t>)</a:t>
+            </a:r>
+          </a:p>
+          <a:p>
+            <a:r>
+              <a:rPr lang="en-US" dirty="0" err="1" smtClean="0"/>
+              <a:t>parkour</a:t>
+            </a:r>
+            <a:r>
+              <a:rPr lang="en-US" dirty="0" smtClean="0"/>
+              <a:t> </a:t>
+            </a:r>
+            <a:r>
+              <a:rPr lang="en-US" dirty="0"/>
+              <a:t>(</a:t>
+            </a:r>
+            <a:r>
+              <a:rPr lang="en-US" dirty="0">
+                <a:hlinkClick r:id="rId3"/>
+              </a:rPr>
+              <a:t>https://github.com/damballa/parkour</a:t>
+            </a:r>
+            <a:r>
+              <a:rPr lang="en-US" dirty="0" smtClean="0"/>
+              <a:t>)</a:t>
+            </a:r>
+          </a:p>
+          <a:p>
+            <a:r>
+              <a:rPr lang="en-US" dirty="0" err="1" smtClean="0"/>
+              <a:t>PigPen</a:t>
+            </a:r>
+            <a:r>
+              <a:rPr lang="en-US" dirty="0"/>
+              <a:t> (</a:t>
+            </a:r>
+            <a:r>
+              <a:rPr lang="en-US" dirty="0">
+                <a:hlinkClick r:id="rId4"/>
+              </a:rPr>
+              <a:t>https://github.com/Netflix/</a:t>
+            </a:r>
+            <a:r>
+              <a:rPr lang="en-US" dirty="0" smtClean="0">
+                <a:hlinkClick r:id="rId4"/>
+              </a:rPr>
+              <a:t>PigPen</a:t>
+            </a:r>
+            <a:r>
+              <a:rPr lang="en-US" dirty="0" smtClean="0"/>
+              <a:t>)</a:t>
+            </a:r>
+          </a:p>
+        </p:txBody>
+      </p:sp>
+    </p:spTree>
+    <p:extLst>
+      <p:ext uri="{BB962C8B-B14F-4D97-AF65-F5344CB8AC3E}">
+        <p14:creationId xmlns:p14="http://schemas.microsoft.com/office/powerpoint/2010/main" val="1233360295"/>
+      </p:ext>
+    </p:extLst>
+  </p:cSld>
+  <p:clrMapOvr>
+    <a:masterClrMapping/>
+  </p:clrMapOvr>
+</p:sld>
+</file>
+
+<file path=ppt/slides/slide47.xml><?xml version="1.0" encoding="utf-8"?>
+<p:sld xmlns:a="http://schemas.openxmlformats.org/drawingml/2006/main" xmlns:r="http://schemas.openxmlformats.org/officeDocument/2006/relationships" xmlns:p="http://schemas.openxmlformats.org/presentationml/2006/main">
+  <p:cSld>
+    <p:spTree>
+      <p:nvGrpSpPr>
+        <p:cNvPr id="1" name=""/>
+        <p:cNvGrpSpPr/>
+        <p:nvPr/>
+      </p:nvGrpSpPr>
+      <p:grpSpPr>
+        <a:xfrm>
+          <a:off x="0" y="0"/>
+          <a:ext cx="0" cy="0"/>
+          <a:chOff x="0" y="0"/>
+          <a:chExt cx="0" cy="0"/>
+        </a:xfrm>
+      </p:grpSpPr>
+      <p:sp>
+        <p:nvSpPr>
+          <p:cNvPr id="2" name="Title 1"/>
+          <p:cNvSpPr>
+            <a:spLocks noGrp="1"/>
+          </p:cNvSpPr>
+          <p:nvPr>
+            <p:ph type="title"/>
+          </p:nvPr>
+        </p:nvSpPr>
+        <p:spPr/>
+        <p:txBody>
+          <a:bodyPr/>
+          <a:lstStyle/>
+          <a:p>
+            <a:r>
               <a:rPr lang="ru-RU" sz="4000" dirty="0" smtClean="0">
                 <a:latin typeface="Arial"/>
                 <a:cs typeface="Arial"/>
@@ -33146,36 +32874,12 @@
               <a:rPr lang="en-US" dirty="0">
                 <a:hlinkClick r:id="rId2"/>
               </a:rPr>
-              <a:t>://</a:t>
+              <a:t>://java.ociweb.com/mark/stm/</a:t>
             </a:r>
             <a:r>
               <a:rPr lang="en-US" dirty="0" err="1">
                 <a:hlinkClick r:id="rId2"/>
               </a:rPr>
-              <a:t>java.ociweb.com</a:t>
-            </a:r>
-            <a:r>
-              <a:rPr lang="en-US" dirty="0">
-                <a:hlinkClick r:id="rId2"/>
-              </a:rPr>
-              <a:t>/mark/</a:t>
-            </a:r>
-            <a:r>
-              <a:rPr lang="en-US" dirty="0" err="1">
-                <a:hlinkClick r:id="rId2"/>
-              </a:rPr>
-              <a:t>stm</a:t>
-            </a:r>
-            <a:r>
-              <a:rPr lang="en-US" dirty="0">
-                <a:hlinkClick r:id="rId2"/>
-              </a:rPr>
-              <a:t>/</a:t>
-            </a:r>
-            <a:r>
-              <a:rPr lang="en-US" dirty="0" err="1">
-                <a:hlinkClick r:id="rId2"/>
-              </a:rPr>
               <a:t>article.html</a:t>
             </a:r>
             <a:endParaRPr lang="en-US" dirty="0"/>
@@ -33209,19 +32913,7 @@
               <a:rPr lang="en-US" dirty="0">
                 <a:hlinkClick r:id="rId3"/>
               </a:rPr>
-              <a:t>://</a:t>
-            </a:r>
-            <a:r>
-              <a:rPr lang="en-US" dirty="0" err="1">
-                <a:hlinkClick r:id="rId3"/>
-              </a:rPr>
-              <a:t>aphyr.com</a:t>
-            </a:r>
-            <a:r>
-              <a:rPr lang="en-US" dirty="0">
-                <a:hlinkClick r:id="rId3"/>
-              </a:rPr>
-              <a:t>/posts/306-clojure-from-the-ground-up-</a:t>
+              <a:t>://aphyr.com/posts/306-clojure-from-the-ground-up-</a:t>
             </a:r>
             <a:r>
               <a:rPr lang="en-US" dirty="0" smtClean="0">
@@ -33854,6 +33546,14 @@
             <a:r>
               <a:rPr lang="ru-RU" dirty="0" err="1" smtClean="0"/>
               <a:t>Memory</a:t>
+            </a:r>
+            <a:r>
+              <a:rPr lang="ru-RU" dirty="0" smtClean="0"/>
+              <a:t> </a:t>
+            </a:r>
+            <a:r>
+              <a:rPr lang="ru-RU" smtClean="0"/>
+              <a:t>(MVCC)</a:t>
             </a:r>
             <a:endParaRPr lang="ru-RU" dirty="0" smtClean="0"/>
           </a:p>
